--- a/CROSS the road.pptx
+++ b/CROSS the road.pptx
@@ -5398,6 +5398,34 @@
           <a:bodyPr/>
           <a:lstStyle/>
           <a:p>
+            <a:r>
+              <a:rPr lang="es-ES" dirty="0"/>
+              <a:t>Ismael </a:t>
+            </a:r>
+            <a:r>
+              <a:rPr lang="es-ES" dirty="0" err="1"/>
+              <a:t>Torrijano</a:t>
+            </a:r>
+            <a:r>
+              <a:rPr lang="es-ES" dirty="0"/>
+              <a:t> Pedroche</a:t>
+            </a:r>
+          </a:p>
+          <a:p>
+            <a:r>
+              <a:rPr lang="es-ES" dirty="0"/>
+              <a:t>Irene Valdés Miguel</a:t>
+            </a:r>
+          </a:p>
+          <a:p>
+            <a:r>
+              <a:rPr lang="es-ES" dirty="0"/>
+              <a:t>Iris Martínez </a:t>
+            </a:r>
+            <a:r>
+              <a:rPr lang="es-ES"/>
+              <a:t>Pére</a:t>
+            </a:r>
             <a:endParaRPr lang="es-ES" dirty="0"/>
           </a:p>
         </p:txBody>

--- a/CROSS the road.pptx
+++ b/CROSS the road.pptx
@@ -5420,11 +5420,11 @@
           <a:p>
             <a:r>
               <a:rPr lang="es-ES" dirty="0"/>
-              <a:t>Iris Martínez </a:t>
-            </a:r>
-            <a:r>
-              <a:rPr lang="es-ES"/>
-              <a:t>Pére</a:t>
+              <a:t>Iris </a:t>
+            </a:r>
+            <a:r>
+              <a:rPr lang="es-ES"/>
+              <a:t>Martínez Pérez</a:t>
             </a:r>
             <a:endParaRPr lang="es-ES" dirty="0"/>
           </a:p>

--- a/CROSS the road.pptx
+++ b/CROSS the road.pptx
@@ -6314,7 +6314,12 @@
             <p:ph type="title"/>
           </p:nvPr>
         </p:nvSpPr>
-        <p:spPr/>
+        <p:spPr>
+          <a:xfrm>
+            <a:off x="684212" y="4487332"/>
+            <a:ext cx="5186501" cy="1507067"/>
+          </a:xfrm>
+        </p:spPr>
         <p:txBody>
           <a:bodyPr/>
           <a:lstStyle/>
@@ -6392,6 +6397,36 @@
           <a:bodyPr/>
           <a:lstStyle/>
           <a:p>
+            <a:r>
+              <a:rPr lang="es-ES" dirty="0"/>
+              <a:t>Todos los objetos de este programa están definidos por una clase con sus respectivos atributos(variables).</a:t>
+            </a:r>
+          </a:p>
+          <a:p>
+            <a:r>
+              <a:rPr lang="es-ES" dirty="0"/>
+              <a:t>Se utiliza una interfaz pública </a:t>
+            </a:r>
+          </a:p>
+          <a:p>
+            <a:r>
+              <a:rPr lang="es-ES" dirty="0"/>
+              <a:t>Se añaden las funciones de pintar, mover y borrar, que como sus nombres indican pintan el objeto, lo mueven y borran su rastro </a:t>
+            </a:r>
+          </a:p>
+          <a:p>
+            <a:pPr marL="0" indent="0">
+              <a:buNone/>
+            </a:pPr>
+            <a:endParaRPr lang="es-ES" dirty="0"/>
+          </a:p>
+          <a:p>
+            <a:endParaRPr lang="es-ES" dirty="0"/>
+          </a:p>
+          <a:p>
+            <a:endParaRPr lang="es-ES" dirty="0"/>
+          </a:p>
+          <a:p>
             <a:endParaRPr lang="es-ES" dirty="0"/>
           </a:p>
         </p:txBody>
@@ -6430,31 +6465,35 @@
           </a:p>
         </p:txBody>
       </p:sp>
-      <p:sp>
-        <p:nvSpPr>
-          <p:cNvPr id="6" name="Marcador de contenido 5">
+      <p:pic>
+        <p:nvPicPr>
+          <p:cNvPr id="8" name="Marcador de contenido 7" descr="Captura de pantalla de un celular&#10;&#10;Descripción generada automáticamente">
             <a:extLst>
               <a:ext uri="{FF2B5EF4-FFF2-40B4-BE49-F238E27FC236}">
-                <a16:creationId xmlns:a16="http://schemas.microsoft.com/office/drawing/2014/main" id="{20048D25-CAB5-49ED-88B3-C660A4C081F6}"/>
+                <a16:creationId xmlns:a16="http://schemas.microsoft.com/office/drawing/2014/main" id="{BE8FD12C-C8D1-44B2-B59D-FAA6856EDF9A}"/>
               </a:ext>
             </a:extLst>
           </p:cNvPr>
-          <p:cNvSpPr>
-            <a:spLocks noGrp="1"/>
-          </p:cNvSpPr>
+          <p:cNvPicPr>
+            <a:picLocks noGrp="1" noChangeAspect="1"/>
+          </p:cNvPicPr>
           <p:nvPr>
             <p:ph sz="quarter" idx="4"/>
           </p:nvPr>
-        </p:nvSpPr>
-        <p:spPr/>
-        <p:txBody>
-          <a:bodyPr/>
-          <a:lstStyle/>
-          <a:p>
-            <a:endParaRPr lang="es-ES" dirty="0"/>
-          </a:p>
-        </p:txBody>
-      </p:sp>
+        </p:nvPicPr>
+        <p:blipFill>
+          <a:blip r:embed="rId2"/>
+          <a:stretch>
+            <a:fillRect/>
+          </a:stretch>
+        </p:blipFill>
+        <p:spPr>
+          <a:xfrm>
+            <a:off x="6109340" y="1262063"/>
+            <a:ext cx="5971508" cy="4184580"/>
+          </a:xfrm>
+        </p:spPr>
+      </p:pic>
     </p:spTree>
     <p:extLst>
       <p:ext uri="{BB962C8B-B14F-4D97-AF65-F5344CB8AC3E}">

--- a/CROSS the road.pptx
+++ b/CROSS the road.pptx
@@ -7,7 +7,9 @@
   <p:sldIdLst>
     <p:sldId id="256" r:id="rId2"/>
     <p:sldId id="258" r:id="rId3"/>
-    <p:sldId id="259" r:id="rId4"/>
+    <p:sldId id="260" r:id="rId4"/>
+    <p:sldId id="261" r:id="rId5"/>
+    <p:sldId id="259" r:id="rId6"/>
   </p:sldIdLst>
   <p:sldSz cx="12192000" cy="6858000"/>
   <p:notesSz cx="6858000" cy="9144000"/>
@@ -6224,7 +6226,23 @@
                   <a:srgbClr val="000000"/>
                 </a:solidFill>
               </a:rPr>
-              <a:t>El trabajo consiste en intentar atravesar todas las zonas sin que alguno de los elementos que se mueven horizontalmente intercepte a nuestra “rana”. En el caso en el que intercepte a algunos de nuestros “coches”, el número de vidas descenderá, hasta que llegue a cero. En ese momento el juego terminará.</a:t>
+              <a:t>El trabajo consiste en un programa en lenguaje </a:t>
+            </a:r>
+            <a:r>
+              <a:rPr lang="es-ES" dirty="0" err="1">
+                <a:solidFill>
+                  <a:srgbClr val="000000"/>
+                </a:solidFill>
+              </a:rPr>
+              <a:t>c++</a:t>
+            </a:r>
+            <a:r>
+              <a:rPr lang="es-ES" dirty="0">
+                <a:solidFill>
+                  <a:srgbClr val="000000"/>
+                </a:solidFill>
+              </a:rPr>
+              <a:t>, donde se  intenta atravesar todas las zonas sin que alguno de los elementos que se mueven horizontalmente intercepte a nuestra “rana”. En el caso en el que intercepte a algunos de nuestros “coches”, el número de vidas descenderá, hasta que llegue a cero. En ese momento el juego terminará.</a:t>
             </a:r>
           </a:p>
         </p:txBody>
@@ -6282,6 +6300,1119 @@
 </file>
 
 <file path=ppt/slides/slide3.xml><?xml version="1.0" encoding="utf-8"?>
+<p:sld xmlns:a="http://schemas.openxmlformats.org/drawingml/2006/main" xmlns:r="http://schemas.openxmlformats.org/officeDocument/2006/relationships" xmlns:p="http://schemas.openxmlformats.org/presentationml/2006/main">
+  <p:cSld>
+    <p:bg>
+      <p:bgPr>
+        <a:gradFill rotWithShape="1">
+          <a:gsLst>
+            <a:gs pos="10000">
+              <a:schemeClr val="bg2">
+                <a:tint val="97000"/>
+                <a:hueMod val="92000"/>
+                <a:satMod val="169000"/>
+                <a:lumMod val="164000"/>
+              </a:schemeClr>
+            </a:gs>
+            <a:gs pos="100000">
+              <a:schemeClr val="bg2">
+                <a:shade val="96000"/>
+                <a:satMod val="120000"/>
+                <a:lumMod val="90000"/>
+              </a:schemeClr>
+            </a:gs>
+          </a:gsLst>
+          <a:lin ang="6120000" scaled="1"/>
+        </a:gradFill>
+        <a:effectLst/>
+      </p:bgPr>
+    </p:bg>
+    <p:spTree>
+      <p:nvGrpSpPr>
+        <p:cNvPr id="1" name=""/>
+        <p:cNvGrpSpPr/>
+        <p:nvPr/>
+      </p:nvGrpSpPr>
+      <p:grpSpPr>
+        <a:xfrm>
+          <a:off x="0" y="0"/>
+          <a:ext cx="0" cy="0"/>
+          <a:chOff x="0" y="0"/>
+          <a:chExt cx="0" cy="0"/>
+        </a:xfrm>
+      </p:grpSpPr>
+      <p:sp>
+        <p:nvSpPr>
+          <p:cNvPr id="7" name="Título 6">
+            <a:extLst>
+              <a:ext uri="{FF2B5EF4-FFF2-40B4-BE49-F238E27FC236}">
+                <a16:creationId xmlns:a16="http://schemas.microsoft.com/office/drawing/2014/main" id="{3F4D7FBD-C428-4647-8594-BFC7668DBCAF}"/>
+              </a:ext>
+            </a:extLst>
+          </p:cNvPr>
+          <p:cNvSpPr>
+            <a:spLocks noGrp="1"/>
+          </p:cNvSpPr>
+          <p:nvPr>
+            <p:ph type="title"/>
+          </p:nvPr>
+        </p:nvSpPr>
+        <p:spPr>
+          <a:xfrm>
+            <a:off x="8194088" y="490492"/>
+            <a:ext cx="3643435" cy="4063754"/>
+          </a:xfrm>
+        </p:spPr>
+        <p:txBody>
+          <a:bodyPr>
+            <a:normAutofit/>
+          </a:bodyPr>
+          <a:lstStyle/>
+          <a:p>
+            <a:r>
+              <a:rPr lang="es-ES" dirty="0"/>
+              <a:t>Limites del juego</a:t>
+            </a:r>
+            <a:br>
+              <a:rPr lang="es-ES" dirty="0"/>
+            </a:br>
+            <a:endParaRPr lang="es-ES" dirty="0"/>
+          </a:p>
+        </p:txBody>
+      </p:sp>
+      <p:sp>
+        <p:nvSpPr>
+          <p:cNvPr id="3" name="Marcador de texto 2">
+            <a:extLst>
+              <a:ext uri="{FF2B5EF4-FFF2-40B4-BE49-F238E27FC236}">
+                <a16:creationId xmlns:a16="http://schemas.microsoft.com/office/drawing/2014/main" id="{1F66BCE6-F32C-4FA2-9188-73D269F0369D}"/>
+              </a:ext>
+            </a:extLst>
+          </p:cNvPr>
+          <p:cNvSpPr>
+            <a:spLocks noGrp="1"/>
+          </p:cNvSpPr>
+          <p:nvPr>
+            <p:ph idx="1"/>
+          </p:nvPr>
+        </p:nvSpPr>
+        <p:spPr>
+          <a:xfrm>
+            <a:off x="684212" y="490491"/>
+            <a:ext cx="7195828" cy="3477827"/>
+          </a:xfrm>
+        </p:spPr>
+        <p:txBody>
+          <a:bodyPr>
+            <a:normAutofit/>
+          </a:bodyPr>
+          <a:lstStyle/>
+          <a:p>
+            <a:endParaRPr lang="es-ES" dirty="0"/>
+          </a:p>
+        </p:txBody>
+      </p:sp>
+      <p:pic>
+        <p:nvPicPr>
+          <p:cNvPr id="11" name="Graphic 10" descr="Detener">
+            <a:extLst>
+              <a:ext uri="{FF2B5EF4-FFF2-40B4-BE49-F238E27FC236}">
+                <a16:creationId xmlns:a16="http://schemas.microsoft.com/office/drawing/2014/main" id="{296201F0-8155-460D-A375-06B0102B40B8}"/>
+              </a:ext>
+            </a:extLst>
+          </p:cNvPr>
+          <p:cNvPicPr>
+            <a:picLocks noChangeAspect="1"/>
+          </p:cNvPicPr>
+          <p:nvPr/>
+        </p:nvPicPr>
+        <p:blipFill>
+          <a:blip r:embed="rId2">
+            <a:extLst>
+              <a:ext uri="{96DAC541-7B7A-43D3-8B79-37D633B846F1}">
+                <asvg:svgBlip xmlns:asvg="http://schemas.microsoft.com/office/drawing/2016/SVG/main" r:embed="rId3"/>
+              </a:ext>
+            </a:extLst>
+          </a:blip>
+          <a:srcRect/>
+          <a:stretch/>
+        </p:blipFill>
+        <p:spPr>
+          <a:xfrm>
+            <a:off x="9786009" y="2522369"/>
+            <a:ext cx="1921645" cy="1921645"/>
+          </a:xfrm>
+          <a:prstGeom prst="rect">
+            <a:avLst/>
+          </a:prstGeom>
+        </p:spPr>
+      </p:pic>
+    </p:spTree>
+    <p:extLst>
+      <p:ext uri="{BB962C8B-B14F-4D97-AF65-F5344CB8AC3E}">
+        <p14:creationId xmlns:p14="http://schemas.microsoft.com/office/powerpoint/2010/main" val="717908271"/>
+      </p:ext>
+    </p:extLst>
+  </p:cSld>
+  <p:clrMapOvr>
+    <a:masterClrMapping/>
+  </p:clrMapOvr>
+</p:sld>
+</file>
+
+<file path=ppt/slides/slide4.xml><?xml version="1.0" encoding="utf-8"?>
+<p:sld xmlns:a="http://schemas.openxmlformats.org/drawingml/2006/main" xmlns:r="http://schemas.openxmlformats.org/officeDocument/2006/relationships" xmlns:p="http://schemas.openxmlformats.org/presentationml/2006/main">
+  <p:cSld>
+    <p:bg>
+      <p:bgPr>
+        <a:solidFill>
+          <a:schemeClr val="bg2"/>
+        </a:solidFill>
+        <a:effectLst/>
+      </p:bgPr>
+    </p:bg>
+    <p:spTree>
+      <p:nvGrpSpPr>
+        <p:cNvPr id="1" name=""/>
+        <p:cNvGrpSpPr/>
+        <p:nvPr/>
+      </p:nvGrpSpPr>
+      <p:grpSpPr>
+        <a:xfrm>
+          <a:off x="0" y="0"/>
+          <a:ext cx="0" cy="0"/>
+          <a:chOff x="0" y="0"/>
+          <a:chExt cx="0" cy="0"/>
+        </a:xfrm>
+      </p:grpSpPr>
+      <p:grpSp>
+        <p:nvGrpSpPr>
+          <p:cNvPr id="9" name="Group 8">
+            <a:extLst>
+              <a:ext uri="{FF2B5EF4-FFF2-40B4-BE49-F238E27FC236}">
+                <a16:creationId xmlns:a16="http://schemas.microsoft.com/office/drawing/2014/main" id="{6CC7770B-E4E1-42D6-9437-DAA4A3A9E659}"/>
+              </a:ext>
+              <a:ext uri="{C183D7F6-B498-43B3-948B-1728B52AA6E4}">
+                <adec:decorative xmlns:adec="http://schemas.microsoft.com/office/drawing/2017/decorative" val="1"/>
+              </a:ext>
+            </a:extLst>
+          </p:cNvPr>
+          <p:cNvGrpSpPr>
+            <a:grpSpLocks noGrp="1" noUngrp="1" noRot="1" noChangeAspect="1" noMove="1" noResize="1"/>
+          </p:cNvGrpSpPr>
+          <p:nvPr>
+            <p:extLst>
+              <p:ext uri="{386F3935-93C4-4BCD-93E2-E3B085C9AB24}">
+                <p16:designElem xmlns:p16="http://schemas.microsoft.com/office/powerpoint/2015/main" val="1"/>
+              </p:ext>
+            </p:extLst>
+          </p:nvPr>
+        </p:nvGrpSpPr>
+        <p:grpSpPr>
+          <a:xfrm>
+            <a:off x="9206969" y="2963333"/>
+            <a:ext cx="2981858" cy="3208867"/>
+            <a:chOff x="9206969" y="2963333"/>
+            <a:chExt cx="2981858" cy="3208867"/>
+          </a:xfrm>
+        </p:grpSpPr>
+        <p:cxnSp>
+          <p:nvCxnSpPr>
+            <p:cNvPr id="10" name="Straight Connector 9">
+              <a:extLst>
+                <a:ext uri="{FF2B5EF4-FFF2-40B4-BE49-F238E27FC236}">
+                  <a16:creationId xmlns:a16="http://schemas.microsoft.com/office/drawing/2014/main" id="{5A26DE5B-A1A6-4746-8EF7-4D6809ED75EE}"/>
+                </a:ext>
+                <a:ext uri="{C183D7F6-B498-43B3-948B-1728B52AA6E4}">
+                  <adec:decorative xmlns:adec="http://schemas.microsoft.com/office/drawing/2017/decorative" val="1"/>
+                </a:ext>
+              </a:extLst>
+            </p:cNvPr>
+            <p:cNvCxnSpPr/>
+            <p:nvPr>
+              <p:extLst>
+                <p:ext uri="{386F3935-93C4-4BCD-93E2-E3B085C9AB24}">
+                  <p16:designElem xmlns:p16="http://schemas.microsoft.com/office/powerpoint/2015/main" val="1"/>
+                </p:ext>
+              </p:extLst>
+            </p:nvPr>
+          </p:nvCxnSpPr>
+          <p:spPr>
+            <a:xfrm flipH="1">
+              <a:off x="11276012" y="2963333"/>
+              <a:ext cx="912814" cy="912812"/>
+            </a:xfrm>
+            <a:prstGeom prst="line">
+              <a:avLst/>
+            </a:prstGeom>
+            <a:ln w="9525">
+              <a:solidFill>
+                <a:schemeClr val="tx1"/>
+              </a:solidFill>
+            </a:ln>
+          </p:spPr>
+          <p:style>
+            <a:lnRef idx="2">
+              <a:schemeClr val="accent1"/>
+            </a:lnRef>
+            <a:fillRef idx="0">
+              <a:schemeClr val="accent1"/>
+            </a:fillRef>
+            <a:effectRef idx="1">
+              <a:schemeClr val="accent1"/>
+            </a:effectRef>
+            <a:fontRef idx="minor">
+              <a:schemeClr val="tx1"/>
+            </a:fontRef>
+          </p:style>
+        </p:cxnSp>
+        <p:cxnSp>
+          <p:nvCxnSpPr>
+            <p:cNvPr id="11" name="Straight Connector 10">
+              <a:extLst>
+                <a:ext uri="{FF2B5EF4-FFF2-40B4-BE49-F238E27FC236}">
+                  <a16:creationId xmlns:a16="http://schemas.microsoft.com/office/drawing/2014/main" id="{377A3DDA-BF17-4302-867E-EBFD777B0627}"/>
+                </a:ext>
+                <a:ext uri="{C183D7F6-B498-43B3-948B-1728B52AA6E4}">
+                  <adec:decorative xmlns:adec="http://schemas.microsoft.com/office/drawing/2017/decorative" val="1"/>
+                </a:ext>
+              </a:extLst>
+            </p:cNvPr>
+            <p:cNvCxnSpPr/>
+            <p:nvPr>
+              <p:extLst>
+                <p:ext uri="{386F3935-93C4-4BCD-93E2-E3B085C9AB24}">
+                  <p16:designElem xmlns:p16="http://schemas.microsoft.com/office/powerpoint/2015/main" val="1"/>
+                </p:ext>
+              </p:extLst>
+            </p:nvPr>
+          </p:nvCxnSpPr>
+          <p:spPr>
+            <a:xfrm flipH="1">
+              <a:off x="9206969" y="3190344"/>
+              <a:ext cx="2981857" cy="2981856"/>
+            </a:xfrm>
+            <a:prstGeom prst="line">
+              <a:avLst/>
+            </a:prstGeom>
+            <a:ln w="9525">
+              <a:solidFill>
+                <a:schemeClr val="tx1"/>
+              </a:solidFill>
+            </a:ln>
+          </p:spPr>
+          <p:style>
+            <a:lnRef idx="2">
+              <a:schemeClr val="accent1"/>
+            </a:lnRef>
+            <a:fillRef idx="0">
+              <a:schemeClr val="accent1"/>
+            </a:fillRef>
+            <a:effectRef idx="1">
+              <a:schemeClr val="accent1"/>
+            </a:effectRef>
+            <a:fontRef idx="minor">
+              <a:schemeClr val="tx1"/>
+            </a:fontRef>
+          </p:style>
+        </p:cxnSp>
+        <p:cxnSp>
+          <p:nvCxnSpPr>
+            <p:cNvPr id="12" name="Straight Connector 11">
+              <a:extLst>
+                <a:ext uri="{FF2B5EF4-FFF2-40B4-BE49-F238E27FC236}">
+                  <a16:creationId xmlns:a16="http://schemas.microsoft.com/office/drawing/2014/main" id="{CBE30704-4227-4B7B-BDB8-BFCF39086FA4}"/>
+                </a:ext>
+                <a:ext uri="{C183D7F6-B498-43B3-948B-1728B52AA6E4}">
+                  <adec:decorative xmlns:adec="http://schemas.microsoft.com/office/drawing/2017/decorative" val="1"/>
+                </a:ext>
+              </a:extLst>
+            </p:cNvPr>
+            <p:cNvCxnSpPr/>
+            <p:nvPr>
+              <p:extLst>
+                <p:ext uri="{386F3935-93C4-4BCD-93E2-E3B085C9AB24}">
+                  <p16:designElem xmlns:p16="http://schemas.microsoft.com/office/powerpoint/2015/main" val="1"/>
+                </p:ext>
+              </p:extLst>
+            </p:nvPr>
+          </p:nvCxnSpPr>
+          <p:spPr>
+            <a:xfrm flipH="1">
+              <a:off x="10292292" y="3285067"/>
+              <a:ext cx="1896534" cy="1896533"/>
+            </a:xfrm>
+            <a:prstGeom prst="line">
+              <a:avLst/>
+            </a:prstGeom>
+            <a:ln w="9525">
+              <a:solidFill>
+                <a:schemeClr val="tx1"/>
+              </a:solidFill>
+            </a:ln>
+          </p:spPr>
+          <p:style>
+            <a:lnRef idx="2">
+              <a:schemeClr val="accent1"/>
+            </a:lnRef>
+            <a:fillRef idx="0">
+              <a:schemeClr val="accent1"/>
+            </a:fillRef>
+            <a:effectRef idx="1">
+              <a:schemeClr val="accent1"/>
+            </a:effectRef>
+            <a:fontRef idx="minor">
+              <a:schemeClr val="tx1"/>
+            </a:fontRef>
+          </p:style>
+        </p:cxnSp>
+        <p:cxnSp>
+          <p:nvCxnSpPr>
+            <p:cNvPr id="13" name="Straight Connector 12">
+              <a:extLst>
+                <a:ext uri="{FF2B5EF4-FFF2-40B4-BE49-F238E27FC236}">
+                  <a16:creationId xmlns:a16="http://schemas.microsoft.com/office/drawing/2014/main" id="{B923B1E7-AEA4-42D8-8F4A-9D116F29665C}"/>
+                </a:ext>
+                <a:ext uri="{C183D7F6-B498-43B3-948B-1728B52AA6E4}">
+                  <adec:decorative xmlns:adec="http://schemas.microsoft.com/office/drawing/2017/decorative" val="1"/>
+                </a:ext>
+              </a:extLst>
+            </p:cNvPr>
+            <p:cNvCxnSpPr/>
+            <p:nvPr>
+              <p:extLst>
+                <p:ext uri="{386F3935-93C4-4BCD-93E2-E3B085C9AB24}">
+                  <p16:designElem xmlns:p16="http://schemas.microsoft.com/office/powerpoint/2015/main" val="1"/>
+                </p:ext>
+              </p:extLst>
+            </p:nvPr>
+          </p:nvCxnSpPr>
+          <p:spPr>
+            <a:xfrm flipH="1">
+              <a:off x="10443103" y="3131080"/>
+              <a:ext cx="1745722" cy="1745720"/>
+            </a:xfrm>
+            <a:prstGeom prst="line">
+              <a:avLst/>
+            </a:prstGeom>
+            <a:ln w="28575">
+              <a:solidFill>
+                <a:schemeClr val="tx1"/>
+              </a:solidFill>
+            </a:ln>
+          </p:spPr>
+          <p:style>
+            <a:lnRef idx="2">
+              <a:schemeClr val="accent1"/>
+            </a:lnRef>
+            <a:fillRef idx="0">
+              <a:schemeClr val="accent1"/>
+            </a:fillRef>
+            <a:effectRef idx="1">
+              <a:schemeClr val="accent1"/>
+            </a:effectRef>
+            <a:fontRef idx="minor">
+              <a:schemeClr val="tx1"/>
+            </a:fontRef>
+          </p:style>
+        </p:cxnSp>
+        <p:cxnSp>
+          <p:nvCxnSpPr>
+            <p:cNvPr id="14" name="Straight Connector 13">
+              <a:extLst>
+                <a:ext uri="{FF2B5EF4-FFF2-40B4-BE49-F238E27FC236}">
+                  <a16:creationId xmlns:a16="http://schemas.microsoft.com/office/drawing/2014/main" id="{321B6244-6EAE-442C-ACCF-8146103EC1D5}"/>
+                </a:ext>
+                <a:ext uri="{C183D7F6-B498-43B3-948B-1728B52AA6E4}">
+                  <adec:decorative xmlns:adec="http://schemas.microsoft.com/office/drawing/2017/decorative" val="1"/>
+                </a:ext>
+              </a:extLst>
+            </p:cNvPr>
+            <p:cNvCxnSpPr/>
+            <p:nvPr>
+              <p:extLst>
+                <p:ext uri="{386F3935-93C4-4BCD-93E2-E3B085C9AB24}">
+                  <p16:designElem xmlns:p16="http://schemas.microsoft.com/office/powerpoint/2015/main" val="1"/>
+                </p:ext>
+              </p:extLst>
+            </p:nvPr>
+          </p:nvCxnSpPr>
+          <p:spPr>
+            <a:xfrm flipH="1">
+              <a:off x="10918826" y="3683001"/>
+              <a:ext cx="1270001" cy="1269999"/>
+            </a:xfrm>
+            <a:prstGeom prst="line">
+              <a:avLst/>
+            </a:prstGeom>
+            <a:ln w="28575">
+              <a:solidFill>
+                <a:schemeClr val="tx1"/>
+              </a:solidFill>
+            </a:ln>
+          </p:spPr>
+          <p:style>
+            <a:lnRef idx="2">
+              <a:schemeClr val="accent1"/>
+            </a:lnRef>
+            <a:fillRef idx="0">
+              <a:schemeClr val="accent1"/>
+            </a:fillRef>
+            <a:effectRef idx="1">
+              <a:schemeClr val="accent1"/>
+            </a:effectRef>
+            <a:fontRef idx="minor">
+              <a:schemeClr val="tx1"/>
+            </a:fontRef>
+          </p:style>
+        </p:cxnSp>
+      </p:grpSp>
+      <p:sp>
+        <p:nvSpPr>
+          <p:cNvPr id="16" name="Rectangle 15">
+            <a:extLst>
+              <a:ext uri="{FF2B5EF4-FFF2-40B4-BE49-F238E27FC236}">
+                <a16:creationId xmlns:a16="http://schemas.microsoft.com/office/drawing/2014/main" id="{781BBDC9-2DC6-4959-AC3D-49A5DCB05DA7}"/>
+              </a:ext>
+              <a:ext uri="{C183D7F6-B498-43B3-948B-1728B52AA6E4}">
+                <adec:decorative xmlns:adec="http://schemas.microsoft.com/office/drawing/2017/decorative" val="1"/>
+              </a:ext>
+            </a:extLst>
+          </p:cNvPr>
+          <p:cNvSpPr>
+            <a:spLocks noGrp="1" noRot="1" noChangeAspect="1" noMove="1" noResize="1" noEditPoints="1" noAdjustHandles="1" noChangeArrowheads="1" noChangeShapeType="1" noTextEdit="1"/>
+          </p:cNvSpPr>
+          <p:nvPr>
+            <p:extLst>
+              <p:ext uri="{386F3935-93C4-4BCD-93E2-E3B085C9AB24}">
+                <p16:designElem xmlns:p16="http://schemas.microsoft.com/office/powerpoint/2015/main" val="1"/>
+              </p:ext>
+            </p:extLst>
+          </p:nvPr>
+        </p:nvSpPr>
+        <p:spPr>
+          <a:xfrm>
+            <a:off x="0" y="0"/>
+            <a:ext cx="12192000" cy="6858000"/>
+          </a:xfrm>
+          <a:prstGeom prst="rect">
+            <a:avLst/>
+          </a:prstGeom>
+          <a:solidFill>
+            <a:schemeClr val="accent1"/>
+          </a:solidFill>
+          <a:ln>
+            <a:noFill/>
+          </a:ln>
+        </p:spPr>
+        <p:style>
+          <a:lnRef idx="2">
+            <a:schemeClr val="accent1">
+              <a:shade val="50000"/>
+            </a:schemeClr>
+          </a:lnRef>
+          <a:fillRef idx="1">
+            <a:schemeClr val="accent1"/>
+          </a:fillRef>
+          <a:effectRef idx="0">
+            <a:schemeClr val="accent1"/>
+          </a:effectRef>
+          <a:fontRef idx="minor">
+            <a:schemeClr val="lt1"/>
+          </a:fontRef>
+        </p:style>
+        <p:txBody>
+          <a:bodyPr rtlCol="0" anchor="ctr"/>
+          <a:lstStyle/>
+          <a:p>
+            <a:pPr algn="ctr"/>
+            <a:endParaRPr lang="en-US"/>
+          </a:p>
+        </p:txBody>
+      </p:sp>
+      <p:sp>
+        <p:nvSpPr>
+          <p:cNvPr id="18" name="Rectangle 17">
+            <a:extLst>
+              <a:ext uri="{FF2B5EF4-FFF2-40B4-BE49-F238E27FC236}">
+                <a16:creationId xmlns:a16="http://schemas.microsoft.com/office/drawing/2014/main" id="{4B74BB55-8517-4CFE-9389-81D0E6F81F00}"/>
+              </a:ext>
+              <a:ext uri="{C183D7F6-B498-43B3-948B-1728B52AA6E4}">
+                <adec:decorative xmlns:adec="http://schemas.microsoft.com/office/drawing/2017/decorative" val="1"/>
+              </a:ext>
+            </a:extLst>
+          </p:cNvPr>
+          <p:cNvSpPr>
+            <a:spLocks noGrp="1" noRot="1" noChangeAspect="1" noMove="1" noResize="1" noEditPoints="1" noAdjustHandles="1" noChangeArrowheads="1" noChangeShapeType="1" noTextEdit="1"/>
+          </p:cNvSpPr>
+          <p:nvPr>
+            <p:extLst>
+              <p:ext uri="{386F3935-93C4-4BCD-93E2-E3B085C9AB24}">
+                <p16:designElem xmlns:p16="http://schemas.microsoft.com/office/powerpoint/2015/main" val="1"/>
+              </p:ext>
+            </p:extLst>
+          </p:nvPr>
+        </p:nvSpPr>
+        <p:spPr>
+          <a:xfrm>
+            <a:off x="0" y="0"/>
+            <a:ext cx="1438656" cy="6858000"/>
+          </a:xfrm>
+          <a:prstGeom prst="rect">
+            <a:avLst/>
+          </a:prstGeom>
+          <a:solidFill>
+            <a:schemeClr val="accent1">
+              <a:lumMod val="50000"/>
+            </a:schemeClr>
+          </a:solidFill>
+          <a:ln>
+            <a:noFill/>
+          </a:ln>
+        </p:spPr>
+        <p:style>
+          <a:lnRef idx="2">
+            <a:schemeClr val="accent1">
+              <a:shade val="50000"/>
+            </a:schemeClr>
+          </a:lnRef>
+          <a:fillRef idx="1003">
+            <a:schemeClr val="lt1"/>
+          </a:fillRef>
+          <a:effectRef idx="0">
+            <a:schemeClr val="accent1"/>
+          </a:effectRef>
+          <a:fontRef idx="minor">
+            <a:schemeClr val="lt1"/>
+          </a:fontRef>
+        </p:style>
+        <p:txBody>
+          <a:bodyPr rtlCol="0" anchor="ctr"/>
+          <a:lstStyle/>
+          <a:p>
+            <a:pPr algn="ctr"/>
+            <a:endParaRPr lang="en-US">
+              <a:solidFill>
+                <a:schemeClr val="accent2"/>
+              </a:solidFill>
+            </a:endParaRPr>
+          </a:p>
+        </p:txBody>
+      </p:sp>
+      <p:grpSp>
+        <p:nvGrpSpPr>
+          <p:cNvPr id="20" name="Group 19">
+            <a:extLst>
+              <a:ext uri="{FF2B5EF4-FFF2-40B4-BE49-F238E27FC236}">
+                <a16:creationId xmlns:a16="http://schemas.microsoft.com/office/drawing/2014/main" id="{A3F7C935-E41E-4E8D-91DF-D3BAB9521DF0}"/>
+              </a:ext>
+              <a:ext uri="{C183D7F6-B498-43B3-948B-1728B52AA6E4}">
+                <adec:decorative xmlns:adec="http://schemas.microsoft.com/office/drawing/2017/decorative" val="1"/>
+              </a:ext>
+            </a:extLst>
+          </p:cNvPr>
+          <p:cNvGrpSpPr>
+            <a:grpSpLocks noGrp="1" noUngrp="1" noRot="1" noChangeAspect="1" noMove="1" noResize="1"/>
+          </p:cNvGrpSpPr>
+          <p:nvPr>
+            <p:extLst>
+              <p:ext uri="{386F3935-93C4-4BCD-93E2-E3B085C9AB24}">
+                <p16:designElem xmlns:p16="http://schemas.microsoft.com/office/powerpoint/2015/main" val="1"/>
+              </p:ext>
+            </p:extLst>
+          </p:nvPr>
+        </p:nvGrpSpPr>
+        <p:grpSpPr>
+          <a:xfrm>
+            <a:off x="80045" y="4435646"/>
+            <a:ext cx="1419541" cy="1660354"/>
+            <a:chOff x="10292292" y="2963333"/>
+            <a:chExt cx="1896535" cy="2218267"/>
+          </a:xfrm>
+        </p:grpSpPr>
+        <p:cxnSp>
+          <p:nvCxnSpPr>
+            <p:cNvPr id="21" name="Straight Connector 20">
+              <a:extLst>
+                <a:ext uri="{FF2B5EF4-FFF2-40B4-BE49-F238E27FC236}">
+                  <a16:creationId xmlns:a16="http://schemas.microsoft.com/office/drawing/2014/main" id="{4FB64230-1B44-4C76-9885-0BBE5C736CC8}"/>
+                </a:ext>
+                <a:ext uri="{C183D7F6-B498-43B3-948B-1728B52AA6E4}">
+                  <adec:decorative xmlns:adec="http://schemas.microsoft.com/office/drawing/2017/decorative" val="1"/>
+                </a:ext>
+              </a:extLst>
+            </p:cNvPr>
+            <p:cNvCxnSpPr/>
+            <p:nvPr>
+              <p:extLst>
+                <p:ext uri="{386F3935-93C4-4BCD-93E2-E3B085C9AB24}">
+                  <p16:designElem xmlns:p16="http://schemas.microsoft.com/office/powerpoint/2015/main" val="1"/>
+                </p:ext>
+              </p:extLst>
+            </p:nvPr>
+          </p:nvCxnSpPr>
+          <p:spPr>
+            <a:xfrm flipH="1">
+              <a:off x="11276012" y="2963333"/>
+              <a:ext cx="912814" cy="912812"/>
+            </a:xfrm>
+            <a:prstGeom prst="line">
+              <a:avLst/>
+            </a:prstGeom>
+            <a:ln w="9525">
+              <a:solidFill>
+                <a:srgbClr val="FFFFFF"/>
+              </a:solidFill>
+            </a:ln>
+          </p:spPr>
+          <p:style>
+            <a:lnRef idx="2">
+              <a:schemeClr val="accent1"/>
+            </a:lnRef>
+            <a:fillRef idx="0">
+              <a:schemeClr val="accent1"/>
+            </a:fillRef>
+            <a:effectRef idx="1">
+              <a:schemeClr val="accent1"/>
+            </a:effectRef>
+            <a:fontRef idx="minor">
+              <a:schemeClr val="tx1"/>
+            </a:fontRef>
+          </p:style>
+        </p:cxnSp>
+        <p:cxnSp>
+          <p:nvCxnSpPr>
+            <p:cNvPr id="22" name="Straight Connector 21">
+              <a:extLst>
+                <a:ext uri="{FF2B5EF4-FFF2-40B4-BE49-F238E27FC236}">
+                  <a16:creationId xmlns:a16="http://schemas.microsoft.com/office/drawing/2014/main" id="{D3F7F181-4FFE-4F8E-A3D0-1A8ECDEFFB37}"/>
+                </a:ext>
+                <a:ext uri="{C183D7F6-B498-43B3-948B-1728B52AA6E4}">
+                  <adec:decorative xmlns:adec="http://schemas.microsoft.com/office/drawing/2017/decorative" val="1"/>
+                </a:ext>
+              </a:extLst>
+            </p:cNvPr>
+            <p:cNvCxnSpPr>
+              <a:cxnSpLocks/>
+            </p:cNvCxnSpPr>
+            <p:nvPr>
+              <p:extLst>
+                <p:ext uri="{386F3935-93C4-4BCD-93E2-E3B085C9AB24}">
+                  <p16:designElem xmlns:p16="http://schemas.microsoft.com/office/powerpoint/2015/main" val="1"/>
+                </p:ext>
+              </p:extLst>
+            </p:nvPr>
+          </p:nvCxnSpPr>
+          <p:spPr>
+            <a:xfrm flipH="1">
+              <a:off x="10292292" y="3190344"/>
+              <a:ext cx="1896535" cy="1896533"/>
+            </a:xfrm>
+            <a:prstGeom prst="line">
+              <a:avLst/>
+            </a:prstGeom>
+            <a:ln w="9525">
+              <a:solidFill>
+                <a:srgbClr val="FFFFFF"/>
+              </a:solidFill>
+            </a:ln>
+          </p:spPr>
+          <p:style>
+            <a:lnRef idx="2">
+              <a:schemeClr val="accent1"/>
+            </a:lnRef>
+            <a:fillRef idx="0">
+              <a:schemeClr val="accent1"/>
+            </a:fillRef>
+            <a:effectRef idx="1">
+              <a:schemeClr val="accent1"/>
+            </a:effectRef>
+            <a:fontRef idx="minor">
+              <a:schemeClr val="tx1"/>
+            </a:fontRef>
+          </p:style>
+        </p:cxnSp>
+        <p:cxnSp>
+          <p:nvCxnSpPr>
+            <p:cNvPr id="23" name="Straight Connector 22">
+              <a:extLst>
+                <a:ext uri="{FF2B5EF4-FFF2-40B4-BE49-F238E27FC236}">
+                  <a16:creationId xmlns:a16="http://schemas.microsoft.com/office/drawing/2014/main" id="{2066495D-EC57-44E4-8DED-0DC2E07AA2FF}"/>
+                </a:ext>
+                <a:ext uri="{C183D7F6-B498-43B3-948B-1728B52AA6E4}">
+                  <adec:decorative xmlns:adec="http://schemas.microsoft.com/office/drawing/2017/decorative" val="1"/>
+                </a:ext>
+              </a:extLst>
+            </p:cNvPr>
+            <p:cNvCxnSpPr/>
+            <p:nvPr>
+              <p:extLst>
+                <p:ext uri="{386F3935-93C4-4BCD-93E2-E3B085C9AB24}">
+                  <p16:designElem xmlns:p16="http://schemas.microsoft.com/office/powerpoint/2015/main" val="1"/>
+                </p:ext>
+              </p:extLst>
+            </p:nvPr>
+          </p:nvCxnSpPr>
+          <p:spPr>
+            <a:xfrm flipH="1">
+              <a:off x="10292292" y="3285067"/>
+              <a:ext cx="1896534" cy="1896533"/>
+            </a:xfrm>
+            <a:prstGeom prst="line">
+              <a:avLst/>
+            </a:prstGeom>
+            <a:ln w="9525">
+              <a:solidFill>
+                <a:srgbClr val="FFFFFF"/>
+              </a:solidFill>
+            </a:ln>
+          </p:spPr>
+          <p:style>
+            <a:lnRef idx="2">
+              <a:schemeClr val="accent1"/>
+            </a:lnRef>
+            <a:fillRef idx="0">
+              <a:schemeClr val="accent1"/>
+            </a:fillRef>
+            <a:effectRef idx="1">
+              <a:schemeClr val="accent1"/>
+            </a:effectRef>
+            <a:fontRef idx="minor">
+              <a:schemeClr val="tx1"/>
+            </a:fontRef>
+          </p:style>
+        </p:cxnSp>
+        <p:cxnSp>
+          <p:nvCxnSpPr>
+            <p:cNvPr id="24" name="Straight Connector 23">
+              <a:extLst>
+                <a:ext uri="{FF2B5EF4-FFF2-40B4-BE49-F238E27FC236}">
+                  <a16:creationId xmlns:a16="http://schemas.microsoft.com/office/drawing/2014/main" id="{0E0DA2F2-D672-4417-8072-9ED4FA5CC59F}"/>
+                </a:ext>
+                <a:ext uri="{C183D7F6-B498-43B3-948B-1728B52AA6E4}">
+                  <adec:decorative xmlns:adec="http://schemas.microsoft.com/office/drawing/2017/decorative" val="1"/>
+                </a:ext>
+              </a:extLst>
+            </p:cNvPr>
+            <p:cNvCxnSpPr/>
+            <p:nvPr>
+              <p:extLst>
+                <p:ext uri="{386F3935-93C4-4BCD-93E2-E3B085C9AB24}">
+                  <p16:designElem xmlns:p16="http://schemas.microsoft.com/office/powerpoint/2015/main" val="1"/>
+                </p:ext>
+              </p:extLst>
+            </p:nvPr>
+          </p:nvCxnSpPr>
+          <p:spPr>
+            <a:xfrm flipH="1">
+              <a:off x="10443103" y="3131080"/>
+              <a:ext cx="1745722" cy="1745720"/>
+            </a:xfrm>
+            <a:prstGeom prst="line">
+              <a:avLst/>
+            </a:prstGeom>
+            <a:ln w="28575">
+              <a:solidFill>
+                <a:srgbClr val="FFFFFF"/>
+              </a:solidFill>
+            </a:ln>
+          </p:spPr>
+          <p:style>
+            <a:lnRef idx="2">
+              <a:schemeClr val="accent1"/>
+            </a:lnRef>
+            <a:fillRef idx="0">
+              <a:schemeClr val="accent1"/>
+            </a:fillRef>
+            <a:effectRef idx="1">
+              <a:schemeClr val="accent1"/>
+            </a:effectRef>
+            <a:fontRef idx="minor">
+              <a:schemeClr val="tx1"/>
+            </a:fontRef>
+          </p:style>
+        </p:cxnSp>
+        <p:cxnSp>
+          <p:nvCxnSpPr>
+            <p:cNvPr id="25" name="Straight Connector 24">
+              <a:extLst>
+                <a:ext uri="{FF2B5EF4-FFF2-40B4-BE49-F238E27FC236}">
+                  <a16:creationId xmlns:a16="http://schemas.microsoft.com/office/drawing/2014/main" id="{30E8BACB-AEC7-46A5-A3AD-4D1BBE8715BA}"/>
+                </a:ext>
+                <a:ext uri="{C183D7F6-B498-43B3-948B-1728B52AA6E4}">
+                  <adec:decorative xmlns:adec="http://schemas.microsoft.com/office/drawing/2017/decorative" val="1"/>
+                </a:ext>
+              </a:extLst>
+            </p:cNvPr>
+            <p:cNvCxnSpPr/>
+            <p:nvPr>
+              <p:extLst>
+                <p:ext uri="{386F3935-93C4-4BCD-93E2-E3B085C9AB24}">
+                  <p16:designElem xmlns:p16="http://schemas.microsoft.com/office/powerpoint/2015/main" val="1"/>
+                </p:ext>
+              </p:extLst>
+            </p:nvPr>
+          </p:nvCxnSpPr>
+          <p:spPr>
+            <a:xfrm flipH="1">
+              <a:off x="10918826" y="3683001"/>
+              <a:ext cx="1270001" cy="1269999"/>
+            </a:xfrm>
+            <a:prstGeom prst="line">
+              <a:avLst/>
+            </a:prstGeom>
+            <a:ln w="28575">
+              <a:solidFill>
+                <a:srgbClr val="FFFFFF"/>
+              </a:solidFill>
+            </a:ln>
+          </p:spPr>
+          <p:style>
+            <a:lnRef idx="2">
+              <a:schemeClr val="accent1"/>
+            </a:lnRef>
+            <a:fillRef idx="0">
+              <a:schemeClr val="accent1"/>
+            </a:fillRef>
+            <a:effectRef idx="1">
+              <a:schemeClr val="accent1"/>
+            </a:effectRef>
+            <a:fontRef idx="minor">
+              <a:schemeClr val="tx1"/>
+            </a:fontRef>
+          </p:style>
+        </p:cxnSp>
+      </p:grpSp>
+      <p:sp>
+        <p:nvSpPr>
+          <p:cNvPr id="27" name="Rectangle 26">
+            <a:extLst>
+              <a:ext uri="{FF2B5EF4-FFF2-40B4-BE49-F238E27FC236}">
+                <a16:creationId xmlns:a16="http://schemas.microsoft.com/office/drawing/2014/main" id="{08452CCF-4A27-488A-AAF4-424933CFC925}"/>
+              </a:ext>
+              <a:ext uri="{C183D7F6-B498-43B3-948B-1728B52AA6E4}">
+                <adec:decorative xmlns:adec="http://schemas.microsoft.com/office/drawing/2017/decorative" val="1"/>
+              </a:ext>
+            </a:extLst>
+          </p:cNvPr>
+          <p:cNvSpPr>
+            <a:spLocks noGrp="1" noRot="1" noChangeAspect="1" noMove="1" noResize="1" noEditPoints="1" noAdjustHandles="1" noChangeArrowheads="1" noChangeShapeType="1" noTextEdit="1"/>
+          </p:cNvSpPr>
+          <p:nvPr>
+            <p:extLst>
+              <p:ext uri="{386F3935-93C4-4BCD-93E2-E3B085C9AB24}">
+                <p16:designElem xmlns:p16="http://schemas.microsoft.com/office/powerpoint/2015/main" val="1"/>
+              </p:ext>
+            </p:extLst>
+          </p:nvPr>
+        </p:nvSpPr>
+        <p:spPr>
+          <a:xfrm>
+            <a:off x="1374212" y="0"/>
+            <a:ext cx="4657345" cy="6858000"/>
+          </a:xfrm>
+          <a:prstGeom prst="rect">
+            <a:avLst/>
+          </a:prstGeom>
+          <a:solidFill>
+            <a:schemeClr val="accent1">
+              <a:lumMod val="75000"/>
+            </a:schemeClr>
+          </a:solidFill>
+          <a:ln>
+            <a:noFill/>
+          </a:ln>
+          <a:effectLst/>
+        </p:spPr>
+        <p:style>
+          <a:lnRef idx="2">
+            <a:schemeClr val="accent1">
+              <a:shade val="50000"/>
+            </a:schemeClr>
+          </a:lnRef>
+          <a:fillRef idx="1001">
+            <a:schemeClr val="dk2"/>
+          </a:fillRef>
+          <a:effectRef idx="0">
+            <a:schemeClr val="accent1"/>
+          </a:effectRef>
+          <a:fontRef idx="minor">
+            <a:schemeClr val="lt1"/>
+          </a:fontRef>
+        </p:style>
+        <p:txBody>
+          <a:bodyPr rtlCol="0" anchor="ctr"/>
+          <a:lstStyle/>
+          <a:p>
+            <a:pPr algn="ctr"/>
+            <a:endParaRPr lang="en-US"/>
+          </a:p>
+        </p:txBody>
+      </p:sp>
+      <p:sp>
+        <p:nvSpPr>
+          <p:cNvPr id="2" name="Título 1">
+            <a:extLst>
+              <a:ext uri="{FF2B5EF4-FFF2-40B4-BE49-F238E27FC236}">
+                <a16:creationId xmlns:a16="http://schemas.microsoft.com/office/drawing/2014/main" id="{57F9FEF2-D80A-4ED2-AD0B-77D6E35FDB1B}"/>
+              </a:ext>
+            </a:extLst>
+          </p:cNvPr>
+          <p:cNvSpPr>
+            <a:spLocks noGrp="1"/>
+          </p:cNvSpPr>
+          <p:nvPr>
+            <p:ph type="title"/>
+          </p:nvPr>
+        </p:nvSpPr>
+        <p:spPr>
+          <a:xfrm>
+            <a:off x="1834919" y="685800"/>
+            <a:ext cx="3705269" cy="5308599"/>
+          </a:xfrm>
+        </p:spPr>
+        <p:txBody>
+          <a:bodyPr vert="horz" lIns="91440" tIns="45720" rIns="91440" bIns="45720" rtlCol="0" anchor="ctr">
+            <a:normAutofit/>
+          </a:bodyPr>
+          <a:lstStyle/>
+          <a:p>
+            <a:r>
+              <a:rPr lang="es-ES" sz="3200" dirty="0">
+                <a:solidFill>
+                  <a:srgbClr val="FFFFFF"/>
+                </a:solidFill>
+              </a:rPr>
+              <a:t>Creación</a:t>
+            </a:r>
+            <a:r>
+              <a:rPr lang="en-US" sz="3200" dirty="0">
+                <a:solidFill>
+                  <a:srgbClr val="FFFFFF"/>
+                </a:solidFill>
+              </a:rPr>
+              <a:t> de </a:t>
+            </a:r>
+            <a:r>
+              <a:rPr lang="en-US" sz="3200" dirty="0" err="1">
+                <a:solidFill>
+                  <a:srgbClr val="FFFFFF"/>
+                </a:solidFill>
+              </a:rPr>
+              <a:t>objetos</a:t>
+            </a:r>
+            <a:r>
+              <a:rPr lang="en-US" sz="3200" dirty="0">
+                <a:solidFill>
+                  <a:srgbClr val="FFFFFF"/>
+                </a:solidFill>
+              </a:rPr>
+              <a:t> </a:t>
+            </a:r>
+          </a:p>
+        </p:txBody>
+      </p:sp>
+      <p:sp>
+        <p:nvSpPr>
+          <p:cNvPr id="4" name="Marcador de texto 3">
+            <a:extLst>
+              <a:ext uri="{FF2B5EF4-FFF2-40B4-BE49-F238E27FC236}">
+                <a16:creationId xmlns:a16="http://schemas.microsoft.com/office/drawing/2014/main" id="{C92CAD01-FF55-4A5D-995F-7EFC56634639}"/>
+              </a:ext>
+            </a:extLst>
+          </p:cNvPr>
+          <p:cNvSpPr>
+            <a:spLocks noGrp="1"/>
+          </p:cNvSpPr>
+          <p:nvPr>
+            <p:ph type="body" sz="half" idx="2"/>
+          </p:nvPr>
+        </p:nvSpPr>
+        <p:spPr>
+          <a:xfrm>
+            <a:off x="6516553" y="685800"/>
+            <a:ext cx="4754563" cy="5410200"/>
+          </a:xfrm>
+        </p:spPr>
+        <p:txBody>
+          <a:bodyPr vert="horz" lIns="91440" tIns="45720" rIns="91440" bIns="45720" rtlCol="0" anchor="ctr">
+            <a:normAutofit/>
+          </a:bodyPr>
+          <a:lstStyle/>
+          <a:p>
+            <a:pPr marL="285750" indent="-285750">
+              <a:buFont typeface="Arial" panose="020B0604020202020204" pitchFamily="34" charset="0"/>
+              <a:buChar char="•"/>
+            </a:pPr>
+            <a:r>
+              <a:rPr lang="es-ES" dirty="0">
+                <a:solidFill>
+                  <a:schemeClr val="bg2">
+                    <a:lumMod val="20000"/>
+                    <a:lumOff val="80000"/>
+                  </a:schemeClr>
+                </a:solidFill>
+              </a:rPr>
+              <a:t>Todos los objetos de este programa están definidos por una clase con sus respectivos atributos(variables).</a:t>
+            </a:r>
+          </a:p>
+          <a:p>
+            <a:pPr marL="285750" indent="-285750">
+              <a:buFont typeface="Arial" panose="020B0604020202020204" pitchFamily="34" charset="0"/>
+              <a:buChar char="•"/>
+            </a:pPr>
+            <a:r>
+              <a:rPr lang="es-ES" dirty="0">
+                <a:solidFill>
+                  <a:schemeClr val="bg2">
+                    <a:lumMod val="20000"/>
+                    <a:lumOff val="80000"/>
+                  </a:schemeClr>
+                </a:solidFill>
+              </a:rPr>
+              <a:t>Se utiliza una interfaz pública </a:t>
+            </a:r>
+          </a:p>
+          <a:p>
+            <a:pPr marL="285750" indent="-285750">
+              <a:buFont typeface="Arial" panose="020B0604020202020204" pitchFamily="34" charset="0"/>
+              <a:buChar char="•"/>
+            </a:pPr>
+            <a:r>
+              <a:rPr lang="es-ES" dirty="0">
+                <a:solidFill>
+                  <a:schemeClr val="bg2">
+                    <a:lumMod val="20000"/>
+                    <a:lumOff val="80000"/>
+                  </a:schemeClr>
+                </a:solidFill>
+              </a:rPr>
+              <a:t>Se añaden las funciones de pintar, mover y borrar, que como sus nombres indican pintan el objeto, lo mueven y borran su rastro </a:t>
+            </a:r>
+          </a:p>
+          <a:p>
+            <a:endParaRPr lang="en-US" dirty="0">
+              <a:solidFill>
+                <a:srgbClr val="FFFFFF"/>
+              </a:solidFill>
+            </a:endParaRPr>
+          </a:p>
+        </p:txBody>
+      </p:sp>
+    </p:spTree>
+    <p:extLst>
+      <p:ext uri="{BB962C8B-B14F-4D97-AF65-F5344CB8AC3E}">
+        <p14:creationId xmlns:p14="http://schemas.microsoft.com/office/powerpoint/2010/main" val="3876363296"/>
+      </p:ext>
+    </p:extLst>
+  </p:cSld>
+  <p:clrMapOvr>
+    <a:masterClrMapping/>
+  </p:clrMapOvr>
+</p:sld>
+</file>
+
+<file path=ppt/slides/slide5.xml><?xml version="1.0" encoding="utf-8"?>
 <p:sld xmlns:a="http://schemas.openxmlformats.org/drawingml/2006/main" xmlns:r="http://schemas.openxmlformats.org/officeDocument/2006/relationships" xmlns:p="http://schemas.openxmlformats.org/presentationml/2006/main">
   <p:cSld>
     <p:spTree>

--- a/CROSS the road.pptx
+++ b/CROSS the road.pptx
@@ -9,7 +9,8 @@
     <p:sldId id="258" r:id="rId3"/>
     <p:sldId id="260" r:id="rId4"/>
     <p:sldId id="261" r:id="rId5"/>
-    <p:sldId id="259" r:id="rId6"/>
+    <p:sldId id="263" r:id="rId6"/>
+    <p:sldId id="264" r:id="rId7"/>
   </p:sldIdLst>
   <p:sldSz cx="12192000" cy="6858000"/>
   <p:notesSz cx="6858000" cy="9144000"/>
@@ -6371,7 +6372,7 @@
           <a:p>
             <a:r>
               <a:rPr lang="es-ES" dirty="0"/>
-              <a:t>Limites del juego</a:t>
+              <a:t>1.Limites del juego</a:t>
             </a:r>
             <a:br>
               <a:rPr lang="es-ES" dirty="0"/>
@@ -7267,8 +7268,8 @@
         </p:nvSpPr>
         <p:spPr>
           <a:xfrm>
-            <a:off x="1834919" y="685800"/>
-            <a:ext cx="3705269" cy="5308599"/>
+            <a:off x="315981" y="157225"/>
+            <a:ext cx="6329571" cy="1311812"/>
           </a:xfrm>
         </p:spPr>
         <p:txBody>
@@ -7277,21 +7278,14 @@
           </a:bodyPr>
           <a:lstStyle/>
           <a:p>
+            <a:pPr algn="ctr"/>
             <a:r>
               <a:rPr lang="es-ES" sz="3200" dirty="0">
                 <a:solidFill>
                   <a:srgbClr val="FFFFFF"/>
                 </a:solidFill>
               </a:rPr>
-              <a:t>Creación</a:t>
-            </a:r>
-            <a:r>
-              <a:rPr lang="en-US" sz="3200" dirty="0">
-                <a:solidFill>
-                  <a:srgbClr val="FFFFFF"/>
-                </a:solidFill>
-              </a:rPr>
-              <a:t> de </a:t>
+              <a:t>2. </a:t>
             </a:r>
             <a:r>
               <a:rPr lang="en-US" sz="3200" dirty="0" err="1">
@@ -7309,6 +7303,35 @@
               </a:rPr>
               <a:t> </a:t>
             </a:r>
+            <a:r>
+              <a:rPr lang="en-US" sz="3200" dirty="0" err="1">
+                <a:solidFill>
+                  <a:srgbClr val="FFFFFF"/>
+                </a:solidFill>
+              </a:rPr>
+              <a:t>En</a:t>
+            </a:r>
+            <a:r>
+              <a:rPr lang="en-US" sz="3200" dirty="0">
+                <a:solidFill>
+                  <a:srgbClr val="FFFFFF"/>
+                </a:solidFill>
+              </a:rPr>
+              <a:t> </a:t>
+            </a:r>
+            <a:r>
+              <a:rPr lang="en-US" sz="3200" dirty="0" err="1">
+                <a:solidFill>
+                  <a:srgbClr val="FFFFFF"/>
+                </a:solidFill>
+              </a:rPr>
+              <a:t>movimiento</a:t>
+            </a:r>
+            <a:endParaRPr lang="en-US" sz="3200" dirty="0">
+              <a:solidFill>
+                <a:srgbClr val="FFFFFF"/>
+              </a:solidFill>
+            </a:endParaRPr>
           </a:p>
         </p:txBody>
       </p:sp>
@@ -7330,7 +7353,7 @@
         </p:nvSpPr>
         <p:spPr>
           <a:xfrm>
-            <a:off x="6516553" y="685800"/>
+            <a:off x="7121456" y="762000"/>
             <a:ext cx="4754563" cy="5410200"/>
           </a:xfrm>
         </p:spPr>
@@ -7353,7 +7376,7 @@
                   </a:schemeClr>
                 </a:solidFill>
               </a:rPr>
-              <a:t>Todos los objetos de este programa están definidos por una clase con sus respectivos atributos(variables).</a:t>
+              <a:t>Estos objetos están definidos por una clase con sus respectivos atributos(variables).</a:t>
             </a:r>
           </a:p>
           <a:p>
@@ -7387,8 +7410,39 @@
                   </a:schemeClr>
                 </a:solidFill>
               </a:rPr>
-              <a:t>Se añaden las funciones de pintar, mover y borrar, que como sus nombres indican pintan el objeto, lo mueven y borran su rastro </a:t>
-            </a:r>
+              <a:t>Se añaden las funciones de pintar, mover y borrar, que como sus nombres indican pintan el objeto, lo mueven y borran su rastro.</a:t>
+            </a:r>
+          </a:p>
+          <a:p>
+            <a:pPr marL="285750" indent="-285750">
+              <a:buFont typeface="Arial" panose="020B0604020202020204" pitchFamily="34" charset="0"/>
+              <a:buChar char="•"/>
+            </a:pPr>
+            <a:r>
+              <a:rPr lang="es-ES" dirty="0">
+                <a:solidFill>
+                  <a:schemeClr val="bg2">
+                    <a:lumMod val="20000"/>
+                    <a:lumOff val="80000"/>
+                  </a:schemeClr>
+                </a:solidFill>
+              </a:rPr>
+              <a:t> Los objetos se mueven de izquierda a derecha (x++) o de derecha izquierda (x--). Y a distintas velocidades (x=x+2,x++), pero siempre dentro de los limites del juego.</a:t>
+            </a:r>
+          </a:p>
+          <a:p>
+            <a:pPr marL="285750" indent="-285750">
+              <a:buFont typeface="Arial" panose="020B0604020202020204" pitchFamily="34" charset="0"/>
+              <a:buChar char="•"/>
+            </a:pPr>
+            <a:endParaRPr lang="es-ES" dirty="0">
+              <a:solidFill>
+                <a:schemeClr val="bg2">
+                  <a:lumMod val="20000"/>
+                  <a:lumOff val="80000"/>
+                </a:schemeClr>
+              </a:solidFill>
+            </a:endParaRPr>
           </a:p>
           <a:p>
             <a:endParaRPr lang="en-US" dirty="0">
@@ -7399,6 +7453,72 @@
           </a:p>
         </p:txBody>
       </p:sp>
+      <p:pic>
+        <p:nvPicPr>
+          <p:cNvPr id="5" name="Imagen 4" descr="Captura de pantalla de un celular&#10;&#10;Descripción generada automáticamente">
+            <a:extLst>
+              <a:ext uri="{FF2B5EF4-FFF2-40B4-BE49-F238E27FC236}">
+                <a16:creationId xmlns:a16="http://schemas.microsoft.com/office/drawing/2014/main" id="{44DDDC63-AEF5-459D-A12E-640FCAECEEB9}"/>
+              </a:ext>
+            </a:extLst>
+          </p:cNvPr>
+          <p:cNvPicPr>
+            <a:picLocks noChangeAspect="1"/>
+          </p:cNvPicPr>
+          <p:nvPr/>
+        </p:nvPicPr>
+        <p:blipFill>
+          <a:blip r:embed="rId2"/>
+          <a:stretch>
+            <a:fillRect/>
+          </a:stretch>
+        </p:blipFill>
+        <p:spPr>
+          <a:xfrm>
+            <a:off x="300385" y="1469037"/>
+            <a:ext cx="6711542" cy="4703163"/>
+          </a:xfrm>
+          <a:prstGeom prst="rect">
+            <a:avLst/>
+          </a:prstGeom>
+        </p:spPr>
+      </p:pic>
+      <p:pic>
+        <p:nvPicPr>
+          <p:cNvPr id="7" name="Gráfico 6" descr="Coche">
+            <a:extLst>
+              <a:ext uri="{FF2B5EF4-FFF2-40B4-BE49-F238E27FC236}">
+                <a16:creationId xmlns:a16="http://schemas.microsoft.com/office/drawing/2014/main" id="{2AE2AE2B-15F4-4711-BF04-DC6391BCF111}"/>
+              </a:ext>
+            </a:extLst>
+          </p:cNvPr>
+          <p:cNvPicPr>
+            <a:picLocks noChangeAspect="1"/>
+          </p:cNvPicPr>
+          <p:nvPr/>
+        </p:nvPicPr>
+        <p:blipFill>
+          <a:blip r:embed="rId3">
+            <a:extLst>
+              <a:ext uri="{96DAC541-7B7A-43D3-8B79-37D633B846F1}">
+                <asvg:svgBlip xmlns:asvg="http://schemas.microsoft.com/office/drawing/2016/SVG/main" r:embed="rId4"/>
+              </a:ext>
+            </a:extLst>
+          </a:blip>
+          <a:stretch>
+            <a:fillRect/>
+          </a:stretch>
+        </p:blipFill>
+        <p:spPr>
+          <a:xfrm>
+            <a:off x="6789383" y="157225"/>
+            <a:ext cx="914400" cy="914400"/>
+          </a:xfrm>
+          <a:prstGeom prst="rect">
+            <a:avLst/>
+          </a:prstGeom>
+        </p:spPr>
+      </p:pic>
     </p:spTree>
     <p:extLst>
       <p:ext uri="{BB962C8B-B14F-4D97-AF65-F5344CB8AC3E}">
@@ -7415,6 +7535,31 @@
 <file path=ppt/slides/slide5.xml><?xml version="1.0" encoding="utf-8"?>
 <p:sld xmlns:a="http://schemas.openxmlformats.org/drawingml/2006/main" xmlns:r="http://schemas.openxmlformats.org/officeDocument/2006/relationships" xmlns:p="http://schemas.openxmlformats.org/presentationml/2006/main">
   <p:cSld>
+    <p:bg>
+      <p:bgPr>
+        <a:gradFill rotWithShape="1">
+          <a:gsLst>
+            <a:gs pos="10000">
+              <a:schemeClr val="bg2">
+                <a:tint val="97000"/>
+                <a:hueMod val="92000"/>
+                <a:satMod val="169000"/>
+                <a:lumMod val="164000"/>
+              </a:schemeClr>
+            </a:gs>
+            <a:gs pos="100000">
+              <a:schemeClr val="bg2">
+                <a:shade val="96000"/>
+                <a:satMod val="120000"/>
+                <a:lumMod val="90000"/>
+              </a:schemeClr>
+            </a:gs>
+          </a:gsLst>
+          <a:lin ang="6120000" scaled="1"/>
+        </a:gradFill>
+        <a:effectLst/>
+      </p:bgPr>
+    </p:bg>
     <p:spTree>
       <p:nvGrpSpPr>
         <p:cNvPr id="1" name=""/>
@@ -7431,10 +7576,10 @@
       </p:grpSpPr>
       <p:sp>
         <p:nvSpPr>
-          <p:cNvPr id="2" name="Título 1">
+          <p:cNvPr id="7" name="Título 6">
             <a:extLst>
               <a:ext uri="{FF2B5EF4-FFF2-40B4-BE49-F238E27FC236}">
-                <a16:creationId xmlns:a16="http://schemas.microsoft.com/office/drawing/2014/main" id="{302CFFF3-4D3D-4028-B0F2-801B2387EC4E}"/>
+                <a16:creationId xmlns:a16="http://schemas.microsoft.com/office/drawing/2014/main" id="{3F4D7FBD-C428-4647-8594-BFC7668DBCAF}"/>
               </a:ext>
             </a:extLst>
           </p:cNvPr>
@@ -7447,14 +7592,23 @@
         </p:nvSpPr>
         <p:spPr>
           <a:xfrm>
-            <a:off x="684212" y="4487332"/>
-            <a:ext cx="5186501" cy="1507067"/>
+            <a:off x="8194088" y="490492"/>
+            <a:ext cx="3643435" cy="4063754"/>
           </a:xfrm>
         </p:spPr>
         <p:txBody>
-          <a:bodyPr/>
+          <a:bodyPr>
+            <a:normAutofit/>
+          </a:bodyPr>
           <a:lstStyle/>
           <a:p>
+            <a:r>
+              <a:rPr lang="es-ES" dirty="0"/>
+              <a:t>3.vidas </a:t>
+            </a:r>
+            <a:br>
+              <a:rPr lang="es-ES" dirty="0"/>
+            </a:br>
             <a:endParaRPr lang="es-ES" dirty="0"/>
           </a:p>
         </p:txBody>
@@ -7464,7 +7618,7 @@
           <p:cNvPr id="3" name="Marcador de texto 2">
             <a:extLst>
               <a:ext uri="{FF2B5EF4-FFF2-40B4-BE49-F238E27FC236}">
-                <a16:creationId xmlns:a16="http://schemas.microsoft.com/office/drawing/2014/main" id="{B4A734BF-8EB4-4DC2-91D3-A5FE0A2B547B}"/>
+                <a16:creationId xmlns:a16="http://schemas.microsoft.com/office/drawing/2014/main" id="{1F66BCE6-F32C-4FA2-9188-73D269F0369D}"/>
               </a:ext>
             </a:extLst>
           </p:cNvPr>
@@ -7472,23 +7626,428 @@
             <a:spLocks noGrp="1"/>
           </p:cNvSpPr>
           <p:nvPr>
-            <p:ph type="body" idx="1"/>
+            <p:ph idx="1"/>
           </p:nvPr>
         </p:nvSpPr>
         <p:spPr>
           <a:xfrm>
-            <a:off x="2606018" y="137054"/>
-            <a:ext cx="6031695" cy="576262"/>
+            <a:off x="684212" y="490491"/>
+            <a:ext cx="7195828" cy="3477827"/>
           </a:xfrm>
         </p:spPr>
+        <p:txBody>
+          <a:bodyPr>
+            <a:normAutofit/>
+          </a:bodyPr>
+          <a:lstStyle/>
+          <a:p>
+            <a:endParaRPr lang="es-ES" dirty="0"/>
+          </a:p>
+        </p:txBody>
+      </p:sp>
+      <p:pic>
+        <p:nvPicPr>
+          <p:cNvPr id="11" name="Graphic 10" descr="Corazón">
+            <a:extLst>
+              <a:ext uri="{FF2B5EF4-FFF2-40B4-BE49-F238E27FC236}">
+                <a16:creationId xmlns:a16="http://schemas.microsoft.com/office/drawing/2014/main" id="{296201F0-8155-460D-A375-06B0102B40B8}"/>
+              </a:ext>
+            </a:extLst>
+          </p:cNvPr>
+          <p:cNvPicPr>
+            <a:picLocks noChangeAspect="1"/>
+          </p:cNvPicPr>
+          <p:nvPr/>
+        </p:nvPicPr>
+        <p:blipFill>
+          <a:blip r:embed="rId2">
+            <a:extLst>
+              <a:ext uri="{96DAC541-7B7A-43D3-8B79-37D633B846F1}">
+                <asvg:svgBlip xmlns:asvg="http://schemas.microsoft.com/office/drawing/2016/SVG/main" r:embed="rId3"/>
+              </a:ext>
+            </a:extLst>
+          </a:blip>
+          <a:srcRect/>
+          <a:stretch/>
+        </p:blipFill>
+        <p:spPr>
+          <a:xfrm>
+            <a:off x="9786009" y="2522369"/>
+            <a:ext cx="1921645" cy="1921645"/>
+          </a:xfrm>
+          <a:prstGeom prst="rect">
+            <a:avLst/>
+          </a:prstGeom>
+        </p:spPr>
+      </p:pic>
+    </p:spTree>
+    <p:extLst>
+      <p:ext uri="{BB962C8B-B14F-4D97-AF65-F5344CB8AC3E}">
+        <p14:creationId xmlns:p14="http://schemas.microsoft.com/office/powerpoint/2010/main" val="3980526890"/>
+      </p:ext>
+    </p:extLst>
+  </p:cSld>
+  <p:clrMapOvr>
+    <a:masterClrMapping/>
+  </p:clrMapOvr>
+</p:sld>
+</file>
+
+<file path=ppt/slides/slide6.xml><?xml version="1.0" encoding="utf-8"?>
+<p:sld xmlns:a="http://schemas.openxmlformats.org/drawingml/2006/main" xmlns:r="http://schemas.openxmlformats.org/officeDocument/2006/relationships" xmlns:p="http://schemas.openxmlformats.org/presentationml/2006/main">
+  <p:cSld>
+    <p:bg>
+      <p:bgPr>
+        <a:solidFill>
+          <a:schemeClr val="bg2"/>
+        </a:solidFill>
+        <a:effectLst/>
+      </p:bgPr>
+    </p:bg>
+    <p:spTree>
+      <p:nvGrpSpPr>
+        <p:cNvPr id="1" name=""/>
+        <p:cNvGrpSpPr/>
+        <p:nvPr/>
+      </p:nvGrpSpPr>
+      <p:grpSpPr>
+        <a:xfrm>
+          <a:off x="0" y="0"/>
+          <a:ext cx="0" cy="0"/>
+          <a:chOff x="0" y="0"/>
+          <a:chExt cx="0" cy="0"/>
+        </a:xfrm>
+      </p:grpSpPr>
+      <p:grpSp>
+        <p:nvGrpSpPr>
+          <p:cNvPr id="9" name="Group 8">
+            <a:extLst>
+              <a:ext uri="{FF2B5EF4-FFF2-40B4-BE49-F238E27FC236}">
+                <a16:creationId xmlns:a16="http://schemas.microsoft.com/office/drawing/2014/main" id="{6CC7770B-E4E1-42D6-9437-DAA4A3A9E659}"/>
+              </a:ext>
+              <a:ext uri="{C183D7F6-B498-43B3-948B-1728B52AA6E4}">
+                <adec:decorative xmlns:adec="http://schemas.microsoft.com/office/drawing/2017/decorative" val="1"/>
+              </a:ext>
+            </a:extLst>
+          </p:cNvPr>
+          <p:cNvGrpSpPr>
+            <a:grpSpLocks noGrp="1" noUngrp="1" noRot="1" noChangeAspect="1" noMove="1" noResize="1"/>
+          </p:cNvGrpSpPr>
+          <p:nvPr>
+            <p:extLst>
+              <p:ext uri="{386F3935-93C4-4BCD-93E2-E3B085C9AB24}">
+                <p16:designElem xmlns:p16="http://schemas.microsoft.com/office/powerpoint/2015/main" val="1"/>
+              </p:ext>
+            </p:extLst>
+          </p:nvPr>
+        </p:nvGrpSpPr>
+        <p:grpSpPr>
+          <a:xfrm>
+            <a:off x="9206969" y="2963333"/>
+            <a:ext cx="2981858" cy="3208867"/>
+            <a:chOff x="9206969" y="2963333"/>
+            <a:chExt cx="2981858" cy="3208867"/>
+          </a:xfrm>
+        </p:grpSpPr>
+        <p:cxnSp>
+          <p:nvCxnSpPr>
+            <p:cNvPr id="10" name="Straight Connector 9">
+              <a:extLst>
+                <a:ext uri="{FF2B5EF4-FFF2-40B4-BE49-F238E27FC236}">
+                  <a16:creationId xmlns:a16="http://schemas.microsoft.com/office/drawing/2014/main" id="{5A26DE5B-A1A6-4746-8EF7-4D6809ED75EE}"/>
+                </a:ext>
+                <a:ext uri="{C183D7F6-B498-43B3-948B-1728B52AA6E4}">
+                  <adec:decorative xmlns:adec="http://schemas.microsoft.com/office/drawing/2017/decorative" val="1"/>
+                </a:ext>
+              </a:extLst>
+            </p:cNvPr>
+            <p:cNvCxnSpPr/>
+            <p:nvPr>
+              <p:extLst>
+                <p:ext uri="{386F3935-93C4-4BCD-93E2-E3B085C9AB24}">
+                  <p16:designElem xmlns:p16="http://schemas.microsoft.com/office/powerpoint/2015/main" val="1"/>
+                </p:ext>
+              </p:extLst>
+            </p:nvPr>
+          </p:nvCxnSpPr>
+          <p:spPr>
+            <a:xfrm flipH="1">
+              <a:off x="11276012" y="2963333"/>
+              <a:ext cx="912814" cy="912812"/>
+            </a:xfrm>
+            <a:prstGeom prst="line">
+              <a:avLst/>
+            </a:prstGeom>
+            <a:ln w="9525">
+              <a:solidFill>
+                <a:schemeClr val="tx1"/>
+              </a:solidFill>
+            </a:ln>
+          </p:spPr>
+          <p:style>
+            <a:lnRef idx="2">
+              <a:schemeClr val="accent1"/>
+            </a:lnRef>
+            <a:fillRef idx="0">
+              <a:schemeClr val="accent1"/>
+            </a:fillRef>
+            <a:effectRef idx="1">
+              <a:schemeClr val="accent1"/>
+            </a:effectRef>
+            <a:fontRef idx="minor">
+              <a:schemeClr val="tx1"/>
+            </a:fontRef>
+          </p:style>
+        </p:cxnSp>
+        <p:cxnSp>
+          <p:nvCxnSpPr>
+            <p:cNvPr id="11" name="Straight Connector 10">
+              <a:extLst>
+                <a:ext uri="{FF2B5EF4-FFF2-40B4-BE49-F238E27FC236}">
+                  <a16:creationId xmlns:a16="http://schemas.microsoft.com/office/drawing/2014/main" id="{377A3DDA-BF17-4302-867E-EBFD777B0627}"/>
+                </a:ext>
+                <a:ext uri="{C183D7F6-B498-43B3-948B-1728B52AA6E4}">
+                  <adec:decorative xmlns:adec="http://schemas.microsoft.com/office/drawing/2017/decorative" val="1"/>
+                </a:ext>
+              </a:extLst>
+            </p:cNvPr>
+            <p:cNvCxnSpPr/>
+            <p:nvPr>
+              <p:extLst>
+                <p:ext uri="{386F3935-93C4-4BCD-93E2-E3B085C9AB24}">
+                  <p16:designElem xmlns:p16="http://schemas.microsoft.com/office/powerpoint/2015/main" val="1"/>
+                </p:ext>
+              </p:extLst>
+            </p:nvPr>
+          </p:nvCxnSpPr>
+          <p:spPr>
+            <a:xfrm flipH="1">
+              <a:off x="9206969" y="3190344"/>
+              <a:ext cx="2981857" cy="2981856"/>
+            </a:xfrm>
+            <a:prstGeom prst="line">
+              <a:avLst/>
+            </a:prstGeom>
+            <a:ln w="9525">
+              <a:solidFill>
+                <a:schemeClr val="tx1"/>
+              </a:solidFill>
+            </a:ln>
+          </p:spPr>
+          <p:style>
+            <a:lnRef idx="2">
+              <a:schemeClr val="accent1"/>
+            </a:lnRef>
+            <a:fillRef idx="0">
+              <a:schemeClr val="accent1"/>
+            </a:fillRef>
+            <a:effectRef idx="1">
+              <a:schemeClr val="accent1"/>
+            </a:effectRef>
+            <a:fontRef idx="minor">
+              <a:schemeClr val="tx1"/>
+            </a:fontRef>
+          </p:style>
+        </p:cxnSp>
+        <p:cxnSp>
+          <p:nvCxnSpPr>
+            <p:cNvPr id="12" name="Straight Connector 11">
+              <a:extLst>
+                <a:ext uri="{FF2B5EF4-FFF2-40B4-BE49-F238E27FC236}">
+                  <a16:creationId xmlns:a16="http://schemas.microsoft.com/office/drawing/2014/main" id="{CBE30704-4227-4B7B-BDB8-BFCF39086FA4}"/>
+                </a:ext>
+                <a:ext uri="{C183D7F6-B498-43B3-948B-1728B52AA6E4}">
+                  <adec:decorative xmlns:adec="http://schemas.microsoft.com/office/drawing/2017/decorative" val="1"/>
+                </a:ext>
+              </a:extLst>
+            </p:cNvPr>
+            <p:cNvCxnSpPr/>
+            <p:nvPr>
+              <p:extLst>
+                <p:ext uri="{386F3935-93C4-4BCD-93E2-E3B085C9AB24}">
+                  <p16:designElem xmlns:p16="http://schemas.microsoft.com/office/powerpoint/2015/main" val="1"/>
+                </p:ext>
+              </p:extLst>
+            </p:nvPr>
+          </p:nvCxnSpPr>
+          <p:spPr>
+            <a:xfrm flipH="1">
+              <a:off x="10292292" y="3285067"/>
+              <a:ext cx="1896534" cy="1896533"/>
+            </a:xfrm>
+            <a:prstGeom prst="line">
+              <a:avLst/>
+            </a:prstGeom>
+            <a:ln w="9525">
+              <a:solidFill>
+                <a:schemeClr val="tx1"/>
+              </a:solidFill>
+            </a:ln>
+          </p:spPr>
+          <p:style>
+            <a:lnRef idx="2">
+              <a:schemeClr val="accent1"/>
+            </a:lnRef>
+            <a:fillRef idx="0">
+              <a:schemeClr val="accent1"/>
+            </a:fillRef>
+            <a:effectRef idx="1">
+              <a:schemeClr val="accent1"/>
+            </a:effectRef>
+            <a:fontRef idx="minor">
+              <a:schemeClr val="tx1"/>
+            </a:fontRef>
+          </p:style>
+        </p:cxnSp>
+        <p:cxnSp>
+          <p:nvCxnSpPr>
+            <p:cNvPr id="13" name="Straight Connector 12">
+              <a:extLst>
+                <a:ext uri="{FF2B5EF4-FFF2-40B4-BE49-F238E27FC236}">
+                  <a16:creationId xmlns:a16="http://schemas.microsoft.com/office/drawing/2014/main" id="{B923B1E7-AEA4-42D8-8F4A-9D116F29665C}"/>
+                </a:ext>
+                <a:ext uri="{C183D7F6-B498-43B3-948B-1728B52AA6E4}">
+                  <adec:decorative xmlns:adec="http://schemas.microsoft.com/office/drawing/2017/decorative" val="1"/>
+                </a:ext>
+              </a:extLst>
+            </p:cNvPr>
+            <p:cNvCxnSpPr/>
+            <p:nvPr>
+              <p:extLst>
+                <p:ext uri="{386F3935-93C4-4BCD-93E2-E3B085C9AB24}">
+                  <p16:designElem xmlns:p16="http://schemas.microsoft.com/office/powerpoint/2015/main" val="1"/>
+                </p:ext>
+              </p:extLst>
+            </p:nvPr>
+          </p:nvCxnSpPr>
+          <p:spPr>
+            <a:xfrm flipH="1">
+              <a:off x="10443103" y="3131080"/>
+              <a:ext cx="1745722" cy="1745720"/>
+            </a:xfrm>
+            <a:prstGeom prst="line">
+              <a:avLst/>
+            </a:prstGeom>
+            <a:ln w="28575">
+              <a:solidFill>
+                <a:schemeClr val="tx1"/>
+              </a:solidFill>
+            </a:ln>
+          </p:spPr>
+          <p:style>
+            <a:lnRef idx="2">
+              <a:schemeClr val="accent1"/>
+            </a:lnRef>
+            <a:fillRef idx="0">
+              <a:schemeClr val="accent1"/>
+            </a:fillRef>
+            <a:effectRef idx="1">
+              <a:schemeClr val="accent1"/>
+            </a:effectRef>
+            <a:fontRef idx="minor">
+              <a:schemeClr val="tx1"/>
+            </a:fontRef>
+          </p:style>
+        </p:cxnSp>
+        <p:cxnSp>
+          <p:nvCxnSpPr>
+            <p:cNvPr id="14" name="Straight Connector 13">
+              <a:extLst>
+                <a:ext uri="{FF2B5EF4-FFF2-40B4-BE49-F238E27FC236}">
+                  <a16:creationId xmlns:a16="http://schemas.microsoft.com/office/drawing/2014/main" id="{321B6244-6EAE-442C-ACCF-8146103EC1D5}"/>
+                </a:ext>
+                <a:ext uri="{C183D7F6-B498-43B3-948B-1728B52AA6E4}">
+                  <adec:decorative xmlns:adec="http://schemas.microsoft.com/office/drawing/2017/decorative" val="1"/>
+                </a:ext>
+              </a:extLst>
+            </p:cNvPr>
+            <p:cNvCxnSpPr/>
+            <p:nvPr>
+              <p:extLst>
+                <p:ext uri="{386F3935-93C4-4BCD-93E2-E3B085C9AB24}">
+                  <p16:designElem xmlns:p16="http://schemas.microsoft.com/office/powerpoint/2015/main" val="1"/>
+                </p:ext>
+              </p:extLst>
+            </p:nvPr>
+          </p:nvCxnSpPr>
+          <p:spPr>
+            <a:xfrm flipH="1">
+              <a:off x="10918826" y="3683001"/>
+              <a:ext cx="1270001" cy="1269999"/>
+            </a:xfrm>
+            <a:prstGeom prst="line">
+              <a:avLst/>
+            </a:prstGeom>
+            <a:ln w="28575">
+              <a:solidFill>
+                <a:schemeClr val="tx1"/>
+              </a:solidFill>
+            </a:ln>
+          </p:spPr>
+          <p:style>
+            <a:lnRef idx="2">
+              <a:schemeClr val="accent1"/>
+            </a:lnRef>
+            <a:fillRef idx="0">
+              <a:schemeClr val="accent1"/>
+            </a:fillRef>
+            <a:effectRef idx="1">
+              <a:schemeClr val="accent1"/>
+            </a:effectRef>
+            <a:fontRef idx="minor">
+              <a:schemeClr val="tx1"/>
+            </a:fontRef>
+          </p:style>
+        </p:cxnSp>
+      </p:grpSp>
+      <p:sp>
+        <p:nvSpPr>
+          <p:cNvPr id="16" name="Rectangle 15">
+            <a:extLst>
+              <a:ext uri="{FF2B5EF4-FFF2-40B4-BE49-F238E27FC236}">
+                <a16:creationId xmlns:a16="http://schemas.microsoft.com/office/drawing/2014/main" id="{781BBDC9-2DC6-4959-AC3D-49A5DCB05DA7}"/>
+              </a:ext>
+              <a:ext uri="{C183D7F6-B498-43B3-948B-1728B52AA6E4}">
+                <adec:decorative xmlns:adec="http://schemas.microsoft.com/office/drawing/2017/decorative" val="1"/>
+              </a:ext>
+            </a:extLst>
+          </p:cNvPr>
+          <p:cNvSpPr>
+            <a:spLocks noGrp="1" noRot="1" noChangeAspect="1" noMove="1" noResize="1" noEditPoints="1" noAdjustHandles="1" noChangeArrowheads="1" noChangeShapeType="1" noTextEdit="1"/>
+          </p:cNvSpPr>
+          <p:nvPr>
+            <p:extLst>
+              <p:ext uri="{386F3935-93C4-4BCD-93E2-E3B085C9AB24}">
+                <p16:designElem xmlns:p16="http://schemas.microsoft.com/office/powerpoint/2015/main" val="1"/>
+              </p:ext>
+            </p:extLst>
+          </p:nvPr>
+        </p:nvSpPr>
+        <p:spPr>
+          <a:xfrm>
+            <a:off x="0" y="0"/>
+            <a:ext cx="12192000" cy="6858000"/>
+          </a:xfrm>
+          <a:prstGeom prst="rect">
+            <a:avLst/>
+          </a:prstGeom>
+          <a:solidFill>
+            <a:schemeClr val="accent1"/>
+          </a:solidFill>
+          <a:ln>
+            <a:noFill/>
+          </a:ln>
+        </p:spPr>
         <p:style>
-          <a:lnRef idx="1">
-            <a:schemeClr val="accent1"/>
+          <a:lnRef idx="2">
+            <a:schemeClr val="accent1">
+              <a:shade val="50000"/>
+            </a:schemeClr>
           </a:lnRef>
-          <a:fillRef idx="3">
+          <a:fillRef idx="1">
             <a:schemeClr val="accent1"/>
           </a:fillRef>
-          <a:effectRef idx="2">
+          <a:effectRef idx="0">
             <a:schemeClr val="accent1"/>
           </a:effectRef>
           <a:fontRef idx="minor">
@@ -7496,139 +8055,745 @@
           </a:fontRef>
         </p:style>
         <p:txBody>
-          <a:bodyPr/>
+          <a:bodyPr rtlCol="0" anchor="ctr"/>
           <a:lstStyle/>
           <a:p>
             <a:pPr algn="ctr"/>
-            <a:r>
-              <a:rPr lang="es-ES" spc="300" dirty="0"/>
-              <a:t>CLASS </a:t>
-            </a:r>
-          </a:p>
-        </p:txBody>
-      </p:sp>
-      <p:sp>
-        <p:nvSpPr>
-          <p:cNvPr id="4" name="Marcador de contenido 3">
+            <a:endParaRPr lang="en-US"/>
+          </a:p>
+        </p:txBody>
+      </p:sp>
+      <p:sp>
+        <p:nvSpPr>
+          <p:cNvPr id="18" name="Rectangle 17">
             <a:extLst>
               <a:ext uri="{FF2B5EF4-FFF2-40B4-BE49-F238E27FC236}">
-                <a16:creationId xmlns:a16="http://schemas.microsoft.com/office/drawing/2014/main" id="{02A06A9B-138D-4CC4-8169-A0777DDC035E}"/>
+                <a16:creationId xmlns:a16="http://schemas.microsoft.com/office/drawing/2014/main" id="{4B74BB55-8517-4CFE-9389-81D0E6F81F00}"/>
+              </a:ext>
+              <a:ext uri="{C183D7F6-B498-43B3-948B-1728B52AA6E4}">
+                <adec:decorative xmlns:adec="http://schemas.microsoft.com/office/drawing/2017/decorative" val="1"/>
               </a:ext>
             </a:extLst>
           </p:cNvPr>
           <p:cNvSpPr>
-            <a:spLocks noGrp="1"/>
-          </p:cNvSpPr>
-          <p:nvPr>
-            <p:ph sz="half" idx="2"/>
-          </p:nvPr>
-        </p:nvSpPr>
-        <p:spPr/>
-        <p:txBody>
-          <a:bodyPr/>
+            <a:spLocks noGrp="1" noRot="1" noChangeAspect="1" noMove="1" noResize="1" noEditPoints="1" noAdjustHandles="1" noChangeArrowheads="1" noChangeShapeType="1" noTextEdit="1"/>
+          </p:cNvSpPr>
+          <p:nvPr>
+            <p:extLst>
+              <p:ext uri="{386F3935-93C4-4BCD-93E2-E3B085C9AB24}">
+                <p16:designElem xmlns:p16="http://schemas.microsoft.com/office/powerpoint/2015/main" val="1"/>
+              </p:ext>
+            </p:extLst>
+          </p:nvPr>
+        </p:nvSpPr>
+        <p:spPr>
+          <a:xfrm>
+            <a:off x="0" y="0"/>
+            <a:ext cx="1438656" cy="6858000"/>
+          </a:xfrm>
+          <a:prstGeom prst="rect">
+            <a:avLst/>
+          </a:prstGeom>
+          <a:solidFill>
+            <a:schemeClr val="accent1">
+              <a:lumMod val="50000"/>
+            </a:schemeClr>
+          </a:solidFill>
+          <a:ln>
+            <a:noFill/>
+          </a:ln>
+        </p:spPr>
+        <p:style>
+          <a:lnRef idx="2">
+            <a:schemeClr val="accent1">
+              <a:shade val="50000"/>
+            </a:schemeClr>
+          </a:lnRef>
+          <a:fillRef idx="1003">
+            <a:schemeClr val="lt1"/>
+          </a:fillRef>
+          <a:effectRef idx="0">
+            <a:schemeClr val="accent1"/>
+          </a:effectRef>
+          <a:fontRef idx="minor">
+            <a:schemeClr val="lt1"/>
+          </a:fontRef>
+        </p:style>
+        <p:txBody>
+          <a:bodyPr rtlCol="0" anchor="ctr"/>
           <a:lstStyle/>
           <a:p>
-            <a:r>
-              <a:rPr lang="es-ES" dirty="0"/>
-              <a:t>Todos los objetos de este programa están definidos por una clase con sus respectivos atributos(variables).</a:t>
-            </a:r>
-          </a:p>
-          <a:p>
-            <a:r>
-              <a:rPr lang="es-ES" dirty="0"/>
-              <a:t>Se utiliza una interfaz pública </a:t>
-            </a:r>
-          </a:p>
-          <a:p>
-            <a:r>
-              <a:rPr lang="es-ES" dirty="0"/>
-              <a:t>Se añaden las funciones de pintar, mover y borrar, que como sus nombres indican pintan el objeto, lo mueven y borran su rastro </a:t>
-            </a:r>
-          </a:p>
-          <a:p>
-            <a:pPr marL="0" indent="0">
-              <a:buNone/>
-            </a:pPr>
-            <a:endParaRPr lang="es-ES" dirty="0"/>
-          </a:p>
-          <a:p>
-            <a:endParaRPr lang="es-ES" dirty="0"/>
-          </a:p>
-          <a:p>
-            <a:endParaRPr lang="es-ES" dirty="0"/>
-          </a:p>
-          <a:p>
-            <a:endParaRPr lang="es-ES" dirty="0"/>
-          </a:p>
-        </p:txBody>
-      </p:sp>
-      <p:sp>
-        <p:nvSpPr>
-          <p:cNvPr id="5" name="Marcador de texto 4">
+            <a:pPr algn="ctr"/>
+            <a:endParaRPr lang="en-US">
+              <a:solidFill>
+                <a:schemeClr val="accent2"/>
+              </a:solidFill>
+            </a:endParaRPr>
+          </a:p>
+        </p:txBody>
+      </p:sp>
+      <p:grpSp>
+        <p:nvGrpSpPr>
+          <p:cNvPr id="20" name="Group 19">
             <a:extLst>
               <a:ext uri="{FF2B5EF4-FFF2-40B4-BE49-F238E27FC236}">
-                <a16:creationId xmlns:a16="http://schemas.microsoft.com/office/drawing/2014/main" id="{8CBFCE83-91E4-4E2D-BF38-1B302637ADB7}"/>
+                <a16:creationId xmlns:a16="http://schemas.microsoft.com/office/drawing/2014/main" id="{A3F7C935-E41E-4E8D-91DF-D3BAB9521DF0}"/>
+              </a:ext>
+              <a:ext uri="{C183D7F6-B498-43B3-948B-1728B52AA6E4}">
+                <adec:decorative xmlns:adec="http://schemas.microsoft.com/office/drawing/2017/decorative" val="1"/>
               </a:ext>
             </a:extLst>
           </p:cNvPr>
-          <p:cNvSpPr>
-            <a:spLocks noGrp="1"/>
-          </p:cNvSpPr>
-          <p:nvPr>
-            <p:ph type="body" sz="quarter" idx="3"/>
+          <p:cNvGrpSpPr>
+            <a:grpSpLocks noGrp="1" noUngrp="1" noRot="1" noChangeAspect="1" noMove="1" noResize="1"/>
+          </p:cNvGrpSpPr>
+          <p:nvPr>
+            <p:extLst>
+              <p:ext uri="{386F3935-93C4-4BCD-93E2-E3B085C9AB24}">
+                <p16:designElem xmlns:p16="http://schemas.microsoft.com/office/powerpoint/2015/main" val="1"/>
+              </p:ext>
+            </p:extLst>
+          </p:nvPr>
+        </p:nvGrpSpPr>
+        <p:grpSpPr>
+          <a:xfrm>
+            <a:off x="80045" y="4435646"/>
+            <a:ext cx="1419541" cy="1660354"/>
+            <a:chOff x="10292292" y="2963333"/>
+            <a:chExt cx="1896535" cy="2218267"/>
+          </a:xfrm>
+        </p:grpSpPr>
+        <p:cxnSp>
+          <p:nvCxnSpPr>
+            <p:cNvPr id="21" name="Straight Connector 20">
+              <a:extLst>
+                <a:ext uri="{FF2B5EF4-FFF2-40B4-BE49-F238E27FC236}">
+                  <a16:creationId xmlns:a16="http://schemas.microsoft.com/office/drawing/2014/main" id="{4FB64230-1B44-4C76-9885-0BBE5C736CC8}"/>
+                </a:ext>
+                <a:ext uri="{C183D7F6-B498-43B3-948B-1728B52AA6E4}">
+                  <adec:decorative xmlns:adec="http://schemas.microsoft.com/office/drawing/2017/decorative" val="1"/>
+                </a:ext>
+              </a:extLst>
+            </p:cNvPr>
+            <p:cNvCxnSpPr/>
+            <p:nvPr>
+              <p:extLst>
+                <p:ext uri="{386F3935-93C4-4BCD-93E2-E3B085C9AB24}">
+                  <p16:designElem xmlns:p16="http://schemas.microsoft.com/office/powerpoint/2015/main" val="1"/>
+                </p:ext>
+              </p:extLst>
+            </p:nvPr>
+          </p:nvCxnSpPr>
+          <p:spPr>
+            <a:xfrm flipH="1">
+              <a:off x="11276012" y="2963333"/>
+              <a:ext cx="912814" cy="912812"/>
+            </a:xfrm>
+            <a:prstGeom prst="line">
+              <a:avLst/>
+            </a:prstGeom>
+            <a:ln w="9525">
+              <a:solidFill>
+                <a:srgbClr val="FFFFFF"/>
+              </a:solidFill>
+            </a:ln>
+          </p:spPr>
+          <p:style>
+            <a:lnRef idx="2">
+              <a:schemeClr val="accent1"/>
+            </a:lnRef>
+            <a:fillRef idx="0">
+              <a:schemeClr val="accent1"/>
+            </a:fillRef>
+            <a:effectRef idx="1">
+              <a:schemeClr val="accent1"/>
+            </a:effectRef>
+            <a:fontRef idx="minor">
+              <a:schemeClr val="tx1"/>
+            </a:fontRef>
+          </p:style>
+        </p:cxnSp>
+        <p:cxnSp>
+          <p:nvCxnSpPr>
+            <p:cNvPr id="22" name="Straight Connector 21">
+              <a:extLst>
+                <a:ext uri="{FF2B5EF4-FFF2-40B4-BE49-F238E27FC236}">
+                  <a16:creationId xmlns:a16="http://schemas.microsoft.com/office/drawing/2014/main" id="{D3F7F181-4FFE-4F8E-A3D0-1A8ECDEFFB37}"/>
+                </a:ext>
+                <a:ext uri="{C183D7F6-B498-43B3-948B-1728B52AA6E4}">
+                  <adec:decorative xmlns:adec="http://schemas.microsoft.com/office/drawing/2017/decorative" val="1"/>
+                </a:ext>
+              </a:extLst>
+            </p:cNvPr>
+            <p:cNvCxnSpPr>
+              <a:cxnSpLocks/>
+            </p:cNvCxnSpPr>
+            <p:nvPr>
+              <p:extLst>
+                <p:ext uri="{386F3935-93C4-4BCD-93E2-E3B085C9AB24}">
+                  <p16:designElem xmlns:p16="http://schemas.microsoft.com/office/powerpoint/2015/main" val="1"/>
+                </p:ext>
+              </p:extLst>
+            </p:nvPr>
+          </p:nvCxnSpPr>
+          <p:spPr>
+            <a:xfrm flipH="1">
+              <a:off x="10292292" y="3190344"/>
+              <a:ext cx="1896535" cy="1896533"/>
+            </a:xfrm>
+            <a:prstGeom prst="line">
+              <a:avLst/>
+            </a:prstGeom>
+            <a:ln w="9525">
+              <a:solidFill>
+                <a:srgbClr val="FFFFFF"/>
+              </a:solidFill>
+            </a:ln>
+          </p:spPr>
+          <p:style>
+            <a:lnRef idx="2">
+              <a:schemeClr val="accent1"/>
+            </a:lnRef>
+            <a:fillRef idx="0">
+              <a:schemeClr val="accent1"/>
+            </a:fillRef>
+            <a:effectRef idx="1">
+              <a:schemeClr val="accent1"/>
+            </a:effectRef>
+            <a:fontRef idx="minor">
+              <a:schemeClr val="tx1"/>
+            </a:fontRef>
+          </p:style>
+        </p:cxnSp>
+        <p:cxnSp>
+          <p:nvCxnSpPr>
+            <p:cNvPr id="23" name="Straight Connector 22">
+              <a:extLst>
+                <a:ext uri="{FF2B5EF4-FFF2-40B4-BE49-F238E27FC236}">
+                  <a16:creationId xmlns:a16="http://schemas.microsoft.com/office/drawing/2014/main" id="{2066495D-EC57-44E4-8DED-0DC2E07AA2FF}"/>
+                </a:ext>
+                <a:ext uri="{C183D7F6-B498-43B3-948B-1728B52AA6E4}">
+                  <adec:decorative xmlns:adec="http://schemas.microsoft.com/office/drawing/2017/decorative" val="1"/>
+                </a:ext>
+              </a:extLst>
+            </p:cNvPr>
+            <p:cNvCxnSpPr/>
+            <p:nvPr>
+              <p:extLst>
+                <p:ext uri="{386F3935-93C4-4BCD-93E2-E3B085C9AB24}">
+                  <p16:designElem xmlns:p16="http://schemas.microsoft.com/office/powerpoint/2015/main" val="1"/>
+                </p:ext>
+              </p:extLst>
+            </p:nvPr>
+          </p:nvCxnSpPr>
+          <p:spPr>
+            <a:xfrm flipH="1">
+              <a:off x="10292292" y="3285067"/>
+              <a:ext cx="1896534" cy="1896533"/>
+            </a:xfrm>
+            <a:prstGeom prst="line">
+              <a:avLst/>
+            </a:prstGeom>
+            <a:ln w="9525">
+              <a:solidFill>
+                <a:srgbClr val="FFFFFF"/>
+              </a:solidFill>
+            </a:ln>
+          </p:spPr>
+          <p:style>
+            <a:lnRef idx="2">
+              <a:schemeClr val="accent1"/>
+            </a:lnRef>
+            <a:fillRef idx="0">
+              <a:schemeClr val="accent1"/>
+            </a:fillRef>
+            <a:effectRef idx="1">
+              <a:schemeClr val="accent1"/>
+            </a:effectRef>
+            <a:fontRef idx="minor">
+              <a:schemeClr val="tx1"/>
+            </a:fontRef>
+          </p:style>
+        </p:cxnSp>
+        <p:cxnSp>
+          <p:nvCxnSpPr>
+            <p:cNvPr id="24" name="Straight Connector 23">
+              <a:extLst>
+                <a:ext uri="{FF2B5EF4-FFF2-40B4-BE49-F238E27FC236}">
+                  <a16:creationId xmlns:a16="http://schemas.microsoft.com/office/drawing/2014/main" id="{0E0DA2F2-D672-4417-8072-9ED4FA5CC59F}"/>
+                </a:ext>
+                <a:ext uri="{C183D7F6-B498-43B3-948B-1728B52AA6E4}">
+                  <adec:decorative xmlns:adec="http://schemas.microsoft.com/office/drawing/2017/decorative" val="1"/>
+                </a:ext>
+              </a:extLst>
+            </p:cNvPr>
+            <p:cNvCxnSpPr/>
+            <p:nvPr>
+              <p:extLst>
+                <p:ext uri="{386F3935-93C4-4BCD-93E2-E3B085C9AB24}">
+                  <p16:designElem xmlns:p16="http://schemas.microsoft.com/office/powerpoint/2015/main" val="1"/>
+                </p:ext>
+              </p:extLst>
+            </p:nvPr>
+          </p:nvCxnSpPr>
+          <p:spPr>
+            <a:xfrm flipH="1">
+              <a:off x="10443103" y="3131080"/>
+              <a:ext cx="1745722" cy="1745720"/>
+            </a:xfrm>
+            <a:prstGeom prst="line">
+              <a:avLst/>
+            </a:prstGeom>
+            <a:ln w="28575">
+              <a:solidFill>
+                <a:srgbClr val="FFFFFF"/>
+              </a:solidFill>
+            </a:ln>
+          </p:spPr>
+          <p:style>
+            <a:lnRef idx="2">
+              <a:schemeClr val="accent1"/>
+            </a:lnRef>
+            <a:fillRef idx="0">
+              <a:schemeClr val="accent1"/>
+            </a:fillRef>
+            <a:effectRef idx="1">
+              <a:schemeClr val="accent1"/>
+            </a:effectRef>
+            <a:fontRef idx="minor">
+              <a:schemeClr val="tx1"/>
+            </a:fontRef>
+          </p:style>
+        </p:cxnSp>
+        <p:cxnSp>
+          <p:nvCxnSpPr>
+            <p:cNvPr id="25" name="Straight Connector 24">
+              <a:extLst>
+                <a:ext uri="{FF2B5EF4-FFF2-40B4-BE49-F238E27FC236}">
+                  <a16:creationId xmlns:a16="http://schemas.microsoft.com/office/drawing/2014/main" id="{30E8BACB-AEC7-46A5-A3AD-4D1BBE8715BA}"/>
+                </a:ext>
+                <a:ext uri="{C183D7F6-B498-43B3-948B-1728B52AA6E4}">
+                  <adec:decorative xmlns:adec="http://schemas.microsoft.com/office/drawing/2017/decorative" val="1"/>
+                </a:ext>
+              </a:extLst>
+            </p:cNvPr>
+            <p:cNvCxnSpPr/>
+            <p:nvPr>
+              <p:extLst>
+                <p:ext uri="{386F3935-93C4-4BCD-93E2-E3B085C9AB24}">
+                  <p16:designElem xmlns:p16="http://schemas.microsoft.com/office/powerpoint/2015/main" val="1"/>
+                </p:ext>
+              </p:extLst>
+            </p:nvPr>
+          </p:nvCxnSpPr>
+          <p:spPr>
+            <a:xfrm flipH="1">
+              <a:off x="10918826" y="3683001"/>
+              <a:ext cx="1270001" cy="1269999"/>
+            </a:xfrm>
+            <a:prstGeom prst="line">
+              <a:avLst/>
+            </a:prstGeom>
+            <a:ln w="28575">
+              <a:solidFill>
+                <a:srgbClr val="FFFFFF"/>
+              </a:solidFill>
+            </a:ln>
+          </p:spPr>
+          <p:style>
+            <a:lnRef idx="2">
+              <a:schemeClr val="accent1"/>
+            </a:lnRef>
+            <a:fillRef idx="0">
+              <a:schemeClr val="accent1"/>
+            </a:fillRef>
+            <a:effectRef idx="1">
+              <a:schemeClr val="accent1"/>
+            </a:effectRef>
+            <a:fontRef idx="minor">
+              <a:schemeClr val="tx1"/>
+            </a:fontRef>
+          </p:style>
+        </p:cxnSp>
+      </p:grpSp>
+      <p:sp>
+        <p:nvSpPr>
+          <p:cNvPr id="27" name="Rectangle 26">
+            <a:extLst>
+              <a:ext uri="{FF2B5EF4-FFF2-40B4-BE49-F238E27FC236}">
+                <a16:creationId xmlns:a16="http://schemas.microsoft.com/office/drawing/2014/main" id="{08452CCF-4A27-488A-AAF4-424933CFC925}"/>
+              </a:ext>
+              <a:ext uri="{C183D7F6-B498-43B3-948B-1728B52AA6E4}">
+                <adec:decorative xmlns:adec="http://schemas.microsoft.com/office/drawing/2017/decorative" val="1"/>
+              </a:ext>
+            </a:extLst>
+          </p:cNvPr>
+          <p:cNvSpPr>
+            <a:spLocks noGrp="1" noRot="1" noChangeAspect="1" noMove="1" noResize="1" noEditPoints="1" noAdjustHandles="1" noChangeArrowheads="1" noChangeShapeType="1" noTextEdit="1"/>
+          </p:cNvSpPr>
+          <p:nvPr>
+            <p:extLst>
+              <p:ext uri="{386F3935-93C4-4BCD-93E2-E3B085C9AB24}">
+                <p16:designElem xmlns:p16="http://schemas.microsoft.com/office/powerpoint/2015/main" val="1"/>
+              </p:ext>
+            </p:extLst>
           </p:nvPr>
         </p:nvSpPr>
         <p:spPr>
           <a:xfrm>
-            <a:off x="0" y="810683"/>
-            <a:ext cx="12192000" cy="451379"/>
+            <a:off x="1374212" y="0"/>
+            <a:ext cx="4657345" cy="6858000"/>
+          </a:xfrm>
+          <a:prstGeom prst="rect">
+            <a:avLst/>
+          </a:prstGeom>
+          <a:solidFill>
+            <a:schemeClr val="accent1">
+              <a:lumMod val="75000"/>
+            </a:schemeClr>
+          </a:solidFill>
+          <a:ln>
+            <a:noFill/>
+          </a:ln>
+          <a:effectLst/>
+        </p:spPr>
+        <p:style>
+          <a:lnRef idx="2">
+            <a:schemeClr val="accent1">
+              <a:shade val="50000"/>
+            </a:schemeClr>
+          </a:lnRef>
+          <a:fillRef idx="1001">
+            <a:schemeClr val="dk2"/>
+          </a:fillRef>
+          <a:effectRef idx="0">
+            <a:schemeClr val="accent1"/>
+          </a:effectRef>
+          <a:fontRef idx="minor">
+            <a:schemeClr val="lt1"/>
+          </a:fontRef>
+        </p:style>
+        <p:txBody>
+          <a:bodyPr rtlCol="0" anchor="ctr"/>
+          <a:lstStyle/>
+          <a:p>
+            <a:pPr algn="ctr"/>
+            <a:endParaRPr lang="en-US"/>
+          </a:p>
+        </p:txBody>
+      </p:sp>
+      <p:sp>
+        <p:nvSpPr>
+          <p:cNvPr id="2" name="Título 1">
+            <a:extLst>
+              <a:ext uri="{FF2B5EF4-FFF2-40B4-BE49-F238E27FC236}">
+                <a16:creationId xmlns:a16="http://schemas.microsoft.com/office/drawing/2014/main" id="{57F9FEF2-D80A-4ED2-AD0B-77D6E35FDB1B}"/>
+              </a:ext>
+            </a:extLst>
+          </p:cNvPr>
+          <p:cNvSpPr>
+            <a:spLocks noGrp="1"/>
+          </p:cNvSpPr>
+          <p:nvPr>
+            <p:ph type="title"/>
+          </p:nvPr>
+        </p:nvSpPr>
+        <p:spPr>
+          <a:xfrm>
+            <a:off x="315981" y="157225"/>
+            <a:ext cx="6329571" cy="1311812"/>
           </a:xfrm>
         </p:spPr>
         <p:txBody>
-          <a:bodyPr/>
+          <a:bodyPr vert="horz" lIns="91440" tIns="45720" rIns="91440" bIns="45720" rtlCol="0" anchor="ctr">
+            <a:normAutofit/>
+          </a:bodyPr>
           <a:lstStyle/>
           <a:p>
             <a:pPr algn="ctr"/>
             <a:r>
-              <a:rPr lang="es-ES" dirty="0"/>
-              <a:t>Es la función que más hemos utilizado</a:t>
-            </a:r>
+              <a:rPr lang="en-US" sz="3200" dirty="0">
+                <a:solidFill>
+                  <a:srgbClr val="FFFFFF"/>
+                </a:solidFill>
+              </a:rPr>
+              <a:t>4.monedas</a:t>
+            </a:r>
+          </a:p>
+        </p:txBody>
+      </p:sp>
+      <p:sp>
+        <p:nvSpPr>
+          <p:cNvPr id="4" name="Marcador de texto 3">
+            <a:extLst>
+              <a:ext uri="{FF2B5EF4-FFF2-40B4-BE49-F238E27FC236}">
+                <a16:creationId xmlns:a16="http://schemas.microsoft.com/office/drawing/2014/main" id="{C92CAD01-FF55-4A5D-995F-7EFC56634639}"/>
+              </a:ext>
+            </a:extLst>
+          </p:cNvPr>
+          <p:cNvSpPr>
+            <a:spLocks noGrp="1"/>
+          </p:cNvSpPr>
+          <p:nvPr>
+            <p:ph type="body" sz="half" idx="2"/>
+          </p:nvPr>
+        </p:nvSpPr>
+        <p:spPr>
+          <a:xfrm>
+            <a:off x="7121456" y="762000"/>
+            <a:ext cx="4754563" cy="5410200"/>
+          </a:xfrm>
+        </p:spPr>
+        <p:txBody>
+          <a:bodyPr vert="horz" lIns="91440" tIns="45720" rIns="91440" bIns="45720" rtlCol="0" anchor="ctr">
+            <a:normAutofit/>
+          </a:bodyPr>
+          <a:lstStyle/>
+          <a:p>
+            <a:pPr marL="285750" indent="-285750">
+              <a:buFont typeface="Arial" panose="020B0604020202020204" pitchFamily="34" charset="0"/>
+              <a:buChar char="•"/>
+            </a:pPr>
+            <a:r>
+              <a:rPr lang="es-ES" dirty="0">
+                <a:solidFill>
+                  <a:schemeClr val="bg2">
+                    <a:lumMod val="20000"/>
+                    <a:lumOff val="80000"/>
+                  </a:schemeClr>
+                </a:solidFill>
+              </a:rPr>
+              <a:t>Las monedas están definidos mediante clases también, para crear varias de manera rápida.</a:t>
+            </a:r>
+          </a:p>
+          <a:p>
+            <a:pPr marL="285750" indent="-285750">
+              <a:buFont typeface="Arial" panose="020B0604020202020204" pitchFamily="34" charset="0"/>
+              <a:buChar char="•"/>
+            </a:pPr>
+            <a:r>
+              <a:rPr lang="es-ES" dirty="0">
+                <a:solidFill>
+                  <a:schemeClr val="bg2">
+                    <a:lumMod val="20000"/>
+                    <a:lumOff val="80000"/>
+                  </a:schemeClr>
+                </a:solidFill>
+              </a:rPr>
+              <a:t>Se utiliza una interfaz pública </a:t>
+            </a:r>
+          </a:p>
+          <a:p>
+            <a:pPr marL="285750" indent="-285750">
+              <a:buFont typeface="Arial" panose="020B0604020202020204" pitchFamily="34" charset="0"/>
+              <a:buChar char="•"/>
+            </a:pPr>
+            <a:r>
+              <a:rPr lang="es-ES" dirty="0">
+                <a:solidFill>
+                  <a:schemeClr val="bg2">
+                    <a:lumMod val="20000"/>
+                    <a:lumOff val="80000"/>
+                  </a:schemeClr>
+                </a:solidFill>
+              </a:rPr>
+              <a:t>Se añaden las funciones de pintar, borrar y </a:t>
+            </a:r>
+            <a:r>
+              <a:rPr lang="es-ES" dirty="0" err="1">
+                <a:solidFill>
+                  <a:schemeClr val="bg2">
+                    <a:lumMod val="20000"/>
+                    <a:lumOff val="80000"/>
+                  </a:schemeClr>
+                </a:solidFill>
+              </a:rPr>
+              <a:t>contar_monedas</a:t>
+            </a:r>
+            <a:r>
+              <a:rPr lang="es-ES" dirty="0">
+                <a:solidFill>
+                  <a:schemeClr val="bg2">
+                    <a:lumMod val="20000"/>
+                    <a:lumOff val="80000"/>
+                  </a:schemeClr>
+                </a:solidFill>
+              </a:rPr>
+              <a:t>, esta última  pasa por referencia un parámetro de clase JUGADOR</a:t>
+            </a:r>
+          </a:p>
+          <a:p>
+            <a:pPr marL="285750" indent="-285750">
+              <a:buFont typeface="Arial" panose="020B0604020202020204" pitchFamily="34" charset="0"/>
+              <a:buChar char="•"/>
+            </a:pPr>
+            <a:r>
+              <a:rPr lang="es-ES" dirty="0">
+                <a:solidFill>
+                  <a:schemeClr val="bg2">
+                    <a:lumMod val="20000"/>
+                    <a:lumOff val="80000"/>
+                  </a:schemeClr>
+                </a:solidFill>
+              </a:rPr>
+              <a:t>La función </a:t>
+            </a:r>
+            <a:r>
+              <a:rPr lang="es-ES" dirty="0" err="1">
+                <a:solidFill>
+                  <a:schemeClr val="bg2">
+                    <a:lumMod val="20000"/>
+                    <a:lumOff val="80000"/>
+                  </a:schemeClr>
+                </a:solidFill>
+              </a:rPr>
+              <a:t>contar_monedas</a:t>
+            </a:r>
+            <a:r>
+              <a:rPr lang="es-ES" dirty="0">
+                <a:solidFill>
+                  <a:schemeClr val="bg2">
+                    <a:lumMod val="20000"/>
+                    <a:lumOff val="80000"/>
+                  </a:schemeClr>
+                </a:solidFill>
+              </a:rPr>
+              <a:t> compara la posición del jugador  con la posición de la moneda. Si son las mismas posiciones añadirá una moneda más</a:t>
+            </a:r>
+          </a:p>
+          <a:p>
+            <a:endParaRPr lang="en-US" dirty="0">
+              <a:solidFill>
+                <a:srgbClr val="FFFFFF"/>
+              </a:solidFill>
+            </a:endParaRPr>
           </a:p>
         </p:txBody>
       </p:sp>
       <p:pic>
         <p:nvPicPr>
-          <p:cNvPr id="8" name="Marcador de contenido 7" descr="Captura de pantalla de un celular&#10;&#10;Descripción generada automáticamente">
+          <p:cNvPr id="5" name="Imagen 4">
             <a:extLst>
               <a:ext uri="{FF2B5EF4-FFF2-40B4-BE49-F238E27FC236}">
-                <a16:creationId xmlns:a16="http://schemas.microsoft.com/office/drawing/2014/main" id="{BE8FD12C-C8D1-44B2-B59D-FAA6856EDF9A}"/>
+                <a16:creationId xmlns:a16="http://schemas.microsoft.com/office/drawing/2014/main" id="{44DDDC63-AEF5-459D-A12E-640FCAECEEB9}"/>
               </a:ext>
             </a:extLst>
           </p:cNvPr>
           <p:cNvPicPr>
-            <a:picLocks noGrp="1" noChangeAspect="1"/>
+            <a:picLocks noChangeAspect="1"/>
           </p:cNvPicPr>
-          <p:nvPr>
-            <p:ph sz="quarter" idx="4"/>
-          </p:nvPr>
+          <p:nvPr/>
         </p:nvPicPr>
         <p:blipFill>
           <a:blip r:embed="rId2"/>
-          <a:stretch>
-            <a:fillRect/>
-          </a:stretch>
+          <a:srcRect/>
+          <a:stretch/>
         </p:blipFill>
         <p:spPr>
           <a:xfrm>
-            <a:off x="6109340" y="1262063"/>
-            <a:ext cx="5971508" cy="4184580"/>
+            <a:off x="802069" y="1469037"/>
+            <a:ext cx="5631618" cy="4703163"/>
           </a:xfrm>
+          <a:prstGeom prst="rect">
+            <a:avLst/>
+          </a:prstGeom>
         </p:spPr>
       </p:pic>
+      <p:pic>
+        <p:nvPicPr>
+          <p:cNvPr id="7" name="Gráfico 6" descr="Monedas">
+            <a:extLst>
+              <a:ext uri="{FF2B5EF4-FFF2-40B4-BE49-F238E27FC236}">
+                <a16:creationId xmlns:a16="http://schemas.microsoft.com/office/drawing/2014/main" id="{2AE2AE2B-15F4-4711-BF04-DC6391BCF111}"/>
+              </a:ext>
+            </a:extLst>
+          </p:cNvPr>
+          <p:cNvPicPr>
+            <a:picLocks noChangeAspect="1"/>
+          </p:cNvPicPr>
+          <p:nvPr/>
+        </p:nvPicPr>
+        <p:blipFill>
+          <a:blip r:embed="rId3">
+            <a:extLst>
+              <a:ext uri="{96DAC541-7B7A-43D3-8B79-37D633B846F1}">
+                <asvg:svgBlip xmlns:asvg="http://schemas.microsoft.com/office/drawing/2016/SVG/main" r:embed="rId4"/>
+              </a:ext>
+            </a:extLst>
+          </a:blip>
+          <a:srcRect/>
+          <a:stretch/>
+        </p:blipFill>
+        <p:spPr>
+          <a:xfrm>
+            <a:off x="5424155" y="277319"/>
+            <a:ext cx="914400" cy="914400"/>
+          </a:xfrm>
+          <a:prstGeom prst="rect">
+            <a:avLst/>
+          </a:prstGeom>
+        </p:spPr>
+      </p:pic>
+      <p:sp>
+        <p:nvSpPr>
+          <p:cNvPr id="6" name="Rectángulo: esquinas redondeadas 5">
+            <a:extLst>
+              <a:ext uri="{FF2B5EF4-FFF2-40B4-BE49-F238E27FC236}">
+                <a16:creationId xmlns:a16="http://schemas.microsoft.com/office/drawing/2014/main" id="{4DA37A3B-553B-4874-92FB-5BA4BBE868EC}"/>
+              </a:ext>
+            </a:extLst>
+          </p:cNvPr>
+          <p:cNvSpPr/>
+          <p:nvPr/>
+        </p:nvSpPr>
+        <p:spPr>
+          <a:xfrm>
+            <a:off x="3176124" y="4259836"/>
+            <a:ext cx="1306659" cy="683233"/>
+          </a:xfrm>
+          <a:prstGeom prst="roundRect">
+            <a:avLst>
+              <a:gd name="adj" fmla="val 18607"/>
+            </a:avLst>
+          </a:prstGeom>
+          <a:noFill/>
+          <a:ln w="9525" cap="flat" cmpd="sng" algn="ctr">
+            <a:solidFill>
+              <a:schemeClr val="tx1"/>
+            </a:solidFill>
+            <a:prstDash val="solid"/>
+            <a:round/>
+            <a:headEnd type="none" w="med" len="med"/>
+            <a:tailEnd type="none" w="med" len="med"/>
+          </a:ln>
+        </p:spPr>
+        <p:style>
+          <a:lnRef idx="0">
+            <a:scrgbClr r="0" g="0" b="0"/>
+          </a:lnRef>
+          <a:fillRef idx="0">
+            <a:scrgbClr r="0" g="0" b="0"/>
+          </a:fillRef>
+          <a:effectRef idx="0">
+            <a:scrgbClr r="0" g="0" b="0"/>
+          </a:effectRef>
+          <a:fontRef idx="minor">
+            <a:schemeClr val="accent1"/>
+          </a:fontRef>
+        </p:style>
+        <p:txBody>
+          <a:bodyPr rtlCol="0" anchor="ctr"/>
+          <a:lstStyle/>
+          <a:p>
+            <a:pPr algn="ctr"/>
+            <a:endParaRPr lang="es-ES"/>
+          </a:p>
+        </p:txBody>
+      </p:sp>
     </p:spTree>
     <p:extLst>
       <p:ext uri="{BB962C8B-B14F-4D97-AF65-F5344CB8AC3E}">
-        <p14:creationId xmlns:p14="http://schemas.microsoft.com/office/powerpoint/2010/main" val="133846266"/>
+        <p14:creationId xmlns:p14="http://schemas.microsoft.com/office/powerpoint/2010/main" val="1373219211"/>
       </p:ext>
     </p:extLst>
   </p:cSld>

--- a/CROSS the road.pptx
+++ b/CROSS the road.pptx
@@ -329,7 +329,7 @@
             <a:fld id="{B61BEF0D-F0BB-DE4B-95CE-6DB70DBA9567}" type="datetimeFigureOut">
               <a:rPr lang="en-US" dirty="0"/>
               <a:pPr/>
-              <a:t>5/23/2020</a:t>
+              <a:t>5/24/2020</a:t>
             </a:fld>
             <a:endParaRPr lang="en-US" dirty="0"/>
           </a:p>
@@ -762,7 +762,7 @@
             <a:fld id="{B61BEF0D-F0BB-DE4B-95CE-6DB70DBA9567}" type="datetimeFigureOut">
               <a:rPr lang="en-US" dirty="0"/>
               <a:pPr/>
-              <a:t>5/23/2020</a:t>
+              <a:t>5/24/2020</a:t>
             </a:fld>
             <a:endParaRPr lang="en-US" dirty="0"/>
           </a:p>
@@ -1009,7 +1009,7 @@
             <a:fld id="{B61BEF0D-F0BB-DE4B-95CE-6DB70DBA9567}" type="datetimeFigureOut">
               <a:rPr lang="en-US" dirty="0"/>
               <a:pPr/>
-              <a:t>5/23/2020</a:t>
+              <a:t>5/24/2020</a:t>
             </a:fld>
             <a:endParaRPr lang="en-US" dirty="0"/>
           </a:p>
@@ -1314,7 +1314,7 @@
             <a:fld id="{B61BEF0D-F0BB-DE4B-95CE-6DB70DBA9567}" type="datetimeFigureOut">
               <a:rPr lang="en-US" dirty="0"/>
               <a:pPr/>
-              <a:t>5/23/2020</a:t>
+              <a:t>5/24/2020</a:t>
             </a:fld>
             <a:endParaRPr lang="en-US" dirty="0"/>
           </a:p>
@@ -1629,7 +1629,7 @@
             <a:fld id="{B61BEF0D-F0BB-DE4B-95CE-6DB70DBA9567}" type="datetimeFigureOut">
               <a:rPr lang="en-US" dirty="0"/>
               <a:pPr/>
-              <a:t>5/23/2020</a:t>
+              <a:t>5/24/2020</a:t>
             </a:fld>
             <a:endParaRPr lang="en-US" dirty="0"/>
           </a:p>
@@ -1928,7 +1928,7 @@
             <a:fld id="{B61BEF0D-F0BB-DE4B-95CE-6DB70DBA9567}" type="datetimeFigureOut">
               <a:rPr lang="en-US" dirty="0"/>
               <a:pPr/>
-              <a:t>5/23/2020</a:t>
+              <a:t>5/24/2020</a:t>
             </a:fld>
             <a:endParaRPr lang="en-US" dirty="0"/>
           </a:p>
@@ -2292,7 +2292,7 @@
             <a:fld id="{B61BEF0D-F0BB-DE4B-95CE-6DB70DBA9567}" type="datetimeFigureOut">
               <a:rPr lang="en-US" dirty="0"/>
               <a:pPr/>
-              <a:t>5/23/2020</a:t>
+              <a:t>5/24/2020</a:t>
             </a:fld>
             <a:endParaRPr lang="en-US" dirty="0"/>
           </a:p>
@@ -2463,7 +2463,7 @@
             <a:fld id="{B61BEF0D-F0BB-DE4B-95CE-6DB70DBA9567}" type="datetimeFigureOut">
               <a:rPr lang="en-US" dirty="0"/>
               <a:pPr/>
-              <a:t>5/23/2020</a:t>
+              <a:t>5/24/2020</a:t>
             </a:fld>
             <a:endParaRPr lang="en-US" dirty="0"/>
           </a:p>
@@ -2640,7 +2640,7 @@
             <a:fld id="{B61BEF0D-F0BB-DE4B-95CE-6DB70DBA9567}" type="datetimeFigureOut">
               <a:rPr lang="en-US" dirty="0"/>
               <a:pPr/>
-              <a:t>5/23/2020</a:t>
+              <a:t>5/24/2020</a:t>
             </a:fld>
             <a:endParaRPr lang="en-US" dirty="0"/>
           </a:p>
@@ -2807,7 +2807,7 @@
             <a:fld id="{B61BEF0D-F0BB-DE4B-95CE-6DB70DBA9567}" type="datetimeFigureOut">
               <a:rPr lang="en-US" dirty="0"/>
               <a:pPr/>
-              <a:t>5/23/2020</a:t>
+              <a:t>5/24/2020</a:t>
             </a:fld>
             <a:endParaRPr lang="en-US" dirty="0"/>
           </a:p>
@@ -3054,7 +3054,7 @@
             <a:fld id="{B61BEF0D-F0BB-DE4B-95CE-6DB70DBA9567}" type="datetimeFigureOut">
               <a:rPr lang="en-US" dirty="0"/>
               <a:pPr/>
-              <a:t>5/23/2020</a:t>
+              <a:t>5/24/2020</a:t>
             </a:fld>
             <a:endParaRPr lang="en-US" dirty="0"/>
           </a:p>
@@ -3287,7 +3287,7 @@
             <a:fld id="{B61BEF0D-F0BB-DE4B-95CE-6DB70DBA9567}" type="datetimeFigureOut">
               <a:rPr lang="en-US" dirty="0"/>
               <a:pPr/>
-              <a:t>5/23/2020</a:t>
+              <a:t>5/24/2020</a:t>
             </a:fld>
             <a:endParaRPr lang="en-US" dirty="0"/>
           </a:p>
@@ -3666,7 +3666,7 @@
             <a:fld id="{B61BEF0D-F0BB-DE4B-95CE-6DB70DBA9567}" type="datetimeFigureOut">
               <a:rPr lang="en-US" dirty="0"/>
               <a:pPr/>
-              <a:t>5/23/2020</a:t>
+              <a:t>5/24/2020</a:t>
             </a:fld>
             <a:endParaRPr lang="en-US" dirty="0"/>
           </a:p>
@@ -3781,7 +3781,7 @@
             <a:fld id="{B61BEF0D-F0BB-DE4B-95CE-6DB70DBA9567}" type="datetimeFigureOut">
               <a:rPr lang="en-US" dirty="0"/>
               <a:pPr/>
-              <a:t>5/23/2020</a:t>
+              <a:t>5/24/2020</a:t>
             </a:fld>
             <a:endParaRPr lang="en-US" dirty="0"/>
           </a:p>
@@ -3873,7 +3873,7 @@
             <a:fld id="{B61BEF0D-F0BB-DE4B-95CE-6DB70DBA9567}" type="datetimeFigureOut">
               <a:rPr lang="en-US" dirty="0"/>
               <a:pPr/>
-              <a:t>5/23/2020</a:t>
+              <a:t>5/24/2020</a:t>
             </a:fld>
             <a:endParaRPr lang="en-US" dirty="0"/>
           </a:p>
@@ -4125,7 +4125,7 @@
             <a:fld id="{B61BEF0D-F0BB-DE4B-95CE-6DB70DBA9567}" type="datetimeFigureOut">
               <a:rPr lang="en-US" dirty="0"/>
               <a:pPr/>
-              <a:t>5/23/2020</a:t>
+              <a:t>5/24/2020</a:t>
             </a:fld>
             <a:endParaRPr lang="en-US" dirty="0"/>
           </a:p>
@@ -4405,7 +4405,7 @@
             <a:fld id="{B61BEF0D-F0BB-DE4B-95CE-6DB70DBA9567}" type="datetimeFigureOut">
               <a:rPr lang="en-US" dirty="0"/>
               <a:pPr/>
-              <a:t>5/23/2020</a:t>
+              <a:t>5/24/2020</a:t>
             </a:fld>
             <a:endParaRPr lang="en-US" dirty="0"/>
           </a:p>
@@ -4808,7 +4808,7 @@
             <a:fld id="{B61BEF0D-F0BB-DE4B-95CE-6DB70DBA9567}" type="datetimeFigureOut">
               <a:rPr lang="en-US" dirty="0"/>
               <a:pPr/>
-              <a:t>5/23/2020</a:t>
+              <a:t>5/24/2020</a:t>
             </a:fld>
             <a:endParaRPr lang="en-US" dirty="0"/>
           </a:p>
@@ -6243,7 +6243,7 @@
                   <a:srgbClr val="000000"/>
                 </a:solidFill>
               </a:rPr>
-              <a:t>, donde se  intenta atravesar todas las zonas sin que alguno de los elementos que se mueven horizontalmente intercepte a nuestra “rana”. En el caso en el que intercepte a algunos de nuestros “coches”, el número de vidas descenderá, hasta que llegue a cero. En ese momento el juego terminará.</a:t>
+              <a:t>, donde se  intenta atravesar todas las zonas sin que alguno de los elementos que se mueven horizontalmente intercepte a nuestra “rana”. En el caso en el que intercepte a algunos de nuestros “coches”, el número de vidas descenderá, hasta que llegue a cero. En ese momento el juego terminará. El éxito de juego vendrá dado por el tiempo que tarde en llegar hasta el final, o por el contrario si no lo consigue, se contará el tiempo que se tarda en acabar con todas las vidas. A su vez el también se contará el números de monedas recogidas. </a:t>
             </a:r>
           </a:p>
         </p:txBody>
@@ -6360,8 +6360,8 @@
         </p:nvSpPr>
         <p:spPr>
           <a:xfrm>
-            <a:off x="8194088" y="490492"/>
-            <a:ext cx="3643435" cy="4063754"/>
+            <a:off x="8064219" y="490491"/>
+            <a:ext cx="3643435" cy="1546216"/>
           </a:xfrm>
         </p:spPr>
         <p:txBody>
@@ -6374,10 +6374,6 @@
               <a:rPr lang="es-ES" dirty="0"/>
               <a:t>1.Limites del juego</a:t>
             </a:r>
-            <a:br>
-              <a:rPr lang="es-ES" dirty="0"/>
-            </a:br>
-            <a:endParaRPr lang="es-ES" dirty="0"/>
           </a:p>
         </p:txBody>
       </p:sp>
@@ -6440,7 +6436,7 @@
         </p:blipFill>
         <p:spPr>
           <a:xfrm>
-            <a:off x="9786009" y="2522369"/>
+            <a:off x="9885936" y="1445216"/>
             <a:ext cx="1921645" cy="1921645"/>
           </a:xfrm>
           <a:prstGeom prst="rect">
@@ -6448,6 +6444,43 @@
           </a:prstGeom>
         </p:spPr>
       </p:pic>
+      <p:sp>
+        <p:nvSpPr>
+          <p:cNvPr id="2" name="CuadroTexto 1">
+            <a:extLst>
+              <a:ext uri="{FF2B5EF4-FFF2-40B4-BE49-F238E27FC236}">
+                <a16:creationId xmlns:a16="http://schemas.microsoft.com/office/drawing/2014/main" id="{245ACEC7-DB4A-4AEC-82FA-E6E4D650B108}"/>
+              </a:ext>
+            </a:extLst>
+          </p:cNvPr>
+          <p:cNvSpPr txBox="1"/>
+          <p:nvPr/>
+        </p:nvSpPr>
+        <p:spPr>
+          <a:xfrm>
+            <a:off x="10135499" y="121159"/>
+            <a:ext cx="1702024" cy="369332"/>
+          </a:xfrm>
+          <a:prstGeom prst="rect">
+            <a:avLst/>
+          </a:prstGeom>
+          <a:noFill/>
+        </p:spPr>
+        <p:txBody>
+          <a:bodyPr wrap="square" rtlCol="0">
+            <a:spAutoFit/>
+          </a:bodyPr>
+          <a:lstStyle/>
+          <a:p>
+            <a:r>
+              <a:rPr lang="es-ES" dirty="0">
+                <a:latin typeface="Lucida Bright" panose="02040602050505020304" pitchFamily="18" charset="0"/>
+              </a:rPr>
+              <a:t>Organización</a:t>
+            </a:r>
+          </a:p>
+        </p:txBody>
+      </p:sp>
     </p:spTree>
     <p:extLst>
       <p:ext uri="{BB962C8B-B14F-4D97-AF65-F5344CB8AC3E}">
@@ -7410,7 +7443,73 @@
                   </a:schemeClr>
                 </a:solidFill>
               </a:rPr>
-              <a:t>Se añaden las funciones de pintar, mover y borrar, que como sus nombres indican pintan el objeto, lo mueven y borran su rastro.</a:t>
+              <a:t>Se añaden las funciones de </a:t>
+            </a:r>
+            <a:r>
+              <a:rPr lang="es-ES" b="1" dirty="0">
+                <a:solidFill>
+                  <a:schemeClr val="bg2">
+                    <a:lumMod val="20000"/>
+                    <a:lumOff val="80000"/>
+                  </a:schemeClr>
+                </a:solidFill>
+              </a:rPr>
+              <a:t>pintar</a:t>
+            </a:r>
+            <a:r>
+              <a:rPr lang="es-ES" dirty="0">
+                <a:solidFill>
+                  <a:schemeClr val="bg2">
+                    <a:lumMod val="20000"/>
+                    <a:lumOff val="80000"/>
+                  </a:schemeClr>
+                </a:solidFill>
+              </a:rPr>
+              <a:t>, </a:t>
+            </a:r>
+            <a:r>
+              <a:rPr lang="es-ES" b="1" dirty="0">
+                <a:solidFill>
+                  <a:schemeClr val="bg2">
+                    <a:lumMod val="20000"/>
+                    <a:lumOff val="80000"/>
+                  </a:schemeClr>
+                </a:solidFill>
+              </a:rPr>
+              <a:t>mover</a:t>
+            </a:r>
+            <a:r>
+              <a:rPr lang="es-ES" dirty="0">
+                <a:solidFill>
+                  <a:schemeClr val="bg2">
+                    <a:lumMod val="20000"/>
+                    <a:lumOff val="80000"/>
+                  </a:schemeClr>
+                </a:solidFill>
+              </a:rPr>
+              <a:t> y </a:t>
+            </a:r>
+            <a:r>
+              <a:rPr lang="es-ES" b="1" dirty="0">
+                <a:solidFill>
+                  <a:schemeClr val="bg2">
+                    <a:lumMod val="20000"/>
+                    <a:lumOff val="80000"/>
+                  </a:schemeClr>
+                </a:solidFill>
+              </a:rPr>
+              <a:t>borrar</a:t>
+            </a:r>
+            <a:r>
+              <a:rPr lang="es-ES" dirty="0">
+                <a:solidFill>
+                  <a:schemeClr val="bg2">
+                    <a:lumMod val="20000"/>
+                    <a:lumOff val="80000"/>
+                  </a:schemeClr>
+                </a:solidFill>
+              </a:rPr>
+              <a:t>, que como sus nombres indican pintan el objeto, lo mueven y borran su rastro.</a:t>
             </a:r>
           </a:p>
           <a:p>
@@ -7427,7 +7526,82 @@
                   </a:schemeClr>
                 </a:solidFill>
               </a:rPr>
-              <a:t> Los objetos se mueven de izquierda a derecha (x++) o de derecha izquierda (x--). Y a distintas velocidades (x=x+2,x++), pero siempre dentro de los limites del juego.</a:t>
+              <a:t> Los objetos se mueven de izquierda a derecha (</a:t>
+            </a:r>
+            <a:r>
+              <a:rPr lang="es-ES" dirty="0">
+                <a:solidFill>
+                  <a:schemeClr val="bg2">
+                    <a:lumMod val="20000"/>
+                    <a:lumOff val="80000"/>
+                  </a:schemeClr>
+                </a:solidFill>
+                <a:highlight>
+                  <a:srgbClr val="808000"/>
+                </a:highlight>
+              </a:rPr>
+              <a:t>x++</a:t>
+            </a:r>
+            <a:r>
+              <a:rPr lang="es-ES" dirty="0">
+                <a:solidFill>
+                  <a:schemeClr val="bg2">
+                    <a:lumMod val="20000"/>
+                    <a:lumOff val="80000"/>
+                  </a:schemeClr>
+                </a:solidFill>
+              </a:rPr>
+              <a:t>) o de derecha izquierda (</a:t>
+            </a:r>
+            <a:r>
+              <a:rPr lang="es-ES" dirty="0">
+                <a:solidFill>
+                  <a:schemeClr val="bg2">
+                    <a:lumMod val="20000"/>
+                    <a:lumOff val="80000"/>
+                  </a:schemeClr>
+                </a:solidFill>
+                <a:highlight>
+                  <a:srgbClr val="808000"/>
+                </a:highlight>
+              </a:rPr>
+              <a:t>x--</a:t>
+            </a:r>
+            <a:r>
+              <a:rPr lang="es-ES" dirty="0">
+                <a:solidFill>
+                  <a:schemeClr val="bg2">
+                    <a:lumMod val="20000"/>
+                    <a:lumOff val="80000"/>
+                  </a:schemeClr>
+                </a:solidFill>
+              </a:rPr>
+              <a:t>). Y a distintas velocidades (</a:t>
+            </a:r>
+            <a:r>
+              <a:rPr lang="es-ES" dirty="0">
+                <a:solidFill>
+                  <a:schemeClr val="bg2">
+                    <a:lumMod val="20000"/>
+                    <a:lumOff val="80000"/>
+                  </a:schemeClr>
+                </a:solidFill>
+                <a:highlight>
+                  <a:srgbClr val="808000"/>
+                </a:highlight>
+              </a:rPr>
+              <a:t>x=x+2,x++</a:t>
+            </a:r>
+            <a:r>
+              <a:rPr lang="es-ES" dirty="0">
+                <a:solidFill>
+                  <a:schemeClr val="bg2">
+                    <a:lumMod val="20000"/>
+                    <a:lumOff val="80000"/>
+                  </a:schemeClr>
+                </a:solidFill>
+              </a:rPr>
+              <a:t>), pero siempre dentro de los limites del juego.</a:t>
             </a:r>
           </a:p>
           <a:p>
@@ -7467,16 +7641,15 @@
           </p:cNvPicPr>
           <p:nvPr/>
         </p:nvPicPr>
-        <p:blipFill>
+        <p:blipFill rotWithShape="1">
           <a:blip r:embed="rId2"/>
-          <a:stretch>
-            <a:fillRect/>
-          </a:stretch>
+          <a:srcRect r="5459"/>
+          <a:stretch/>
         </p:blipFill>
         <p:spPr>
           <a:xfrm>
-            <a:off x="300385" y="1469037"/>
-            <a:ext cx="6711542" cy="4703163"/>
+            <a:off x="358874" y="1469037"/>
+            <a:ext cx="6691535" cy="4959898"/>
           </a:xfrm>
           <a:prstGeom prst="rect">
             <a:avLst/>
@@ -7513,6 +7686,155 @@
           <a:xfrm>
             <a:off x="6789383" y="157225"/>
             <a:ext cx="914400" cy="914400"/>
+          </a:xfrm>
+          <a:prstGeom prst="rect">
+            <a:avLst/>
+          </a:prstGeom>
+        </p:spPr>
+      </p:pic>
+      <p:sp>
+        <p:nvSpPr>
+          <p:cNvPr id="3" name="CuadroTexto 2">
+            <a:extLst>
+              <a:ext uri="{FF2B5EF4-FFF2-40B4-BE49-F238E27FC236}">
+                <a16:creationId xmlns:a16="http://schemas.microsoft.com/office/drawing/2014/main" id="{DBF9155D-A7D1-4914-B592-0D64B8C6DC57}"/>
+              </a:ext>
+            </a:extLst>
+          </p:cNvPr>
+          <p:cNvSpPr txBox="1"/>
+          <p:nvPr/>
+        </p:nvSpPr>
+        <p:spPr>
+          <a:xfrm>
+            <a:off x="10255111" y="116708"/>
+            <a:ext cx="1936889" cy="369332"/>
+          </a:xfrm>
+          <a:prstGeom prst="rect">
+            <a:avLst/>
+          </a:prstGeom>
+          <a:noFill/>
+        </p:spPr>
+        <p:txBody>
+          <a:bodyPr wrap="square" rtlCol="0">
+            <a:spAutoFit/>
+          </a:bodyPr>
+          <a:lstStyle/>
+          <a:p>
+            <a:r>
+              <a:rPr lang="es-ES" dirty="0">
+                <a:latin typeface="Lucida Bright" panose="02040602050505020304" pitchFamily="18" charset="0"/>
+              </a:rPr>
+              <a:t>Organización</a:t>
+            </a:r>
+          </a:p>
+        </p:txBody>
+      </p:sp>
+      <p:sp>
+        <p:nvSpPr>
+          <p:cNvPr id="6" name="Rectángulo 5">
+            <a:extLst>
+              <a:ext uri="{FF2B5EF4-FFF2-40B4-BE49-F238E27FC236}">
+                <a16:creationId xmlns:a16="http://schemas.microsoft.com/office/drawing/2014/main" id="{CC1D30E7-2266-4526-B2CD-9EB12673C25C}"/>
+              </a:ext>
+            </a:extLst>
+          </p:cNvPr>
+          <p:cNvSpPr/>
+          <p:nvPr/>
+        </p:nvSpPr>
+        <p:spPr>
+          <a:xfrm>
+            <a:off x="943179" y="4713265"/>
+            <a:ext cx="839283" cy="264183"/>
+          </a:xfrm>
+          <a:prstGeom prst="rect">
+            <a:avLst/>
+          </a:prstGeom>
+          <a:noFill/>
+          <a:ln>
+            <a:solidFill>
+              <a:schemeClr val="bg2">
+                <a:lumMod val="75000"/>
+              </a:schemeClr>
+            </a:solidFill>
+          </a:ln>
+        </p:spPr>
+        <p:style>
+          <a:lnRef idx="2">
+            <a:schemeClr val="accent1"/>
+          </a:lnRef>
+          <a:fillRef idx="1">
+            <a:schemeClr val="lt1"/>
+          </a:fillRef>
+          <a:effectRef idx="0">
+            <a:schemeClr val="accent1"/>
+          </a:effectRef>
+          <a:fontRef idx="minor">
+            <a:schemeClr val="dk1"/>
+          </a:fontRef>
+        </p:style>
+        <p:txBody>
+          <a:bodyPr rtlCol="0" anchor="ctr"/>
+          <a:lstStyle/>
+          <a:p>
+            <a:pPr algn="ctr"/>
+            <a:endParaRPr lang="es-ES"/>
+          </a:p>
+        </p:txBody>
+      </p:sp>
+      <p:pic>
+        <p:nvPicPr>
+          <p:cNvPr id="15" name="Imagen 14">
+            <a:extLst>
+              <a:ext uri="{FF2B5EF4-FFF2-40B4-BE49-F238E27FC236}">
+                <a16:creationId xmlns:a16="http://schemas.microsoft.com/office/drawing/2014/main" id="{CA81F9C8-4B6D-4CEF-833F-8A981C5CA81C}"/>
+              </a:ext>
+            </a:extLst>
+          </p:cNvPr>
+          <p:cNvPicPr>
+            <a:picLocks noChangeAspect="1"/>
+          </p:cNvPicPr>
+          <p:nvPr/>
+        </p:nvPicPr>
+        <p:blipFill>
+          <a:blip r:embed="rId5"/>
+          <a:stretch>
+            <a:fillRect/>
+          </a:stretch>
+        </p:blipFill>
+        <p:spPr>
+          <a:xfrm>
+            <a:off x="964055" y="4041099"/>
+            <a:ext cx="853514" cy="239166"/>
+          </a:xfrm>
+          <a:prstGeom prst="rect">
+            <a:avLst/>
+          </a:prstGeom>
+        </p:spPr>
+      </p:pic>
+      <p:pic>
+        <p:nvPicPr>
+          <p:cNvPr id="17" name="Imagen 16">
+            <a:extLst>
+              <a:ext uri="{FF2B5EF4-FFF2-40B4-BE49-F238E27FC236}">
+                <a16:creationId xmlns:a16="http://schemas.microsoft.com/office/drawing/2014/main" id="{E7D5569E-AB3B-461B-A473-39E1674877F9}"/>
+              </a:ext>
+            </a:extLst>
+          </p:cNvPr>
+          <p:cNvPicPr>
+            <a:picLocks noChangeAspect="1"/>
+          </p:cNvPicPr>
+          <p:nvPr/>
+        </p:nvPicPr>
+        <p:blipFill>
+          <a:blip r:embed="rId5"/>
+          <a:stretch>
+            <a:fillRect/>
+          </a:stretch>
+        </p:blipFill>
+        <p:spPr>
+          <a:xfrm>
+            <a:off x="943179" y="5410449"/>
+            <a:ext cx="853514" cy="286537"/>
           </a:xfrm>
           <a:prstGeom prst="rect">
             <a:avLst/>
@@ -7592,8 +7914,8 @@
         </p:nvSpPr>
         <p:spPr>
           <a:xfrm>
-            <a:off x="8194088" y="490492"/>
-            <a:ext cx="3643435" cy="4063754"/>
+            <a:off x="7223417" y="398762"/>
+            <a:ext cx="3643435" cy="1228020"/>
           </a:xfrm>
         </p:spPr>
         <p:txBody>
@@ -7606,10 +7928,6 @@
               <a:rPr lang="es-ES" dirty="0"/>
               <a:t>3.vidas </a:t>
             </a:r>
-            <a:br>
-              <a:rPr lang="es-ES" dirty="0"/>
-            </a:br>
-            <a:endParaRPr lang="es-ES" dirty="0"/>
           </a:p>
         </p:txBody>
       </p:sp>
@@ -7631,17 +7949,96 @@
         </p:nvSpPr>
         <p:spPr>
           <a:xfrm>
-            <a:off x="684212" y="490491"/>
-            <a:ext cx="7195828" cy="3477827"/>
+            <a:off x="484346" y="305825"/>
+            <a:ext cx="5611654" cy="5980647"/>
           </a:xfrm>
         </p:spPr>
         <p:txBody>
           <a:bodyPr>
-            <a:normAutofit/>
+            <a:normAutofit fontScale="85000" lnSpcReduction="10000"/>
           </a:bodyPr>
           <a:lstStyle/>
           <a:p>
-            <a:endParaRPr lang="es-ES" dirty="0"/>
+            <a:r>
+              <a:rPr lang="es-ES" dirty="0"/>
+              <a:t>Inicialmente el juego comienza con 3 vidas, al llegar a 0 el programa se terminará y se cerrará con la frase “</a:t>
+            </a:r>
+            <a:r>
+              <a:rPr lang="es-ES" dirty="0" err="1"/>
+              <a:t>Game</a:t>
+            </a:r>
+            <a:r>
+              <a:rPr lang="es-ES" dirty="0"/>
+              <a:t> </a:t>
+            </a:r>
+            <a:r>
+              <a:rPr lang="es-ES" dirty="0" err="1"/>
+              <a:t>over</a:t>
+            </a:r>
+            <a:r>
+              <a:rPr lang="es-ES" dirty="0"/>
+              <a:t>”. Y se consigue llegar al final el programa también se cerrará pero con la frase “Has ganado”.</a:t>
+            </a:r>
+          </a:p>
+          <a:p>
+            <a:r>
+              <a:rPr lang="es-ES" dirty="0"/>
+              <a:t>A la clase JUGADOR se le añaden las funciones </a:t>
+            </a:r>
+            <a:r>
+              <a:rPr lang="es-ES" b="1" dirty="0" err="1"/>
+              <a:t>pintar_vidas</a:t>
+            </a:r>
+            <a:r>
+              <a:rPr lang="es-ES" b="1" dirty="0"/>
+              <a:t> </a:t>
+            </a:r>
+            <a:r>
+              <a:rPr lang="es-ES" dirty="0"/>
+              <a:t>y </a:t>
+            </a:r>
+            <a:r>
+              <a:rPr lang="es-ES" b="1" dirty="0" err="1"/>
+              <a:t>perder_vidas</a:t>
+            </a:r>
+            <a:r>
+              <a:rPr lang="es-ES" dirty="0"/>
+              <a:t>. La primera muestra en pantalla el número de vidas y la segunda disminuye las vidas hasta que se terminan y cierra el programa.</a:t>
+            </a:r>
+          </a:p>
+          <a:p>
+            <a:r>
+              <a:rPr lang="es-ES" dirty="0"/>
+              <a:t>Cada una de las clases coche se completan con la función </a:t>
+            </a:r>
+            <a:r>
+              <a:rPr lang="es-ES" b="1" dirty="0"/>
+              <a:t>choque</a:t>
+            </a:r>
+            <a:r>
+              <a:rPr lang="es-ES" dirty="0"/>
+              <a:t>, en la que se identifica la intersección de cada coche con el jugador, por lo que a esta función se le pasará por referencia la clase JUGADOR. Al ser coches con varias posiciones, la función choque tiene que ser personalizada para cada uno de ellos. En el momento que se produzca la intersección de los dos objetos esta función llamará a su vez a las funciones  </a:t>
+            </a:r>
+            <a:r>
+              <a:rPr lang="es-ES" b="1" dirty="0" err="1"/>
+              <a:t>perder_vidas</a:t>
+            </a:r>
+            <a:r>
+              <a:rPr lang="es-ES" b="1" dirty="0"/>
+              <a:t> </a:t>
+            </a:r>
+            <a:r>
+              <a:rPr lang="es-ES" dirty="0"/>
+              <a:t>y </a:t>
+            </a:r>
+            <a:r>
+              <a:rPr lang="es-ES" b="1" dirty="0" err="1"/>
+              <a:t>pintar_vidas</a:t>
+            </a:r>
+            <a:r>
+              <a:rPr lang="es-ES" dirty="0"/>
+              <a:t>, definidas en la clase JUGADOR </a:t>
+            </a:r>
           </a:p>
         </p:txBody>
       </p:sp>
@@ -7672,8 +8069,75 @@
         </p:blipFill>
         <p:spPr>
           <a:xfrm>
-            <a:off x="9786009" y="2522369"/>
+            <a:off x="9786009" y="490491"/>
             <a:ext cx="1921645" cy="1921645"/>
+          </a:xfrm>
+          <a:prstGeom prst="rect">
+            <a:avLst/>
+          </a:prstGeom>
+        </p:spPr>
+      </p:pic>
+      <p:sp>
+        <p:nvSpPr>
+          <p:cNvPr id="2" name="CuadroTexto 1">
+            <a:extLst>
+              <a:ext uri="{FF2B5EF4-FFF2-40B4-BE49-F238E27FC236}">
+                <a16:creationId xmlns:a16="http://schemas.microsoft.com/office/drawing/2014/main" id="{0A121C26-6EB8-429C-AB98-4C28CDF0924B}"/>
+              </a:ext>
+            </a:extLst>
+          </p:cNvPr>
+          <p:cNvSpPr txBox="1"/>
+          <p:nvPr/>
+        </p:nvSpPr>
+        <p:spPr>
+          <a:xfrm>
+            <a:off x="9634330" y="121159"/>
+            <a:ext cx="2073324" cy="369332"/>
+          </a:xfrm>
+          <a:prstGeom prst="rect">
+            <a:avLst/>
+          </a:prstGeom>
+          <a:noFill/>
+        </p:spPr>
+        <p:txBody>
+          <a:bodyPr wrap="square" rtlCol="0">
+            <a:spAutoFit/>
+          </a:bodyPr>
+          <a:lstStyle/>
+          <a:p>
+            <a:r>
+              <a:rPr lang="es-ES" dirty="0">
+                <a:latin typeface="Lucida Bright" panose="02040602050505020304" pitchFamily="18" charset="0"/>
+              </a:rPr>
+              <a:t>Organización</a:t>
+            </a:r>
+          </a:p>
+        </p:txBody>
+      </p:sp>
+      <p:pic>
+        <p:nvPicPr>
+          <p:cNvPr id="5" name="Imagen 4" descr="Una captura de pantalla de un celular&#10;&#10;Descripción generada automáticamente">
+            <a:extLst>
+              <a:ext uri="{FF2B5EF4-FFF2-40B4-BE49-F238E27FC236}">
+                <a16:creationId xmlns:a16="http://schemas.microsoft.com/office/drawing/2014/main" id="{8EDC053E-72F4-4B5F-9A6C-165D66896681}"/>
+              </a:ext>
+            </a:extLst>
+          </p:cNvPr>
+          <p:cNvPicPr>
+            <a:picLocks noChangeAspect="1"/>
+          </p:cNvPicPr>
+          <p:nvPr/>
+        </p:nvPicPr>
+        <p:blipFill>
+          <a:blip r:embed="rId4"/>
+          <a:stretch>
+            <a:fillRect/>
+          </a:stretch>
+        </p:blipFill>
+        <p:spPr>
+          <a:xfrm>
+            <a:off x="6420789" y="1904385"/>
+            <a:ext cx="3477512" cy="3884550"/>
           </a:xfrm>
           <a:prstGeom prst="rect">
             <a:avLst/>
@@ -8597,10 +9061,10 @@
                   </a:schemeClr>
                 </a:solidFill>
               </a:rPr>
-              <a:t>Se añaden las funciones de pintar, borrar y </a:t>
-            </a:r>
-            <a:r>
-              <a:rPr lang="es-ES" dirty="0" err="1">
+              <a:t>Se añaden las funciones de </a:t>
+            </a:r>
+            <a:r>
+              <a:rPr lang="es-ES" b="1" dirty="0">
                 <a:solidFill>
                   <a:schemeClr val="bg2">
                     <a:lumMod val="20000"/>
@@ -8608,7 +9072,7 @@
                   </a:schemeClr>
                 </a:solidFill>
               </a:rPr>
-              <a:t>contar_monedas</a:t>
+              <a:t>pintar</a:t>
             </a:r>
             <a:r>
               <a:rPr lang="es-ES" dirty="0">
@@ -8619,6 +9083,50 @@
                   </a:schemeClr>
                 </a:solidFill>
               </a:rPr>
+              <a:t>, </a:t>
+            </a:r>
+            <a:r>
+              <a:rPr lang="es-ES" b="1" dirty="0">
+                <a:solidFill>
+                  <a:schemeClr val="bg2">
+                    <a:lumMod val="20000"/>
+                    <a:lumOff val="80000"/>
+                  </a:schemeClr>
+                </a:solidFill>
+              </a:rPr>
+              <a:t>borrar</a:t>
+            </a:r>
+            <a:r>
+              <a:rPr lang="es-ES" dirty="0">
+                <a:solidFill>
+                  <a:schemeClr val="bg2">
+                    <a:lumMod val="20000"/>
+                    <a:lumOff val="80000"/>
+                  </a:schemeClr>
+                </a:solidFill>
+              </a:rPr>
+              <a:t> y </a:t>
+            </a:r>
+            <a:r>
+              <a:rPr lang="es-ES" b="1" dirty="0" err="1">
+                <a:solidFill>
+                  <a:schemeClr val="bg2">
+                    <a:lumMod val="20000"/>
+                    <a:lumOff val="80000"/>
+                  </a:schemeClr>
+                </a:solidFill>
+              </a:rPr>
+              <a:t>contar_monedas</a:t>
+            </a:r>
+            <a:r>
+              <a:rPr lang="es-ES" dirty="0">
+                <a:solidFill>
+                  <a:schemeClr val="bg2">
+                    <a:lumMod val="20000"/>
+                    <a:lumOff val="80000"/>
+                  </a:schemeClr>
+                </a:solidFill>
+              </a:rPr>
               <a:t>, esta última  pasa por referencia un parámetro de clase JUGADOR</a:t>
             </a:r>
           </a:p>
@@ -8639,7 +9147,7 @@
               <a:t>La función </a:t>
             </a:r>
             <a:r>
-              <a:rPr lang="es-ES" dirty="0" err="1">
+              <a:rPr lang="es-ES" b="1" dirty="0" err="1">
                 <a:solidFill>
                   <a:schemeClr val="bg2">
                     <a:lumMod val="20000"/>
@@ -8650,7 +9158,7 @@
               <a:t>contar_monedas</a:t>
             </a:r>
             <a:r>
-              <a:rPr lang="es-ES" dirty="0">
+              <a:rPr lang="es-ES" b="1" dirty="0">
                 <a:solidFill>
                   <a:schemeClr val="bg2">
                     <a:lumMod val="20000"/>
@@ -8658,7 +9166,18 @@
                   </a:schemeClr>
                 </a:solidFill>
               </a:rPr>
-              <a:t> compara la posición del jugador  con la posición de la moneda. Si son las mismas posiciones añadirá una moneda más</a:t>
+              <a:t> </a:t>
+            </a:r>
+            <a:r>
+              <a:rPr lang="es-ES" dirty="0">
+                <a:solidFill>
+                  <a:schemeClr val="bg2">
+                    <a:lumMod val="20000"/>
+                    <a:lumOff val="80000"/>
+                  </a:schemeClr>
+                </a:solidFill>
+              </a:rPr>
+              <a:t>compara la posición del jugador  con la posición de la moneda. Si son las mismas posiciones añadirá una moneda más</a:t>
             </a:r>
           </a:p>
           <a:p>
@@ -8726,7 +9245,7 @@
         </p:blipFill>
         <p:spPr>
           <a:xfrm>
-            <a:off x="5424155" y="277319"/>
+            <a:off x="4897909" y="228600"/>
             <a:ext cx="914400" cy="914400"/>
           </a:xfrm>
           <a:prstGeom prst="rect">
@@ -8787,6 +9306,43 @@
           <a:p>
             <a:pPr algn="ctr"/>
             <a:endParaRPr lang="es-ES"/>
+          </a:p>
+        </p:txBody>
+      </p:sp>
+      <p:sp>
+        <p:nvSpPr>
+          <p:cNvPr id="3" name="CuadroTexto 2">
+            <a:extLst>
+              <a:ext uri="{FF2B5EF4-FFF2-40B4-BE49-F238E27FC236}">
+                <a16:creationId xmlns:a16="http://schemas.microsoft.com/office/drawing/2014/main" id="{15D1EF82-5476-4D0B-8E00-2CD9F984404D}"/>
+              </a:ext>
+            </a:extLst>
+          </p:cNvPr>
+          <p:cNvSpPr txBox="1"/>
+          <p:nvPr/>
+        </p:nvSpPr>
+        <p:spPr>
+          <a:xfrm>
+            <a:off x="9757786" y="116708"/>
+            <a:ext cx="1880221" cy="369332"/>
+          </a:xfrm>
+          <a:prstGeom prst="rect">
+            <a:avLst/>
+          </a:prstGeom>
+          <a:noFill/>
+        </p:spPr>
+        <p:txBody>
+          <a:bodyPr wrap="square" rtlCol="0">
+            <a:spAutoFit/>
+          </a:bodyPr>
+          <a:lstStyle/>
+          <a:p>
+            <a:r>
+              <a:rPr lang="es-ES" dirty="0">
+                <a:latin typeface="Lucida Bright" panose="02040602050505020304" pitchFamily="18" charset="0"/>
+              </a:rPr>
+              <a:t>Organización</a:t>
+            </a:r>
           </a:p>
         </p:txBody>
       </p:sp>

--- a/CROSS the road.pptx
+++ b/CROSS the road.pptx
@@ -2,15 +2,18 @@
 <file path=ppt/presentation.xml><?xml version="1.0" encoding="utf-8"?>
 <p:presentation xmlns:a="http://schemas.openxmlformats.org/drawingml/2006/main" xmlns:r="http://schemas.openxmlformats.org/officeDocument/2006/relationships" xmlns:p="http://schemas.openxmlformats.org/presentationml/2006/main" autoCompressPictures="0">
   <p:sldMasterIdLst>
-    <p:sldMasterId id="2147483648" r:id="rId1"/>
+    <p:sldMasterId id="2147483648" r:id="rId4"/>
   </p:sldMasterIdLst>
   <p:sldIdLst>
-    <p:sldId id="256" r:id="rId2"/>
-    <p:sldId id="258" r:id="rId3"/>
-    <p:sldId id="260" r:id="rId4"/>
-    <p:sldId id="261" r:id="rId5"/>
-    <p:sldId id="263" r:id="rId6"/>
-    <p:sldId id="264" r:id="rId7"/>
+    <p:sldId id="256" r:id="rId5"/>
+    <p:sldId id="258" r:id="rId6"/>
+    <p:sldId id="260" r:id="rId7"/>
+    <p:sldId id="265" r:id="rId8"/>
+    <p:sldId id="261" r:id="rId9"/>
+    <p:sldId id="263" r:id="rId10"/>
+    <p:sldId id="264" r:id="rId11"/>
+    <p:sldId id="266" r:id="rId12"/>
+    <p:sldId id="268" r:id="rId13"/>
   </p:sldIdLst>
   <p:sldSz cx="12192000" cy="6858000"/>
   <p:notesSz cx="6858000" cy="9144000"/>
@@ -126,15 +129,14 @@
       </p:ext>
     </p:extLst>
   </p:cmAuthor>
+  <p:cmAuthor id="2" name="ismael.torrijano.pedroche@alumnos.upm.es" initials="i" lastIdx="1" clrIdx="1">
+    <p:extLst>
+      <p:ext uri="{19B8F6BF-5375-455C-9EA6-DF929625EA0E}">
+        <p15:presenceInfo xmlns:p15="http://schemas.microsoft.com/office/powerpoint/2012/main" userId="ismael.torrijano.pedroche@alumnos.upm.es" providerId="None"/>
+      </p:ext>
+    </p:extLst>
+  </p:cmAuthor>
 </p:cmAuthorLst>
-</file>
-
-<file path=ppt/revisionInfo.xml><?xml version="1.0" encoding="utf-8"?>
-<p1510:revInfo xmlns:a="http://schemas.openxmlformats.org/drawingml/2006/main" xmlns:r="http://schemas.openxmlformats.org/officeDocument/2006/relationships" xmlns:p1510="http://schemas.microsoft.com/office/powerpoint/2015/10/main">
-  <p1510:revLst>
-    <p1510:client id="{7B7098CC-8CA3-4FB1-9841-B2EF7475B991}" v="4" dt="2020-05-22T22:36:35.472"/>
-  </p1510:revLst>
-</p1510:revInfo>
 </file>
 
 <file path=ppt/slideLayouts/slideLayout1.xml><?xml version="1.0" encoding="utf-8"?>
@@ -5423,13 +5425,8 @@
           <a:p>
             <a:r>
               <a:rPr lang="es-ES" dirty="0"/>
-              <a:t>Iris </a:t>
-            </a:r>
-            <a:r>
-              <a:rPr lang="es-ES"/>
-              <a:t>Martínez Pérez</a:t>
-            </a:r>
-            <a:endParaRPr lang="es-ES" dirty="0"/>
+              <a:t>Iris Martínez Pérez</a:t>
+            </a:r>
           </a:p>
         </p:txBody>
       </p:sp>
@@ -6243,7 +6240,7 @@
                   <a:srgbClr val="000000"/>
                 </a:solidFill>
               </a:rPr>
-              <a:t>, donde se  intenta atravesar todas las zonas sin que alguno de los elementos que se mueven horizontalmente intercepte a nuestra “rana”. En el caso en el que intercepte a algunos de nuestros “coches”, el número de vidas descenderá, hasta que llegue a cero. En ese momento el juego terminará. El éxito de juego vendrá dado por el tiempo que tarde en llegar hasta el final, o por el contrario si no lo consigue, se contará el tiempo que se tarda en acabar con todas las vidas. A su vez el también se contará el números de monedas recogidas. </a:t>
+              <a:t>, donde se  intenta atravesar todas las zonas sin que alguno de los elementos que se mueven horizontalmente intercepte a nuestra “rana”. En el caso en el que intercepte a algunos de nuestros “coches”, el número de vidas descenderá, hasta que llegue a cero. En ese momento el juego terminará.</a:t>
             </a:r>
           </a:p>
         </p:txBody>
@@ -6305,7 +6302,7 @@
   <p:cSld>
     <p:bg>
       <p:bgPr>
-        <a:gradFill rotWithShape="1">
+        <a:gradFill>
           <a:gsLst>
             <a:gs pos="10000">
               <a:schemeClr val="bg2">
@@ -6360,8 +6357,8 @@
         </p:nvSpPr>
         <p:spPr>
           <a:xfrm>
-            <a:off x="8064219" y="490491"/>
-            <a:ext cx="3643435" cy="1546216"/>
+            <a:off x="868391" y="186431"/>
+            <a:ext cx="3643435" cy="1864311"/>
           </a:xfrm>
         </p:spPr>
         <p:txBody>
@@ -6374,6 +6371,10 @@
               <a:rPr lang="es-ES" dirty="0"/>
               <a:t>1.Limites del juego</a:t>
             </a:r>
+            <a:br>
+              <a:rPr lang="es-ES" dirty="0"/>
+            </a:br>
+            <a:endParaRPr lang="es-ES" dirty="0"/>
           </a:p>
         </p:txBody>
       </p:sp>
@@ -6395,7 +6396,7 @@
         </p:nvSpPr>
         <p:spPr>
           <a:xfrm>
-            <a:off x="684212" y="490491"/>
+            <a:off x="868391" y="1209583"/>
             <a:ext cx="7195828" cy="3477827"/>
           </a:xfrm>
         </p:spPr>
@@ -6405,13 +6406,46 @@
           </a:bodyPr>
           <a:lstStyle/>
           <a:p>
-            <a:endParaRPr lang="es-ES" dirty="0"/>
+            <a:pPr marL="0" indent="0">
+              <a:buNone/>
+            </a:pPr>
+            <a:r>
+              <a:rPr lang="es-ES" sz="1800" dirty="0">
+                <a:solidFill>
+                  <a:schemeClr val="tx1"/>
+                </a:solidFill>
+              </a:rPr>
+              <a:t>El juego se desarrolla en un espacio reducido al ejecutarse, para ello se han ajustado los límites de la pantalla para hacer que el juego sea lo suficientemente grande para que se pueda controlar de forma intuitiva y divertida.</a:t>
+            </a:r>
+          </a:p>
+          <a:p>
+            <a:pPr marL="0" indent="0">
+              <a:buNone/>
+            </a:pPr>
+            <a:r>
+              <a:rPr lang="es-ES" sz="1800" dirty="0">
+                <a:solidFill>
+                  <a:schemeClr val="tx1"/>
+                </a:solidFill>
+              </a:rPr>
+              <a:t>Se utilizan funciones para dibujar los límites, restringir el movimiento del jugador, o borrar la información que ya no es necesaria (coches en movimiento)</a:t>
+            </a:r>
+          </a:p>
+          <a:p>
+            <a:pPr marL="0" indent="0">
+              <a:buNone/>
+            </a:pPr>
+            <a:endParaRPr lang="es-ES" sz="1800" dirty="0">
+              <a:solidFill>
+                <a:schemeClr val="tx1"/>
+              </a:solidFill>
+            </a:endParaRPr>
           </a:p>
         </p:txBody>
       </p:sp>
       <p:pic>
         <p:nvPicPr>
-          <p:cNvPr id="11" name="Graphic 10" descr="Detener">
+          <p:cNvPr id="11" name="Graphic 10" descr="Monitor">
             <a:extLst>
               <a:ext uri="{FF2B5EF4-FFF2-40B4-BE49-F238E27FC236}">
                 <a16:creationId xmlns:a16="http://schemas.microsoft.com/office/drawing/2014/main" id="{296201F0-8155-460D-A375-06B0102B40B8}"/>
@@ -6436,7 +6470,7 @@
         </p:blipFill>
         <p:spPr>
           <a:xfrm>
-            <a:off x="9885936" y="1445216"/>
+            <a:off x="4077667" y="0"/>
             <a:ext cx="1921645" cy="1921645"/>
           </a:xfrm>
           <a:prstGeom prst="rect">
@@ -6444,43 +6478,65 @@
           </a:prstGeom>
         </p:spPr>
       </p:pic>
-      <p:sp>
-        <p:nvSpPr>
-          <p:cNvPr id="2" name="CuadroTexto 1">
+      <p:pic>
+        <p:nvPicPr>
+          <p:cNvPr id="4" name="Imagen 3">
             <a:extLst>
               <a:ext uri="{FF2B5EF4-FFF2-40B4-BE49-F238E27FC236}">
-                <a16:creationId xmlns:a16="http://schemas.microsoft.com/office/drawing/2014/main" id="{245ACEC7-DB4A-4AEC-82FA-E6E4D650B108}"/>
+                <a16:creationId xmlns:a16="http://schemas.microsoft.com/office/drawing/2014/main" id="{76D83BF7-6960-45B1-A454-2A44AA929A9B}"/>
               </a:ext>
             </a:extLst>
           </p:cNvPr>
-          <p:cNvSpPr txBox="1"/>
+          <p:cNvPicPr>
+            <a:picLocks noChangeAspect="1"/>
+          </p:cNvPicPr>
           <p:nvPr/>
-        </p:nvSpPr>
+        </p:nvPicPr>
+        <p:blipFill rotWithShape="1">
+          <a:blip r:embed="rId4"/>
+          <a:srcRect l="14054" t="15923" r="67378" b="21683"/>
+          <a:stretch/>
+        </p:blipFill>
         <p:spPr>
           <a:xfrm>
-            <a:off x="10135499" y="121159"/>
-            <a:ext cx="1702024" cy="369332"/>
+            <a:off x="8629094" y="186431"/>
+            <a:ext cx="2263806" cy="4279038"/>
           </a:xfrm>
           <a:prstGeom prst="rect">
             <a:avLst/>
           </a:prstGeom>
-          <a:noFill/>
         </p:spPr>
-        <p:txBody>
-          <a:bodyPr wrap="square" rtlCol="0">
-            <a:spAutoFit/>
-          </a:bodyPr>
-          <a:lstStyle/>
-          <a:p>
-            <a:r>
-              <a:rPr lang="es-ES" dirty="0">
-                <a:latin typeface="Lucida Bright" panose="02040602050505020304" pitchFamily="18" charset="0"/>
-              </a:rPr>
-              <a:t>Organización</a:t>
-            </a:r>
-          </a:p>
-        </p:txBody>
-      </p:sp>
+      </p:pic>
+      <p:pic>
+        <p:nvPicPr>
+          <p:cNvPr id="8" name="Imagen 7">
+            <a:extLst>
+              <a:ext uri="{FF2B5EF4-FFF2-40B4-BE49-F238E27FC236}">
+                <a16:creationId xmlns:a16="http://schemas.microsoft.com/office/drawing/2014/main" id="{0F1AB6DF-B97B-449F-97AE-2D675C285C8D}"/>
+              </a:ext>
+            </a:extLst>
+          </p:cNvPr>
+          <p:cNvPicPr>
+            <a:picLocks noChangeAspect="1"/>
+          </p:cNvPicPr>
+          <p:nvPr/>
+        </p:nvPicPr>
+        <p:blipFill>
+          <a:blip r:embed="rId5"/>
+          <a:stretch>
+            <a:fillRect/>
+          </a:stretch>
+        </p:blipFill>
+        <p:spPr>
+          <a:xfrm>
+            <a:off x="868391" y="3941686"/>
+            <a:ext cx="5529756" cy="2649984"/>
+          </a:xfrm>
+          <a:prstGeom prst="rect">
+            <a:avLst/>
+          </a:prstGeom>
+        </p:spPr>
+      </p:pic>
     </p:spTree>
     <p:extLst>
       <p:ext uri="{BB962C8B-B14F-4D97-AF65-F5344CB8AC3E}">
@@ -6495,6 +6551,227 @@
 </file>
 
 <file path=ppt/slides/slide4.xml><?xml version="1.0" encoding="utf-8"?>
+<p:sld xmlns:a="http://schemas.openxmlformats.org/drawingml/2006/main" xmlns:r="http://schemas.openxmlformats.org/officeDocument/2006/relationships" xmlns:p="http://schemas.openxmlformats.org/presentationml/2006/main">
+  <p:cSld>
+    <p:spTree>
+      <p:nvGrpSpPr>
+        <p:cNvPr id="1" name=""/>
+        <p:cNvGrpSpPr/>
+        <p:nvPr/>
+      </p:nvGrpSpPr>
+      <p:grpSpPr>
+        <a:xfrm>
+          <a:off x="0" y="0"/>
+          <a:ext cx="0" cy="0"/>
+          <a:chOff x="0" y="0"/>
+          <a:chExt cx="0" cy="0"/>
+        </a:xfrm>
+      </p:grpSpPr>
+      <p:sp>
+        <p:nvSpPr>
+          <p:cNvPr id="2" name="Título 1">
+            <a:extLst>
+              <a:ext uri="{FF2B5EF4-FFF2-40B4-BE49-F238E27FC236}">
+                <a16:creationId xmlns:a16="http://schemas.microsoft.com/office/drawing/2014/main" id="{38221CA7-3555-476D-97A8-70E625B760F2}"/>
+              </a:ext>
+            </a:extLst>
+          </p:cNvPr>
+          <p:cNvSpPr>
+            <a:spLocks noGrp="1"/>
+          </p:cNvSpPr>
+          <p:nvPr>
+            <p:ph type="title"/>
+          </p:nvPr>
+        </p:nvSpPr>
+        <p:spPr>
+          <a:xfrm>
+            <a:off x="888398" y="181662"/>
+            <a:ext cx="2707058" cy="1507067"/>
+          </a:xfrm>
+        </p:spPr>
+        <p:txBody>
+          <a:bodyPr>
+            <a:normAutofit fontScale="90000"/>
+          </a:bodyPr>
+          <a:lstStyle/>
+          <a:p>
+            <a:br>
+              <a:rPr lang="es-ES" dirty="0"/>
+            </a:br>
+            <a:r>
+              <a:rPr lang="es-ES" dirty="0"/>
+              <a:t>2.JUGADOR</a:t>
+            </a:r>
+            <a:br>
+              <a:rPr lang="es-ES" dirty="0"/>
+            </a:br>
+            <a:endParaRPr lang="es-ES" dirty="0"/>
+          </a:p>
+        </p:txBody>
+      </p:sp>
+      <p:pic>
+        <p:nvPicPr>
+          <p:cNvPr id="6" name="Marcador de contenido 5">
+            <a:extLst>
+              <a:ext uri="{FF2B5EF4-FFF2-40B4-BE49-F238E27FC236}">
+                <a16:creationId xmlns:a16="http://schemas.microsoft.com/office/drawing/2014/main" id="{42FA86DF-E102-4E2B-B496-1D9BDD3A10FB}"/>
+              </a:ext>
+            </a:extLst>
+          </p:cNvPr>
+          <p:cNvPicPr>
+            <a:picLocks noGrp="1" noChangeAspect="1"/>
+          </p:cNvPicPr>
+          <p:nvPr>
+            <p:ph idx="1"/>
+          </p:nvPr>
+        </p:nvPicPr>
+        <p:blipFill rotWithShape="1">
+          <a:blip r:embed="rId2"/>
+          <a:srcRect t="40890" r="17689"/>
+          <a:stretch/>
+        </p:blipFill>
+        <p:spPr>
+          <a:xfrm>
+            <a:off x="6223071" y="5138485"/>
+            <a:ext cx="1694094" cy="814774"/>
+          </a:xfrm>
+        </p:spPr>
+      </p:pic>
+      <p:sp>
+        <p:nvSpPr>
+          <p:cNvPr id="9" name="CuadroTexto 8">
+            <a:extLst>
+              <a:ext uri="{FF2B5EF4-FFF2-40B4-BE49-F238E27FC236}">
+                <a16:creationId xmlns:a16="http://schemas.microsoft.com/office/drawing/2014/main" id="{CB453F1F-A755-44F6-A15A-031621A6791A}"/>
+              </a:ext>
+            </a:extLst>
+          </p:cNvPr>
+          <p:cNvSpPr txBox="1"/>
+          <p:nvPr/>
+        </p:nvSpPr>
+        <p:spPr>
+          <a:xfrm>
+            <a:off x="6188445" y="1451004"/>
+            <a:ext cx="5928803" cy="3416320"/>
+          </a:xfrm>
+          <a:prstGeom prst="rect">
+            <a:avLst/>
+          </a:prstGeom>
+          <a:noFill/>
+        </p:spPr>
+        <p:txBody>
+          <a:bodyPr wrap="square" rtlCol="0">
+            <a:spAutoFit/>
+          </a:bodyPr>
+          <a:lstStyle/>
+          <a:p>
+            <a:r>
+              <a:rPr lang="es-ES" dirty="0"/>
+              <a:t>En este videojuego, somos una rana cuya misión es cruzar la carretera, para ello debe esquivar los coches que circulan por la vía.</a:t>
+            </a:r>
+          </a:p>
+          <a:p>
+            <a:endParaRPr lang="es-ES" dirty="0"/>
+          </a:p>
+          <a:p>
+            <a:r>
+              <a:rPr lang="es-ES" dirty="0"/>
+              <a:t>El programa dispone de numerosas funciones que permiten mover al jugador de forma intuitiva.</a:t>
+            </a:r>
+          </a:p>
+          <a:p>
+            <a:endParaRPr lang="es-ES" dirty="0"/>
+          </a:p>
+          <a:p>
+            <a:r>
+              <a:rPr lang="es-ES" dirty="0"/>
+              <a:t>Un ejemplo de estas son las funciones pintar y borrar (para dibujar al jugador y borrar la ultima posición en la que estuvo), o mover (que permite mover al jugador con las flechas).</a:t>
+            </a:r>
+          </a:p>
+          <a:p>
+            <a:endParaRPr lang="es-ES" dirty="0"/>
+          </a:p>
+        </p:txBody>
+      </p:sp>
+      <p:pic>
+        <p:nvPicPr>
+          <p:cNvPr id="11" name="Imagen 10">
+            <a:extLst>
+              <a:ext uri="{FF2B5EF4-FFF2-40B4-BE49-F238E27FC236}">
+                <a16:creationId xmlns:a16="http://schemas.microsoft.com/office/drawing/2014/main" id="{94E17560-A817-4A8B-A35A-76346243A3B8}"/>
+              </a:ext>
+            </a:extLst>
+          </p:cNvPr>
+          <p:cNvPicPr>
+            <a:picLocks noChangeAspect="1"/>
+          </p:cNvPicPr>
+          <p:nvPr/>
+        </p:nvPicPr>
+        <p:blipFill rotWithShape="1">
+          <a:blip r:embed="rId3"/>
+          <a:srcRect l="14054" t="15534" r="35121" b="21683"/>
+          <a:stretch/>
+        </p:blipFill>
+        <p:spPr>
+          <a:xfrm>
+            <a:off x="426758" y="1449032"/>
+            <a:ext cx="5542173" cy="3850937"/>
+          </a:xfrm>
+          <a:prstGeom prst="rect">
+            <a:avLst/>
+          </a:prstGeom>
+        </p:spPr>
+      </p:pic>
+      <p:pic>
+        <p:nvPicPr>
+          <p:cNvPr id="4" name="Gráfico 3" descr="Rana">
+            <a:extLst>
+              <a:ext uri="{FF2B5EF4-FFF2-40B4-BE49-F238E27FC236}">
+                <a16:creationId xmlns:a16="http://schemas.microsoft.com/office/drawing/2014/main" id="{ED1B86B4-FCF6-41BB-A9D6-D83C52B5DB43}"/>
+              </a:ext>
+            </a:extLst>
+          </p:cNvPr>
+          <p:cNvPicPr>
+            <a:picLocks noChangeAspect="1"/>
+          </p:cNvPicPr>
+          <p:nvPr/>
+        </p:nvPicPr>
+        <p:blipFill>
+          <a:blip r:embed="rId4">
+            <a:extLst>
+              <a:ext uri="{96DAC541-7B7A-43D3-8B79-37D633B846F1}">
+                <asvg:svgBlip xmlns:asvg="http://schemas.microsoft.com/office/drawing/2016/SVG/main" r:embed="rId5"/>
+              </a:ext>
+            </a:extLst>
+          </a:blip>
+          <a:stretch>
+            <a:fillRect/>
+          </a:stretch>
+        </p:blipFill>
+        <p:spPr>
+          <a:xfrm>
+            <a:off x="3722914" y="358147"/>
+            <a:ext cx="914400" cy="914400"/>
+          </a:xfrm>
+          <a:prstGeom prst="rect">
+            <a:avLst/>
+          </a:prstGeom>
+        </p:spPr>
+      </p:pic>
+    </p:spTree>
+    <p:extLst>
+      <p:ext uri="{BB962C8B-B14F-4D97-AF65-F5344CB8AC3E}">
+        <p14:creationId xmlns:p14="http://schemas.microsoft.com/office/powerpoint/2010/main" val="185443818"/>
+      </p:ext>
+    </p:extLst>
+  </p:cSld>
+  <p:clrMapOvr>
+    <a:masterClrMapping/>
+  </p:clrMapOvr>
+</p:sld>
+</file>
+
+<file path=ppt/slides/slide5.xml><?xml version="1.0" encoding="utf-8"?>
 <p:sld xmlns:a="http://schemas.openxmlformats.org/drawingml/2006/main" xmlns:r="http://schemas.openxmlformats.org/officeDocument/2006/relationships" xmlns:p="http://schemas.openxmlformats.org/presentationml/2006/main">
   <p:cSld>
     <p:bg>
@@ -7301,7 +7578,7 @@
         </p:nvSpPr>
         <p:spPr>
           <a:xfrm>
-            <a:off x="315981" y="157225"/>
+            <a:off x="293775" y="187327"/>
             <a:ext cx="6329571" cy="1311812"/>
           </a:xfrm>
         </p:spPr>
@@ -7318,7 +7595,7 @@
                   <a:srgbClr val="FFFFFF"/>
                 </a:solidFill>
               </a:rPr>
-              <a:t>2. </a:t>
+              <a:t>3. </a:t>
             </a:r>
             <a:r>
               <a:rPr lang="en-US" sz="3200" dirty="0" err="1">
@@ -7443,10 +7720,16 @@
                   </a:schemeClr>
                 </a:solidFill>
               </a:rPr>
-              <a:t>Se añaden las funciones de </a:t>
-            </a:r>
-            <a:r>
-              <a:rPr lang="es-ES" b="1" dirty="0">
+              <a:t>Se añaden las funciones de pintar, mover y borrar, que como sus nombres indican pintan el objeto, lo mueven y borran su rastro.</a:t>
+            </a:r>
+          </a:p>
+          <a:p>
+            <a:pPr marL="285750" indent="-285750">
+              <a:buFont typeface="Arial" panose="020B0604020202020204" pitchFamily="34" charset="0"/>
+              <a:buChar char="•"/>
+            </a:pPr>
+            <a:r>
+              <a:rPr lang="es-ES" dirty="0">
                 <a:solidFill>
                   <a:schemeClr val="bg2">
                     <a:lumMod val="20000"/>
@@ -7454,154 +7737,7 @@
                   </a:schemeClr>
                 </a:solidFill>
               </a:rPr>
-              <a:t>pintar</a:t>
-            </a:r>
-            <a:r>
-              <a:rPr lang="es-ES" dirty="0">
-                <a:solidFill>
-                  <a:schemeClr val="bg2">
-                    <a:lumMod val="20000"/>
-                    <a:lumOff val="80000"/>
-                  </a:schemeClr>
-                </a:solidFill>
-              </a:rPr>
-              <a:t>, </a:t>
-            </a:r>
-            <a:r>
-              <a:rPr lang="es-ES" b="1" dirty="0">
-                <a:solidFill>
-                  <a:schemeClr val="bg2">
-                    <a:lumMod val="20000"/>
-                    <a:lumOff val="80000"/>
-                  </a:schemeClr>
-                </a:solidFill>
-              </a:rPr>
-              <a:t>mover</a:t>
-            </a:r>
-            <a:r>
-              <a:rPr lang="es-ES" dirty="0">
-                <a:solidFill>
-                  <a:schemeClr val="bg2">
-                    <a:lumMod val="20000"/>
-                    <a:lumOff val="80000"/>
-                  </a:schemeClr>
-                </a:solidFill>
-              </a:rPr>
-              <a:t> y </a:t>
-            </a:r>
-            <a:r>
-              <a:rPr lang="es-ES" b="1" dirty="0">
-                <a:solidFill>
-                  <a:schemeClr val="bg2">
-                    <a:lumMod val="20000"/>
-                    <a:lumOff val="80000"/>
-                  </a:schemeClr>
-                </a:solidFill>
-              </a:rPr>
-              <a:t>borrar</a:t>
-            </a:r>
-            <a:r>
-              <a:rPr lang="es-ES" dirty="0">
-                <a:solidFill>
-                  <a:schemeClr val="bg2">
-                    <a:lumMod val="20000"/>
-                    <a:lumOff val="80000"/>
-                  </a:schemeClr>
-                </a:solidFill>
-              </a:rPr>
-              <a:t>, que como sus nombres indican pintan el objeto, lo mueven y borran su rastro.</a:t>
-            </a:r>
-          </a:p>
-          <a:p>
-            <a:pPr marL="285750" indent="-285750">
-              <a:buFont typeface="Arial" panose="020B0604020202020204" pitchFamily="34" charset="0"/>
-              <a:buChar char="•"/>
-            </a:pPr>
-            <a:r>
-              <a:rPr lang="es-ES" dirty="0">
-                <a:solidFill>
-                  <a:schemeClr val="bg2">
-                    <a:lumMod val="20000"/>
-                    <a:lumOff val="80000"/>
-                  </a:schemeClr>
-                </a:solidFill>
-              </a:rPr>
-              <a:t> Los objetos se mueven de izquierda a derecha (</a:t>
-            </a:r>
-            <a:r>
-              <a:rPr lang="es-ES" dirty="0">
-                <a:solidFill>
-                  <a:schemeClr val="bg2">
-                    <a:lumMod val="20000"/>
-                    <a:lumOff val="80000"/>
-                  </a:schemeClr>
-                </a:solidFill>
-                <a:highlight>
-                  <a:srgbClr val="808000"/>
-                </a:highlight>
-              </a:rPr>
-              <a:t>x++</a:t>
-            </a:r>
-            <a:r>
-              <a:rPr lang="es-ES" dirty="0">
-                <a:solidFill>
-                  <a:schemeClr val="bg2">
-                    <a:lumMod val="20000"/>
-                    <a:lumOff val="80000"/>
-                  </a:schemeClr>
-                </a:solidFill>
-              </a:rPr>
-              <a:t>) o de derecha izquierda (</a:t>
-            </a:r>
-            <a:r>
-              <a:rPr lang="es-ES" dirty="0">
-                <a:solidFill>
-                  <a:schemeClr val="bg2">
-                    <a:lumMod val="20000"/>
-                    <a:lumOff val="80000"/>
-                  </a:schemeClr>
-                </a:solidFill>
-                <a:highlight>
-                  <a:srgbClr val="808000"/>
-                </a:highlight>
-              </a:rPr>
-              <a:t>x--</a:t>
-            </a:r>
-            <a:r>
-              <a:rPr lang="es-ES" dirty="0">
-                <a:solidFill>
-                  <a:schemeClr val="bg2">
-                    <a:lumMod val="20000"/>
-                    <a:lumOff val="80000"/>
-                  </a:schemeClr>
-                </a:solidFill>
-              </a:rPr>
-              <a:t>). Y a distintas velocidades (</a:t>
-            </a:r>
-            <a:r>
-              <a:rPr lang="es-ES" dirty="0">
-                <a:solidFill>
-                  <a:schemeClr val="bg2">
-                    <a:lumMod val="20000"/>
-                    <a:lumOff val="80000"/>
-                  </a:schemeClr>
-                </a:solidFill>
-                <a:highlight>
-                  <a:srgbClr val="808000"/>
-                </a:highlight>
-              </a:rPr>
-              <a:t>x=x+2,x++</a:t>
-            </a:r>
-            <a:r>
-              <a:rPr lang="es-ES" dirty="0">
-                <a:solidFill>
-                  <a:schemeClr val="bg2">
-                    <a:lumMod val="20000"/>
-                    <a:lumOff val="80000"/>
-                  </a:schemeClr>
-                </a:solidFill>
-              </a:rPr>
-              <a:t>), pero siempre dentro de los limites del juego.</a:t>
+              <a:t> Los objetos se mueven de izquierda a derecha (x++) o de derecha izquierda (x--). Y a distintas velocidades (x=x+2,x++), pero siempre dentro de los limites del juego.</a:t>
             </a:r>
           </a:p>
           <a:p>
@@ -7641,15 +7777,16 @@
           </p:cNvPicPr>
           <p:nvPr/>
         </p:nvPicPr>
-        <p:blipFill rotWithShape="1">
+        <p:blipFill>
           <a:blip r:embed="rId2"/>
-          <a:srcRect r="5459"/>
-          <a:stretch/>
+          <a:stretch>
+            <a:fillRect/>
+          </a:stretch>
         </p:blipFill>
         <p:spPr>
           <a:xfrm>
-            <a:off x="358874" y="1469037"/>
-            <a:ext cx="6691535" cy="4959898"/>
+            <a:off x="300385" y="1524563"/>
+            <a:ext cx="6711542" cy="4703163"/>
           </a:xfrm>
           <a:prstGeom prst="rect">
             <a:avLst/>
@@ -7692,155 +7829,6 @@
           </a:prstGeom>
         </p:spPr>
       </p:pic>
-      <p:sp>
-        <p:nvSpPr>
-          <p:cNvPr id="3" name="CuadroTexto 2">
-            <a:extLst>
-              <a:ext uri="{FF2B5EF4-FFF2-40B4-BE49-F238E27FC236}">
-                <a16:creationId xmlns:a16="http://schemas.microsoft.com/office/drawing/2014/main" id="{DBF9155D-A7D1-4914-B592-0D64B8C6DC57}"/>
-              </a:ext>
-            </a:extLst>
-          </p:cNvPr>
-          <p:cNvSpPr txBox="1"/>
-          <p:nvPr/>
-        </p:nvSpPr>
-        <p:spPr>
-          <a:xfrm>
-            <a:off x="10255111" y="116708"/>
-            <a:ext cx="1936889" cy="369332"/>
-          </a:xfrm>
-          <a:prstGeom prst="rect">
-            <a:avLst/>
-          </a:prstGeom>
-          <a:noFill/>
-        </p:spPr>
-        <p:txBody>
-          <a:bodyPr wrap="square" rtlCol="0">
-            <a:spAutoFit/>
-          </a:bodyPr>
-          <a:lstStyle/>
-          <a:p>
-            <a:r>
-              <a:rPr lang="es-ES" dirty="0">
-                <a:latin typeface="Lucida Bright" panose="02040602050505020304" pitchFamily="18" charset="0"/>
-              </a:rPr>
-              <a:t>Organización</a:t>
-            </a:r>
-          </a:p>
-        </p:txBody>
-      </p:sp>
-      <p:sp>
-        <p:nvSpPr>
-          <p:cNvPr id="6" name="Rectángulo 5">
-            <a:extLst>
-              <a:ext uri="{FF2B5EF4-FFF2-40B4-BE49-F238E27FC236}">
-                <a16:creationId xmlns:a16="http://schemas.microsoft.com/office/drawing/2014/main" id="{CC1D30E7-2266-4526-B2CD-9EB12673C25C}"/>
-              </a:ext>
-            </a:extLst>
-          </p:cNvPr>
-          <p:cNvSpPr/>
-          <p:nvPr/>
-        </p:nvSpPr>
-        <p:spPr>
-          <a:xfrm>
-            <a:off x="943179" y="4713265"/>
-            <a:ext cx="839283" cy="264183"/>
-          </a:xfrm>
-          <a:prstGeom prst="rect">
-            <a:avLst/>
-          </a:prstGeom>
-          <a:noFill/>
-          <a:ln>
-            <a:solidFill>
-              <a:schemeClr val="bg2">
-                <a:lumMod val="75000"/>
-              </a:schemeClr>
-            </a:solidFill>
-          </a:ln>
-        </p:spPr>
-        <p:style>
-          <a:lnRef idx="2">
-            <a:schemeClr val="accent1"/>
-          </a:lnRef>
-          <a:fillRef idx="1">
-            <a:schemeClr val="lt1"/>
-          </a:fillRef>
-          <a:effectRef idx="0">
-            <a:schemeClr val="accent1"/>
-          </a:effectRef>
-          <a:fontRef idx="minor">
-            <a:schemeClr val="dk1"/>
-          </a:fontRef>
-        </p:style>
-        <p:txBody>
-          <a:bodyPr rtlCol="0" anchor="ctr"/>
-          <a:lstStyle/>
-          <a:p>
-            <a:pPr algn="ctr"/>
-            <a:endParaRPr lang="es-ES"/>
-          </a:p>
-        </p:txBody>
-      </p:sp>
-      <p:pic>
-        <p:nvPicPr>
-          <p:cNvPr id="15" name="Imagen 14">
-            <a:extLst>
-              <a:ext uri="{FF2B5EF4-FFF2-40B4-BE49-F238E27FC236}">
-                <a16:creationId xmlns:a16="http://schemas.microsoft.com/office/drawing/2014/main" id="{CA81F9C8-4B6D-4CEF-833F-8A981C5CA81C}"/>
-              </a:ext>
-            </a:extLst>
-          </p:cNvPr>
-          <p:cNvPicPr>
-            <a:picLocks noChangeAspect="1"/>
-          </p:cNvPicPr>
-          <p:nvPr/>
-        </p:nvPicPr>
-        <p:blipFill>
-          <a:blip r:embed="rId5"/>
-          <a:stretch>
-            <a:fillRect/>
-          </a:stretch>
-        </p:blipFill>
-        <p:spPr>
-          <a:xfrm>
-            <a:off x="964055" y="4041099"/>
-            <a:ext cx="853514" cy="239166"/>
-          </a:xfrm>
-          <a:prstGeom prst="rect">
-            <a:avLst/>
-          </a:prstGeom>
-        </p:spPr>
-      </p:pic>
-      <p:pic>
-        <p:nvPicPr>
-          <p:cNvPr id="17" name="Imagen 16">
-            <a:extLst>
-              <a:ext uri="{FF2B5EF4-FFF2-40B4-BE49-F238E27FC236}">
-                <a16:creationId xmlns:a16="http://schemas.microsoft.com/office/drawing/2014/main" id="{E7D5569E-AB3B-461B-A473-39E1674877F9}"/>
-              </a:ext>
-            </a:extLst>
-          </p:cNvPr>
-          <p:cNvPicPr>
-            <a:picLocks noChangeAspect="1"/>
-          </p:cNvPicPr>
-          <p:nvPr/>
-        </p:nvPicPr>
-        <p:blipFill>
-          <a:blip r:embed="rId5"/>
-          <a:stretch>
-            <a:fillRect/>
-          </a:stretch>
-        </p:blipFill>
-        <p:spPr>
-          <a:xfrm>
-            <a:off x="943179" y="5410449"/>
-            <a:ext cx="853514" cy="286537"/>
-          </a:xfrm>
-          <a:prstGeom prst="rect">
-            <a:avLst/>
-          </a:prstGeom>
-        </p:spPr>
-      </p:pic>
     </p:spTree>
     <p:extLst>
       <p:ext uri="{BB962C8B-B14F-4D97-AF65-F5344CB8AC3E}">
@@ -7854,7 +7842,7 @@
 </p:sld>
 </file>
 
-<file path=ppt/slides/slide5.xml><?xml version="1.0" encoding="utf-8"?>
+<file path=ppt/slides/slide6.xml><?xml version="1.0" encoding="utf-8"?>
 <p:sld xmlns:a="http://schemas.openxmlformats.org/drawingml/2006/main" xmlns:r="http://schemas.openxmlformats.org/officeDocument/2006/relationships" xmlns:p="http://schemas.openxmlformats.org/presentationml/2006/main">
   <p:cSld>
     <p:bg>
@@ -7914,8 +7902,8 @@
         </p:nvSpPr>
         <p:spPr>
           <a:xfrm>
-            <a:off x="7223417" y="398762"/>
-            <a:ext cx="3643435" cy="1228020"/>
+            <a:off x="822870" y="203818"/>
+            <a:ext cx="3643435" cy="1737803"/>
           </a:xfrm>
         </p:spPr>
         <p:txBody>
@@ -7926,8 +7914,12 @@
           <a:p>
             <a:r>
               <a:rPr lang="es-ES" dirty="0"/>
-              <a:t>3.vidas </a:t>
-            </a:r>
+              <a:t>4.vidas </a:t>
+            </a:r>
+            <a:br>
+              <a:rPr lang="es-ES" dirty="0"/>
+            </a:br>
+            <a:endParaRPr lang="es-ES" dirty="0"/>
           </a:p>
         </p:txBody>
       </p:sp>
@@ -7949,96 +7941,268 @@
         </p:nvSpPr>
         <p:spPr>
           <a:xfrm>
-            <a:off x="484346" y="305825"/>
-            <a:ext cx="5611654" cy="5980647"/>
+            <a:off x="5947504" y="203819"/>
+            <a:ext cx="5850919" cy="5837058"/>
           </a:xfrm>
         </p:spPr>
         <p:txBody>
           <a:bodyPr>
-            <a:normAutofit fontScale="85000" lnSpcReduction="10000"/>
+            <a:noAutofit/>
           </a:bodyPr>
           <a:lstStyle/>
           <a:p>
-            <a:r>
-              <a:rPr lang="es-ES" dirty="0"/>
+            <a:pPr marL="0" indent="0">
+              <a:buNone/>
+            </a:pPr>
+            <a:endParaRPr lang="es-ES" sz="1800" dirty="0">
+              <a:solidFill>
+                <a:schemeClr val="tx1"/>
+              </a:solidFill>
+            </a:endParaRPr>
+          </a:p>
+          <a:p>
+            <a:pPr marL="0" indent="0">
+              <a:buNone/>
+            </a:pPr>
+            <a:endParaRPr lang="es-ES" sz="1800" dirty="0">
+              <a:solidFill>
+                <a:schemeClr val="tx1"/>
+              </a:solidFill>
+            </a:endParaRPr>
+          </a:p>
+          <a:p>
+            <a:endParaRPr lang="es-ES" sz="1800" dirty="0">
+              <a:solidFill>
+                <a:schemeClr val="tx1"/>
+              </a:solidFill>
+            </a:endParaRPr>
+          </a:p>
+          <a:p>
+            <a:endParaRPr lang="es-ES" sz="1800" dirty="0">
+              <a:solidFill>
+                <a:schemeClr val="tx1"/>
+              </a:solidFill>
+            </a:endParaRPr>
+          </a:p>
+          <a:p>
+            <a:endParaRPr lang="es-ES" sz="1800" dirty="0">
+              <a:solidFill>
+                <a:schemeClr val="tx1"/>
+              </a:solidFill>
+            </a:endParaRPr>
+          </a:p>
+          <a:p>
+            <a:r>
+              <a:rPr lang="es-ES" sz="1800" dirty="0">
+                <a:solidFill>
+                  <a:schemeClr val="tx1"/>
+                </a:solidFill>
+              </a:rPr>
               <a:t>Inicialmente el juego comienza con 3 vidas, al llegar a 0 el programa se terminará y se cerrará con la frase “</a:t>
             </a:r>
             <a:r>
-              <a:rPr lang="es-ES" dirty="0" err="1"/>
+              <a:rPr lang="es-ES" sz="1800" dirty="0" err="1">
+                <a:solidFill>
+                  <a:schemeClr val="tx1"/>
+                </a:solidFill>
+              </a:rPr>
               <a:t>Game</a:t>
             </a:r>
             <a:r>
-              <a:rPr lang="es-ES" dirty="0"/>
+              <a:rPr lang="es-ES" sz="1800" dirty="0">
+                <a:solidFill>
+                  <a:schemeClr val="tx1"/>
+                </a:solidFill>
+              </a:rPr>
               <a:t> </a:t>
             </a:r>
             <a:r>
-              <a:rPr lang="es-ES" dirty="0" err="1"/>
+              <a:rPr lang="es-ES" sz="1800" dirty="0" err="1">
+                <a:solidFill>
+                  <a:schemeClr val="tx1"/>
+                </a:solidFill>
+              </a:rPr>
               <a:t>over</a:t>
             </a:r>
             <a:r>
-              <a:rPr lang="es-ES" dirty="0"/>
+              <a:rPr lang="es-ES" sz="1800" dirty="0">
+                <a:solidFill>
+                  <a:schemeClr val="tx1"/>
+                </a:solidFill>
+              </a:rPr>
               <a:t>”. Y se consigue llegar al final el programa también se cerrará pero con la frase “Has ganado”.</a:t>
             </a:r>
           </a:p>
           <a:p>
             <a:r>
-              <a:rPr lang="es-ES" dirty="0"/>
+              <a:rPr lang="es-ES" sz="1800" dirty="0">
+                <a:solidFill>
+                  <a:schemeClr val="tx1"/>
+                </a:solidFill>
+              </a:rPr>
               <a:t>A la clase JUGADOR se le añaden las funciones </a:t>
             </a:r>
             <a:r>
-              <a:rPr lang="es-ES" b="1" dirty="0" err="1"/>
+              <a:rPr lang="es-ES" sz="1800" b="1" dirty="0" err="1">
+                <a:solidFill>
+                  <a:schemeClr val="tx1"/>
+                </a:solidFill>
+              </a:rPr>
               <a:t>pintar_vidas</a:t>
             </a:r>
             <a:r>
-              <a:rPr lang="es-ES" b="1" dirty="0"/>
+              <a:rPr lang="es-ES" sz="1800" b="1" dirty="0">
+                <a:solidFill>
+                  <a:schemeClr val="tx1"/>
+                </a:solidFill>
+              </a:rPr>
               <a:t> </a:t>
             </a:r>
             <a:r>
-              <a:rPr lang="es-ES" dirty="0"/>
+              <a:rPr lang="es-ES" sz="1800" dirty="0">
+                <a:solidFill>
+                  <a:schemeClr val="tx1"/>
+                </a:solidFill>
+              </a:rPr>
               <a:t>y </a:t>
             </a:r>
             <a:r>
-              <a:rPr lang="es-ES" b="1" dirty="0" err="1"/>
+              <a:rPr lang="es-ES" sz="1800" b="1" dirty="0" err="1">
+                <a:solidFill>
+                  <a:schemeClr val="tx1"/>
+                </a:solidFill>
+              </a:rPr>
               <a:t>perder_vidas</a:t>
             </a:r>
             <a:r>
-              <a:rPr lang="es-ES" dirty="0"/>
+              <a:rPr lang="es-ES" sz="1800" dirty="0">
+                <a:solidFill>
+                  <a:schemeClr val="tx1"/>
+                </a:solidFill>
+              </a:rPr>
               <a:t>. La primera muestra en pantalla el número de vidas y la segunda disminuye las vidas hasta que se terminan y cierra el programa.</a:t>
             </a:r>
           </a:p>
           <a:p>
             <a:r>
-              <a:rPr lang="es-ES" dirty="0"/>
+              <a:rPr lang="es-ES" sz="1800" dirty="0">
+                <a:solidFill>
+                  <a:schemeClr val="tx1"/>
+                </a:solidFill>
+              </a:rPr>
               <a:t>Cada una de las clases coche se completan con la función </a:t>
             </a:r>
             <a:r>
-              <a:rPr lang="es-ES" b="1" dirty="0"/>
+              <a:rPr lang="es-ES" sz="1800" b="1" dirty="0">
+                <a:solidFill>
+                  <a:schemeClr val="tx1"/>
+                </a:solidFill>
+              </a:rPr>
               <a:t>choque</a:t>
             </a:r>
             <a:r>
-              <a:rPr lang="es-ES" dirty="0"/>
+              <a:rPr lang="es-ES" sz="1800" dirty="0">
+                <a:solidFill>
+                  <a:schemeClr val="tx1"/>
+                </a:solidFill>
+              </a:rPr>
               <a:t>, en la que se identifica la intersección de cada coche con el jugador, por lo que a esta función se le pasará por referencia la clase JUGADOR. Al ser coches con varias posiciones, la función choque tiene que ser personalizada para cada uno de ellos. En el momento que se produzca la intersección de los dos objetos esta función llamará a su vez a las funciones  </a:t>
             </a:r>
             <a:r>
-              <a:rPr lang="es-ES" b="1" dirty="0" err="1"/>
+              <a:rPr lang="es-ES" sz="1800" b="1" dirty="0" err="1">
+                <a:solidFill>
+                  <a:schemeClr val="tx1"/>
+                </a:solidFill>
+              </a:rPr>
               <a:t>perder_vidas</a:t>
             </a:r>
             <a:r>
-              <a:rPr lang="es-ES" b="1" dirty="0"/>
+              <a:rPr lang="es-ES" sz="1800" b="1" dirty="0">
+                <a:solidFill>
+                  <a:schemeClr val="tx1"/>
+                </a:solidFill>
+              </a:rPr>
               <a:t> </a:t>
             </a:r>
             <a:r>
-              <a:rPr lang="es-ES" dirty="0"/>
+              <a:rPr lang="es-ES" sz="1800" dirty="0">
+                <a:solidFill>
+                  <a:schemeClr val="tx1"/>
+                </a:solidFill>
+              </a:rPr>
               <a:t>y </a:t>
             </a:r>
             <a:r>
-              <a:rPr lang="es-ES" b="1" dirty="0" err="1"/>
+              <a:rPr lang="es-ES" sz="1800" b="1" dirty="0" err="1">
+                <a:solidFill>
+                  <a:schemeClr val="tx1"/>
+                </a:solidFill>
+              </a:rPr>
               <a:t>pintar_vidas</a:t>
             </a:r>
             <a:r>
-              <a:rPr lang="es-ES" dirty="0"/>
+              <a:rPr lang="es-ES" sz="1800" dirty="0">
+                <a:solidFill>
+                  <a:schemeClr val="tx1"/>
+                </a:solidFill>
+              </a:rPr>
               <a:t>, definidas en la clase JUGADOR </a:t>
             </a:r>
+          </a:p>
+          <a:p>
+            <a:pPr marL="0" indent="0">
+              <a:buNone/>
+            </a:pPr>
+            <a:endParaRPr lang="es-ES" sz="1800" dirty="0">
+              <a:solidFill>
+                <a:schemeClr val="bg2">
+                  <a:lumMod val="20000"/>
+                  <a:lumOff val="80000"/>
+                </a:schemeClr>
+              </a:solidFill>
+            </a:endParaRPr>
+          </a:p>
+          <a:p>
+            <a:pPr marL="0" indent="0">
+              <a:buNone/>
+            </a:pPr>
+            <a:endParaRPr lang="es-ES" sz="1800" dirty="0">
+              <a:solidFill>
+                <a:schemeClr val="bg2">
+                  <a:lumMod val="20000"/>
+                  <a:lumOff val="80000"/>
+                </a:schemeClr>
+              </a:solidFill>
+            </a:endParaRPr>
+          </a:p>
+          <a:p>
+            <a:pPr marL="0" indent="0">
+              <a:buNone/>
+            </a:pPr>
+            <a:endParaRPr lang="es-ES" sz="1800" dirty="0">
+              <a:solidFill>
+                <a:schemeClr val="bg2">
+                  <a:lumMod val="20000"/>
+                  <a:lumOff val="80000"/>
+                </a:schemeClr>
+              </a:solidFill>
+            </a:endParaRPr>
+          </a:p>
+          <a:p>
+            <a:pPr marL="0" indent="0">
+              <a:buNone/>
+            </a:pPr>
+            <a:endParaRPr lang="es-ES" sz="1800" dirty="0">
+              <a:solidFill>
+                <a:schemeClr val="bg2">
+                  <a:lumMod val="20000"/>
+                  <a:lumOff val="80000"/>
+                </a:schemeClr>
+              </a:solidFill>
+            </a:endParaRPr>
+          </a:p>
+          <a:p>
+            <a:endParaRPr lang="es-ES" sz="1800" dirty="0"/>
           </a:p>
         </p:txBody>
       </p:sp>
@@ -8069,57 +8233,20 @@
         </p:blipFill>
         <p:spPr>
           <a:xfrm>
-            <a:off x="9786009" y="490491"/>
-            <a:ext cx="1921645" cy="1921645"/>
+            <a:off x="2733441" y="-79901"/>
+            <a:ext cx="1401561" cy="1401561"/>
           </a:xfrm>
           <a:prstGeom prst="rect">
             <a:avLst/>
           </a:prstGeom>
         </p:spPr>
       </p:pic>
-      <p:sp>
-        <p:nvSpPr>
-          <p:cNvPr id="2" name="CuadroTexto 1">
+      <p:pic>
+        <p:nvPicPr>
+          <p:cNvPr id="6" name="Imagen 5">
             <a:extLst>
               <a:ext uri="{FF2B5EF4-FFF2-40B4-BE49-F238E27FC236}">
-                <a16:creationId xmlns:a16="http://schemas.microsoft.com/office/drawing/2014/main" id="{0A121C26-6EB8-429C-AB98-4C28CDF0924B}"/>
-              </a:ext>
-            </a:extLst>
-          </p:cNvPr>
-          <p:cNvSpPr txBox="1"/>
-          <p:nvPr/>
-        </p:nvSpPr>
-        <p:spPr>
-          <a:xfrm>
-            <a:off x="9634330" y="121159"/>
-            <a:ext cx="2073324" cy="369332"/>
-          </a:xfrm>
-          <a:prstGeom prst="rect">
-            <a:avLst/>
-          </a:prstGeom>
-          <a:noFill/>
-        </p:spPr>
-        <p:txBody>
-          <a:bodyPr wrap="square" rtlCol="0">
-            <a:spAutoFit/>
-          </a:bodyPr>
-          <a:lstStyle/>
-          <a:p>
-            <a:r>
-              <a:rPr lang="es-ES" dirty="0">
-                <a:latin typeface="Lucida Bright" panose="02040602050505020304" pitchFamily="18" charset="0"/>
-              </a:rPr>
-              <a:t>Organización</a:t>
-            </a:r>
-          </a:p>
-        </p:txBody>
-      </p:sp>
-      <p:pic>
-        <p:nvPicPr>
-          <p:cNvPr id="5" name="Imagen 4" descr="Una captura de pantalla de un celular&#10;&#10;Descripción generada automáticamente">
-            <a:extLst>
-              <a:ext uri="{FF2B5EF4-FFF2-40B4-BE49-F238E27FC236}">
-                <a16:creationId xmlns:a16="http://schemas.microsoft.com/office/drawing/2014/main" id="{8EDC053E-72F4-4B5F-9A6C-165D66896681}"/>
+                <a16:creationId xmlns:a16="http://schemas.microsoft.com/office/drawing/2014/main" id="{A42527DA-15F8-4616-B791-7060637A86A1}"/>
               </a:ext>
             </a:extLst>
           </p:cNvPr>
@@ -8128,16 +8255,15 @@
           </p:cNvPicPr>
           <p:nvPr/>
         </p:nvPicPr>
-        <p:blipFill>
+        <p:blipFill rotWithShape="1">
           <a:blip r:embed="rId4"/>
-          <a:stretch>
-            <a:fillRect/>
-          </a:stretch>
+          <a:srcRect l="15218" t="16440" r="33167" b="26586"/>
+          <a:stretch/>
         </p:blipFill>
         <p:spPr>
           <a:xfrm>
-            <a:off x="6420789" y="1904385"/>
-            <a:ext cx="3477512" cy="3884550"/>
+            <a:off x="287911" y="1196550"/>
+            <a:ext cx="5530253" cy="3433760"/>
           </a:xfrm>
           <a:prstGeom prst="rect">
             <a:avLst/>
@@ -8157,7 +8283,7 @@
 </p:sld>
 </file>
 
-<file path=ppt/slides/slide6.xml><?xml version="1.0" encoding="utf-8"?>
+<file path=ppt/slides/slide7.xml><?xml version="1.0" encoding="utf-8"?>
 <p:sld xmlns:a="http://schemas.openxmlformats.org/drawingml/2006/main" xmlns:r="http://schemas.openxmlformats.org/officeDocument/2006/relationships" xmlns:p="http://schemas.openxmlformats.org/presentationml/2006/main">
   <p:cSld>
     <p:bg>
@@ -8965,7 +9091,7 @@
         <p:spPr>
           <a:xfrm>
             <a:off x="315981" y="157225"/>
-            <a:ext cx="6329571" cy="1311812"/>
+            <a:ext cx="3439273" cy="1311812"/>
           </a:xfrm>
         </p:spPr>
         <p:txBody>
@@ -8981,7 +9107,7 @@
                   <a:srgbClr val="FFFFFF"/>
                 </a:solidFill>
               </a:rPr>
-              <a:t>4.monedas</a:t>
+              <a:t>5.monedas</a:t>
             </a:r>
           </a:p>
         </p:txBody>
@@ -9061,10 +9187,10 @@
                   </a:schemeClr>
                 </a:solidFill>
               </a:rPr>
-              <a:t>Se añaden las funciones de </a:t>
-            </a:r>
-            <a:r>
-              <a:rPr lang="es-ES" b="1" dirty="0">
+              <a:t>Se añaden las funciones de pintar, borrar y </a:t>
+            </a:r>
+            <a:r>
+              <a:rPr lang="es-ES" dirty="0" err="1">
                 <a:solidFill>
                   <a:schemeClr val="bg2">
                     <a:lumMod val="20000"/>
@@ -9072,7 +9198,7 @@
                   </a:schemeClr>
                 </a:solidFill>
               </a:rPr>
-              <a:t>pintar</a:t>
+              <a:t>contar_monedas</a:t>
             </a:r>
             <a:r>
               <a:rPr lang="es-ES" dirty="0">
@@ -9083,10 +9209,16 @@
                   </a:schemeClr>
                 </a:solidFill>
               </a:rPr>
-              <a:t>, </a:t>
-            </a:r>
-            <a:r>
-              <a:rPr lang="es-ES" b="1" dirty="0">
+              <a:t>, esta última  pasa por referencia un parámetro de clase JUGADOR</a:t>
+            </a:r>
+          </a:p>
+          <a:p>
+            <a:pPr marL="285750" indent="-285750">
+              <a:buFont typeface="Arial" panose="020B0604020202020204" pitchFamily="34" charset="0"/>
+              <a:buChar char="•"/>
+            </a:pPr>
+            <a:r>
+              <a:rPr lang="es-ES" dirty="0">
                 <a:solidFill>
                   <a:schemeClr val="bg2">
                     <a:lumMod val="20000"/>
@@ -9094,10 +9226,10 @@
                   </a:schemeClr>
                 </a:solidFill>
               </a:rPr>
-              <a:t>borrar</a:t>
-            </a:r>
-            <a:r>
-              <a:rPr lang="es-ES" dirty="0">
+              <a:t>La función </a:t>
+            </a:r>
+            <a:r>
+              <a:rPr lang="es-ES" dirty="0" err="1">
                 <a:solidFill>
                   <a:schemeClr val="bg2">
                     <a:lumMod val="20000"/>
@@ -9105,10 +9237,10 @@
                   </a:schemeClr>
                 </a:solidFill>
               </a:rPr>
-              <a:t> y </a:t>
-            </a:r>
-            <a:r>
-              <a:rPr lang="es-ES" b="1" dirty="0" err="1">
+              <a:t>contar_monedas</a:t>
+            </a:r>
+            <a:r>
+              <a:rPr lang="es-ES" dirty="0">
                 <a:solidFill>
                   <a:schemeClr val="bg2">
                     <a:lumMod val="20000"/>
@@ -9116,68 +9248,7 @@
                   </a:schemeClr>
                 </a:solidFill>
               </a:rPr>
-              <a:t>contar_monedas</a:t>
-            </a:r>
-            <a:r>
-              <a:rPr lang="es-ES" dirty="0">
-                <a:solidFill>
-                  <a:schemeClr val="bg2">
-                    <a:lumMod val="20000"/>
-                    <a:lumOff val="80000"/>
-                  </a:schemeClr>
-                </a:solidFill>
-              </a:rPr>
-              <a:t>, esta última  pasa por referencia un parámetro de clase JUGADOR</a:t>
-            </a:r>
-          </a:p>
-          <a:p>
-            <a:pPr marL="285750" indent="-285750">
-              <a:buFont typeface="Arial" panose="020B0604020202020204" pitchFamily="34" charset="0"/>
-              <a:buChar char="•"/>
-            </a:pPr>
-            <a:r>
-              <a:rPr lang="es-ES" dirty="0">
-                <a:solidFill>
-                  <a:schemeClr val="bg2">
-                    <a:lumMod val="20000"/>
-                    <a:lumOff val="80000"/>
-                  </a:schemeClr>
-                </a:solidFill>
-              </a:rPr>
-              <a:t>La función </a:t>
-            </a:r>
-            <a:r>
-              <a:rPr lang="es-ES" b="1" dirty="0" err="1">
-                <a:solidFill>
-                  <a:schemeClr val="bg2">
-                    <a:lumMod val="20000"/>
-                    <a:lumOff val="80000"/>
-                  </a:schemeClr>
-                </a:solidFill>
-              </a:rPr>
-              <a:t>contar_monedas</a:t>
-            </a:r>
-            <a:r>
-              <a:rPr lang="es-ES" b="1" dirty="0">
-                <a:solidFill>
-                  <a:schemeClr val="bg2">
-                    <a:lumMod val="20000"/>
-                    <a:lumOff val="80000"/>
-                  </a:schemeClr>
-                </a:solidFill>
-              </a:rPr>
-              <a:t> </a:t>
-            </a:r>
-            <a:r>
-              <a:rPr lang="es-ES" dirty="0">
-                <a:solidFill>
-                  <a:schemeClr val="bg2">
-                    <a:lumMod val="20000"/>
-                    <a:lumOff val="80000"/>
-                  </a:schemeClr>
-                </a:solidFill>
-              </a:rPr>
-              <a:t>compara la posición del jugador  con la posición de la moneda. Si son las mismas posiciones añadirá una moneda más</a:t>
+              <a:t> compara la posición del jugador  con la posición de la moneda. Si son las mismas posiciones añadirá una moneda más</a:t>
             </a:r>
           </a:p>
           <a:p>
@@ -9245,7 +9316,7 @@
         </p:blipFill>
         <p:spPr>
           <a:xfrm>
-            <a:off x="4897909" y="228600"/>
+            <a:off x="3568383" y="304800"/>
             <a:ext cx="914400" cy="914400"/>
           </a:xfrm>
           <a:prstGeom prst="rect">
@@ -9309,12 +9380,1350 @@
           </a:p>
         </p:txBody>
       </p:sp>
-      <p:sp>
-        <p:nvSpPr>
-          <p:cNvPr id="3" name="CuadroTexto 2">
+    </p:spTree>
+    <p:extLst>
+      <p:ext uri="{BB962C8B-B14F-4D97-AF65-F5344CB8AC3E}">
+        <p14:creationId xmlns:p14="http://schemas.microsoft.com/office/powerpoint/2010/main" val="1373219211"/>
+      </p:ext>
+    </p:extLst>
+  </p:cSld>
+  <p:clrMapOvr>
+    <a:masterClrMapping/>
+  </p:clrMapOvr>
+</p:sld>
+</file>
+
+<file path=ppt/slides/slide8.xml><?xml version="1.0" encoding="utf-8"?>
+<p:sld xmlns:a="http://schemas.openxmlformats.org/drawingml/2006/main" xmlns:r="http://schemas.openxmlformats.org/officeDocument/2006/relationships" xmlns:p="http://schemas.openxmlformats.org/presentationml/2006/main">
+  <p:cSld>
+    <p:spTree>
+      <p:nvGrpSpPr>
+        <p:cNvPr id="1" name=""/>
+        <p:cNvGrpSpPr/>
+        <p:nvPr/>
+      </p:nvGrpSpPr>
+      <p:grpSpPr>
+        <a:xfrm>
+          <a:off x="0" y="0"/>
+          <a:ext cx="0" cy="0"/>
+          <a:chOff x="0" y="0"/>
+          <a:chExt cx="0" cy="0"/>
+        </a:xfrm>
+      </p:grpSpPr>
+      <p:sp>
+        <p:nvSpPr>
+          <p:cNvPr id="2" name="Título 1">
             <a:extLst>
               <a:ext uri="{FF2B5EF4-FFF2-40B4-BE49-F238E27FC236}">
-                <a16:creationId xmlns:a16="http://schemas.microsoft.com/office/drawing/2014/main" id="{15D1EF82-5476-4D0B-8E00-2CD9F984404D}"/>
+                <a16:creationId xmlns:a16="http://schemas.microsoft.com/office/drawing/2014/main" id="{77D1CF67-3955-4C66-86BC-46BF1242BE12}"/>
+              </a:ext>
+            </a:extLst>
+          </p:cNvPr>
+          <p:cNvSpPr>
+            <a:spLocks noGrp="1"/>
+          </p:cNvSpPr>
+          <p:nvPr>
+            <p:ph type="title"/>
+          </p:nvPr>
+        </p:nvSpPr>
+        <p:spPr>
+          <a:xfrm>
+            <a:off x="878781" y="435005"/>
+            <a:ext cx="3906283" cy="762000"/>
+          </a:xfrm>
+        </p:spPr>
+        <p:txBody>
+          <a:bodyPr>
+            <a:normAutofit/>
+          </a:bodyPr>
+          <a:lstStyle/>
+          <a:p>
+            <a:r>
+              <a:rPr lang="es-ES" sz="3200" dirty="0"/>
+              <a:t>6. Fichero </a:t>
+            </a:r>
+          </a:p>
+        </p:txBody>
+      </p:sp>
+      <p:sp>
+        <p:nvSpPr>
+          <p:cNvPr id="4" name="Marcador de texto 3">
+            <a:extLst>
+              <a:ext uri="{FF2B5EF4-FFF2-40B4-BE49-F238E27FC236}">
+                <a16:creationId xmlns:a16="http://schemas.microsoft.com/office/drawing/2014/main" id="{8F510FF5-25CC-4919-9770-18A9B7AE56DD}"/>
+              </a:ext>
+            </a:extLst>
+          </p:cNvPr>
+          <p:cNvSpPr>
+            <a:spLocks noGrp="1"/>
+          </p:cNvSpPr>
+          <p:nvPr>
+            <p:ph type="body" sz="half" idx="2"/>
+          </p:nvPr>
+        </p:nvSpPr>
+        <p:spPr>
+          <a:xfrm>
+            <a:off x="4252436" y="1677211"/>
+            <a:ext cx="6021388" cy="1477328"/>
+          </a:xfrm>
+        </p:spPr>
+        <p:txBody>
+          <a:bodyPr>
+            <a:normAutofit/>
+          </a:bodyPr>
+          <a:lstStyle/>
+          <a:p>
+            <a:r>
+              <a:rPr lang="es-ES" dirty="0">
+                <a:solidFill>
+                  <a:schemeClr val="tx1"/>
+                </a:solidFill>
+              </a:rPr>
+              <a:t>El resultado de monedas y las vidas no utilizadas serán recogidas durante todo el juego se guardarán en un fichero llamada Resultados.txt</a:t>
+            </a:r>
+          </a:p>
+        </p:txBody>
+      </p:sp>
+      <p:pic>
+        <p:nvPicPr>
+          <p:cNvPr id="5" name="Gráfico 4" descr="Portapapeles">
+            <a:extLst>
+              <a:ext uri="{FF2B5EF4-FFF2-40B4-BE49-F238E27FC236}">
+                <a16:creationId xmlns:a16="http://schemas.microsoft.com/office/drawing/2014/main" id="{BF72794F-021A-4833-AD58-56617BC3BDA1}"/>
+              </a:ext>
+            </a:extLst>
+          </p:cNvPr>
+          <p:cNvPicPr>
+            <a:picLocks noChangeAspect="1"/>
+          </p:cNvPicPr>
+          <p:nvPr/>
+        </p:nvPicPr>
+        <p:blipFill>
+          <a:blip r:embed="rId2">
+            <a:extLst>
+              <a:ext uri="{96DAC541-7B7A-43D3-8B79-37D633B846F1}">
+                <asvg:svgBlip xmlns:asvg="http://schemas.microsoft.com/office/drawing/2016/SVG/main" r:embed="rId3"/>
+              </a:ext>
+            </a:extLst>
+          </a:blip>
+          <a:srcRect/>
+          <a:stretch/>
+        </p:blipFill>
+        <p:spPr>
+          <a:xfrm>
+            <a:off x="3338036" y="347496"/>
+            <a:ext cx="914400" cy="914400"/>
+          </a:xfrm>
+          <a:prstGeom prst="rect">
+            <a:avLst/>
+          </a:prstGeom>
+        </p:spPr>
+      </p:pic>
+      <p:pic>
+        <p:nvPicPr>
+          <p:cNvPr id="8" name="Imagen 7" descr="Captura de pantalla de un celular&#10;&#10;Descripción generada automáticamente">
+            <a:extLst>
+              <a:ext uri="{FF2B5EF4-FFF2-40B4-BE49-F238E27FC236}">
+                <a16:creationId xmlns:a16="http://schemas.microsoft.com/office/drawing/2014/main" id="{EE41A358-4ADC-4BC8-ACB5-D8D166A4B2C6}"/>
+              </a:ext>
+            </a:extLst>
+          </p:cNvPr>
+          <p:cNvPicPr>
+            <a:picLocks noChangeAspect="1"/>
+          </p:cNvPicPr>
+          <p:nvPr/>
+        </p:nvPicPr>
+        <p:blipFill>
+          <a:blip r:embed="rId4"/>
+          <a:stretch>
+            <a:fillRect/>
+          </a:stretch>
+        </p:blipFill>
+        <p:spPr>
+          <a:xfrm>
+            <a:off x="693235" y="1309067"/>
+            <a:ext cx="3283679" cy="3303148"/>
+          </a:xfrm>
+          <a:prstGeom prst="rect">
+            <a:avLst/>
+          </a:prstGeom>
+        </p:spPr>
+      </p:pic>
+    </p:spTree>
+    <p:extLst>
+      <p:ext uri="{BB962C8B-B14F-4D97-AF65-F5344CB8AC3E}">
+        <p14:creationId xmlns:p14="http://schemas.microsoft.com/office/powerpoint/2010/main" val="2956893027"/>
+      </p:ext>
+    </p:extLst>
+  </p:cSld>
+  <p:clrMapOvr>
+    <a:masterClrMapping/>
+  </p:clrMapOvr>
+</p:sld>
+</file>
+
+<file path=ppt/slides/slide9.xml><?xml version="1.0" encoding="utf-8"?>
+<p:sld xmlns:a="http://schemas.openxmlformats.org/drawingml/2006/main" xmlns:r="http://schemas.openxmlformats.org/officeDocument/2006/relationships" xmlns:p="http://schemas.openxmlformats.org/presentationml/2006/main">
+  <p:cSld>
+    <p:bg>
+      <p:bgPr>
+        <a:solidFill>
+          <a:schemeClr val="bg2"/>
+        </a:solidFill>
+        <a:effectLst/>
+      </p:bgPr>
+    </p:bg>
+    <p:spTree>
+      <p:nvGrpSpPr>
+        <p:cNvPr id="1" name=""/>
+        <p:cNvGrpSpPr/>
+        <p:nvPr/>
+      </p:nvGrpSpPr>
+      <p:grpSpPr>
+        <a:xfrm>
+          <a:off x="0" y="0"/>
+          <a:ext cx="0" cy="0"/>
+          <a:chOff x="0" y="0"/>
+          <a:chExt cx="0" cy="0"/>
+        </a:xfrm>
+      </p:grpSpPr>
+      <p:grpSp>
+        <p:nvGrpSpPr>
+          <p:cNvPr id="9" name="Group 8">
+            <a:extLst>
+              <a:ext uri="{FF2B5EF4-FFF2-40B4-BE49-F238E27FC236}">
+                <a16:creationId xmlns:a16="http://schemas.microsoft.com/office/drawing/2014/main" id="{6CC7770B-E4E1-42D6-9437-DAA4A3A9E659}"/>
+              </a:ext>
+              <a:ext uri="{C183D7F6-B498-43B3-948B-1728B52AA6E4}">
+                <adec:decorative xmlns:adec="http://schemas.microsoft.com/office/drawing/2017/decorative" val="1"/>
+              </a:ext>
+            </a:extLst>
+          </p:cNvPr>
+          <p:cNvGrpSpPr>
+            <a:grpSpLocks noGrp="1" noUngrp="1" noRot="1" noChangeAspect="1" noMove="1" noResize="1"/>
+          </p:cNvGrpSpPr>
+          <p:nvPr>
+            <p:extLst>
+              <p:ext uri="{386F3935-93C4-4BCD-93E2-E3B085C9AB24}">
+                <p16:designElem xmlns:p16="http://schemas.microsoft.com/office/powerpoint/2015/main" val="1"/>
+              </p:ext>
+            </p:extLst>
+          </p:nvPr>
+        </p:nvGrpSpPr>
+        <p:grpSpPr>
+          <a:xfrm>
+            <a:off x="9206969" y="2963333"/>
+            <a:ext cx="2981858" cy="3208867"/>
+            <a:chOff x="9206969" y="2963333"/>
+            <a:chExt cx="2981858" cy="3208867"/>
+          </a:xfrm>
+        </p:grpSpPr>
+        <p:cxnSp>
+          <p:nvCxnSpPr>
+            <p:cNvPr id="10" name="Straight Connector 9">
+              <a:extLst>
+                <a:ext uri="{FF2B5EF4-FFF2-40B4-BE49-F238E27FC236}">
+                  <a16:creationId xmlns:a16="http://schemas.microsoft.com/office/drawing/2014/main" id="{5A26DE5B-A1A6-4746-8EF7-4D6809ED75EE}"/>
+                </a:ext>
+                <a:ext uri="{C183D7F6-B498-43B3-948B-1728B52AA6E4}">
+                  <adec:decorative xmlns:adec="http://schemas.microsoft.com/office/drawing/2017/decorative" val="1"/>
+                </a:ext>
+              </a:extLst>
+            </p:cNvPr>
+            <p:cNvCxnSpPr/>
+            <p:nvPr>
+              <p:extLst>
+                <p:ext uri="{386F3935-93C4-4BCD-93E2-E3B085C9AB24}">
+                  <p16:designElem xmlns:p16="http://schemas.microsoft.com/office/powerpoint/2015/main" val="1"/>
+                </p:ext>
+              </p:extLst>
+            </p:nvPr>
+          </p:nvCxnSpPr>
+          <p:spPr>
+            <a:xfrm flipH="1">
+              <a:off x="11276012" y="2963333"/>
+              <a:ext cx="912814" cy="912812"/>
+            </a:xfrm>
+            <a:prstGeom prst="line">
+              <a:avLst/>
+            </a:prstGeom>
+            <a:ln w="9525">
+              <a:solidFill>
+                <a:schemeClr val="tx1"/>
+              </a:solidFill>
+            </a:ln>
+          </p:spPr>
+          <p:style>
+            <a:lnRef idx="2">
+              <a:schemeClr val="accent1"/>
+            </a:lnRef>
+            <a:fillRef idx="0">
+              <a:schemeClr val="accent1"/>
+            </a:fillRef>
+            <a:effectRef idx="1">
+              <a:schemeClr val="accent1"/>
+            </a:effectRef>
+            <a:fontRef idx="minor">
+              <a:schemeClr val="tx1"/>
+            </a:fontRef>
+          </p:style>
+        </p:cxnSp>
+        <p:cxnSp>
+          <p:nvCxnSpPr>
+            <p:cNvPr id="11" name="Straight Connector 10">
+              <a:extLst>
+                <a:ext uri="{FF2B5EF4-FFF2-40B4-BE49-F238E27FC236}">
+                  <a16:creationId xmlns:a16="http://schemas.microsoft.com/office/drawing/2014/main" id="{377A3DDA-BF17-4302-867E-EBFD777B0627}"/>
+                </a:ext>
+                <a:ext uri="{C183D7F6-B498-43B3-948B-1728B52AA6E4}">
+                  <adec:decorative xmlns:adec="http://schemas.microsoft.com/office/drawing/2017/decorative" val="1"/>
+                </a:ext>
+              </a:extLst>
+            </p:cNvPr>
+            <p:cNvCxnSpPr/>
+            <p:nvPr>
+              <p:extLst>
+                <p:ext uri="{386F3935-93C4-4BCD-93E2-E3B085C9AB24}">
+                  <p16:designElem xmlns:p16="http://schemas.microsoft.com/office/powerpoint/2015/main" val="1"/>
+                </p:ext>
+              </p:extLst>
+            </p:nvPr>
+          </p:nvCxnSpPr>
+          <p:spPr>
+            <a:xfrm flipH="1">
+              <a:off x="9206969" y="3190344"/>
+              <a:ext cx="2981857" cy="2981856"/>
+            </a:xfrm>
+            <a:prstGeom prst="line">
+              <a:avLst/>
+            </a:prstGeom>
+            <a:ln w="9525">
+              <a:solidFill>
+                <a:schemeClr val="tx1"/>
+              </a:solidFill>
+            </a:ln>
+          </p:spPr>
+          <p:style>
+            <a:lnRef idx="2">
+              <a:schemeClr val="accent1"/>
+            </a:lnRef>
+            <a:fillRef idx="0">
+              <a:schemeClr val="accent1"/>
+            </a:fillRef>
+            <a:effectRef idx="1">
+              <a:schemeClr val="accent1"/>
+            </a:effectRef>
+            <a:fontRef idx="minor">
+              <a:schemeClr val="tx1"/>
+            </a:fontRef>
+          </p:style>
+        </p:cxnSp>
+        <p:cxnSp>
+          <p:nvCxnSpPr>
+            <p:cNvPr id="12" name="Straight Connector 11">
+              <a:extLst>
+                <a:ext uri="{FF2B5EF4-FFF2-40B4-BE49-F238E27FC236}">
+                  <a16:creationId xmlns:a16="http://schemas.microsoft.com/office/drawing/2014/main" id="{CBE30704-4227-4B7B-BDB8-BFCF39086FA4}"/>
+                </a:ext>
+                <a:ext uri="{C183D7F6-B498-43B3-948B-1728B52AA6E4}">
+                  <adec:decorative xmlns:adec="http://schemas.microsoft.com/office/drawing/2017/decorative" val="1"/>
+                </a:ext>
+              </a:extLst>
+            </p:cNvPr>
+            <p:cNvCxnSpPr/>
+            <p:nvPr>
+              <p:extLst>
+                <p:ext uri="{386F3935-93C4-4BCD-93E2-E3B085C9AB24}">
+                  <p16:designElem xmlns:p16="http://schemas.microsoft.com/office/powerpoint/2015/main" val="1"/>
+                </p:ext>
+              </p:extLst>
+            </p:nvPr>
+          </p:nvCxnSpPr>
+          <p:spPr>
+            <a:xfrm flipH="1">
+              <a:off x="10292292" y="3285067"/>
+              <a:ext cx="1896534" cy="1896533"/>
+            </a:xfrm>
+            <a:prstGeom prst="line">
+              <a:avLst/>
+            </a:prstGeom>
+            <a:ln w="9525">
+              <a:solidFill>
+                <a:schemeClr val="tx1"/>
+              </a:solidFill>
+            </a:ln>
+          </p:spPr>
+          <p:style>
+            <a:lnRef idx="2">
+              <a:schemeClr val="accent1"/>
+            </a:lnRef>
+            <a:fillRef idx="0">
+              <a:schemeClr val="accent1"/>
+            </a:fillRef>
+            <a:effectRef idx="1">
+              <a:schemeClr val="accent1"/>
+            </a:effectRef>
+            <a:fontRef idx="minor">
+              <a:schemeClr val="tx1"/>
+            </a:fontRef>
+          </p:style>
+        </p:cxnSp>
+        <p:cxnSp>
+          <p:nvCxnSpPr>
+            <p:cNvPr id="13" name="Straight Connector 12">
+              <a:extLst>
+                <a:ext uri="{FF2B5EF4-FFF2-40B4-BE49-F238E27FC236}">
+                  <a16:creationId xmlns:a16="http://schemas.microsoft.com/office/drawing/2014/main" id="{B923B1E7-AEA4-42D8-8F4A-9D116F29665C}"/>
+                </a:ext>
+                <a:ext uri="{C183D7F6-B498-43B3-948B-1728B52AA6E4}">
+                  <adec:decorative xmlns:adec="http://schemas.microsoft.com/office/drawing/2017/decorative" val="1"/>
+                </a:ext>
+              </a:extLst>
+            </p:cNvPr>
+            <p:cNvCxnSpPr/>
+            <p:nvPr>
+              <p:extLst>
+                <p:ext uri="{386F3935-93C4-4BCD-93E2-E3B085C9AB24}">
+                  <p16:designElem xmlns:p16="http://schemas.microsoft.com/office/powerpoint/2015/main" val="1"/>
+                </p:ext>
+              </p:extLst>
+            </p:nvPr>
+          </p:nvCxnSpPr>
+          <p:spPr>
+            <a:xfrm flipH="1">
+              <a:off x="10443103" y="3131080"/>
+              <a:ext cx="1745722" cy="1745720"/>
+            </a:xfrm>
+            <a:prstGeom prst="line">
+              <a:avLst/>
+            </a:prstGeom>
+            <a:ln w="28575">
+              <a:solidFill>
+                <a:schemeClr val="tx1"/>
+              </a:solidFill>
+            </a:ln>
+          </p:spPr>
+          <p:style>
+            <a:lnRef idx="2">
+              <a:schemeClr val="accent1"/>
+            </a:lnRef>
+            <a:fillRef idx="0">
+              <a:schemeClr val="accent1"/>
+            </a:fillRef>
+            <a:effectRef idx="1">
+              <a:schemeClr val="accent1"/>
+            </a:effectRef>
+            <a:fontRef idx="minor">
+              <a:schemeClr val="tx1"/>
+            </a:fontRef>
+          </p:style>
+        </p:cxnSp>
+        <p:cxnSp>
+          <p:nvCxnSpPr>
+            <p:cNvPr id="14" name="Straight Connector 13">
+              <a:extLst>
+                <a:ext uri="{FF2B5EF4-FFF2-40B4-BE49-F238E27FC236}">
+                  <a16:creationId xmlns:a16="http://schemas.microsoft.com/office/drawing/2014/main" id="{321B6244-6EAE-442C-ACCF-8146103EC1D5}"/>
+                </a:ext>
+                <a:ext uri="{C183D7F6-B498-43B3-948B-1728B52AA6E4}">
+                  <adec:decorative xmlns:adec="http://schemas.microsoft.com/office/drawing/2017/decorative" val="1"/>
+                </a:ext>
+              </a:extLst>
+            </p:cNvPr>
+            <p:cNvCxnSpPr/>
+            <p:nvPr>
+              <p:extLst>
+                <p:ext uri="{386F3935-93C4-4BCD-93E2-E3B085C9AB24}">
+                  <p16:designElem xmlns:p16="http://schemas.microsoft.com/office/powerpoint/2015/main" val="1"/>
+                </p:ext>
+              </p:extLst>
+            </p:nvPr>
+          </p:nvCxnSpPr>
+          <p:spPr>
+            <a:xfrm flipH="1">
+              <a:off x="10918826" y="3683001"/>
+              <a:ext cx="1270001" cy="1269999"/>
+            </a:xfrm>
+            <a:prstGeom prst="line">
+              <a:avLst/>
+            </a:prstGeom>
+            <a:ln w="28575">
+              <a:solidFill>
+                <a:schemeClr val="tx1"/>
+              </a:solidFill>
+            </a:ln>
+          </p:spPr>
+          <p:style>
+            <a:lnRef idx="2">
+              <a:schemeClr val="accent1"/>
+            </a:lnRef>
+            <a:fillRef idx="0">
+              <a:schemeClr val="accent1"/>
+            </a:fillRef>
+            <a:effectRef idx="1">
+              <a:schemeClr val="accent1"/>
+            </a:effectRef>
+            <a:fontRef idx="minor">
+              <a:schemeClr val="tx1"/>
+            </a:fontRef>
+          </p:style>
+        </p:cxnSp>
+      </p:grpSp>
+      <p:sp>
+        <p:nvSpPr>
+          <p:cNvPr id="16" name="Rectangle 15">
+            <a:extLst>
+              <a:ext uri="{FF2B5EF4-FFF2-40B4-BE49-F238E27FC236}">
+                <a16:creationId xmlns:a16="http://schemas.microsoft.com/office/drawing/2014/main" id="{781BBDC9-2DC6-4959-AC3D-49A5DCB05DA7}"/>
+              </a:ext>
+              <a:ext uri="{C183D7F6-B498-43B3-948B-1728B52AA6E4}">
+                <adec:decorative xmlns:adec="http://schemas.microsoft.com/office/drawing/2017/decorative" val="1"/>
+              </a:ext>
+            </a:extLst>
+          </p:cNvPr>
+          <p:cNvSpPr>
+            <a:spLocks noGrp="1" noRot="1" noChangeAspect="1" noMove="1" noResize="1" noEditPoints="1" noAdjustHandles="1" noChangeArrowheads="1" noChangeShapeType="1" noTextEdit="1"/>
+          </p:cNvSpPr>
+          <p:nvPr>
+            <p:extLst>
+              <p:ext uri="{386F3935-93C4-4BCD-93E2-E3B085C9AB24}">
+                <p16:designElem xmlns:p16="http://schemas.microsoft.com/office/powerpoint/2015/main" val="1"/>
+              </p:ext>
+            </p:extLst>
+          </p:nvPr>
+        </p:nvSpPr>
+        <p:spPr>
+          <a:xfrm>
+            <a:off x="0" y="0"/>
+            <a:ext cx="12192000" cy="6858000"/>
+          </a:xfrm>
+          <a:prstGeom prst="rect">
+            <a:avLst/>
+          </a:prstGeom>
+          <a:solidFill>
+            <a:schemeClr val="accent1"/>
+          </a:solidFill>
+          <a:ln>
+            <a:noFill/>
+          </a:ln>
+        </p:spPr>
+        <p:style>
+          <a:lnRef idx="2">
+            <a:schemeClr val="accent1">
+              <a:shade val="50000"/>
+            </a:schemeClr>
+          </a:lnRef>
+          <a:fillRef idx="1">
+            <a:schemeClr val="accent1"/>
+          </a:fillRef>
+          <a:effectRef idx="0">
+            <a:schemeClr val="accent1"/>
+          </a:effectRef>
+          <a:fontRef idx="minor">
+            <a:schemeClr val="lt1"/>
+          </a:fontRef>
+        </p:style>
+        <p:txBody>
+          <a:bodyPr rtlCol="0" anchor="ctr"/>
+          <a:lstStyle/>
+          <a:p>
+            <a:pPr algn="ctr"/>
+            <a:endParaRPr lang="en-US"/>
+          </a:p>
+        </p:txBody>
+      </p:sp>
+      <p:sp>
+        <p:nvSpPr>
+          <p:cNvPr id="18" name="Rectangle 17">
+            <a:extLst>
+              <a:ext uri="{FF2B5EF4-FFF2-40B4-BE49-F238E27FC236}">
+                <a16:creationId xmlns:a16="http://schemas.microsoft.com/office/drawing/2014/main" id="{4B74BB55-8517-4CFE-9389-81D0E6F81F00}"/>
+              </a:ext>
+              <a:ext uri="{C183D7F6-B498-43B3-948B-1728B52AA6E4}">
+                <adec:decorative xmlns:adec="http://schemas.microsoft.com/office/drawing/2017/decorative" val="1"/>
+              </a:ext>
+            </a:extLst>
+          </p:cNvPr>
+          <p:cNvSpPr>
+            <a:spLocks noGrp="1" noRot="1" noChangeAspect="1" noMove="1" noResize="1" noEditPoints="1" noAdjustHandles="1" noChangeArrowheads="1" noChangeShapeType="1" noTextEdit="1"/>
+          </p:cNvSpPr>
+          <p:nvPr>
+            <p:extLst>
+              <p:ext uri="{386F3935-93C4-4BCD-93E2-E3B085C9AB24}">
+                <p16:designElem xmlns:p16="http://schemas.microsoft.com/office/powerpoint/2015/main" val="1"/>
+              </p:ext>
+            </p:extLst>
+          </p:nvPr>
+        </p:nvSpPr>
+        <p:spPr>
+          <a:xfrm>
+            <a:off x="0" y="0"/>
+            <a:ext cx="1438656" cy="6858000"/>
+          </a:xfrm>
+          <a:prstGeom prst="rect">
+            <a:avLst/>
+          </a:prstGeom>
+          <a:solidFill>
+            <a:schemeClr val="accent1">
+              <a:lumMod val="50000"/>
+            </a:schemeClr>
+          </a:solidFill>
+          <a:ln>
+            <a:noFill/>
+          </a:ln>
+        </p:spPr>
+        <p:style>
+          <a:lnRef idx="2">
+            <a:schemeClr val="accent1">
+              <a:shade val="50000"/>
+            </a:schemeClr>
+          </a:lnRef>
+          <a:fillRef idx="1003">
+            <a:schemeClr val="lt1"/>
+          </a:fillRef>
+          <a:effectRef idx="0">
+            <a:schemeClr val="accent1"/>
+          </a:effectRef>
+          <a:fontRef idx="minor">
+            <a:schemeClr val="lt1"/>
+          </a:fontRef>
+        </p:style>
+        <p:txBody>
+          <a:bodyPr rtlCol="0" anchor="ctr"/>
+          <a:lstStyle/>
+          <a:p>
+            <a:pPr algn="ctr"/>
+            <a:endParaRPr lang="en-US">
+              <a:solidFill>
+                <a:schemeClr val="accent2"/>
+              </a:solidFill>
+            </a:endParaRPr>
+          </a:p>
+        </p:txBody>
+      </p:sp>
+      <p:grpSp>
+        <p:nvGrpSpPr>
+          <p:cNvPr id="20" name="Group 19">
+            <a:extLst>
+              <a:ext uri="{FF2B5EF4-FFF2-40B4-BE49-F238E27FC236}">
+                <a16:creationId xmlns:a16="http://schemas.microsoft.com/office/drawing/2014/main" id="{A3F7C935-E41E-4E8D-91DF-D3BAB9521DF0}"/>
+              </a:ext>
+              <a:ext uri="{C183D7F6-B498-43B3-948B-1728B52AA6E4}">
+                <adec:decorative xmlns:adec="http://schemas.microsoft.com/office/drawing/2017/decorative" val="1"/>
+              </a:ext>
+            </a:extLst>
+          </p:cNvPr>
+          <p:cNvGrpSpPr>
+            <a:grpSpLocks noGrp="1" noUngrp="1" noRot="1" noChangeAspect="1" noMove="1" noResize="1"/>
+          </p:cNvGrpSpPr>
+          <p:nvPr>
+            <p:extLst>
+              <p:ext uri="{386F3935-93C4-4BCD-93E2-E3B085C9AB24}">
+                <p16:designElem xmlns:p16="http://schemas.microsoft.com/office/powerpoint/2015/main" val="1"/>
+              </p:ext>
+            </p:extLst>
+          </p:nvPr>
+        </p:nvGrpSpPr>
+        <p:grpSpPr>
+          <a:xfrm>
+            <a:off x="80045" y="4435646"/>
+            <a:ext cx="1419541" cy="1660354"/>
+            <a:chOff x="10292292" y="2963333"/>
+            <a:chExt cx="1896535" cy="2218267"/>
+          </a:xfrm>
+        </p:grpSpPr>
+        <p:cxnSp>
+          <p:nvCxnSpPr>
+            <p:cNvPr id="21" name="Straight Connector 20">
+              <a:extLst>
+                <a:ext uri="{FF2B5EF4-FFF2-40B4-BE49-F238E27FC236}">
+                  <a16:creationId xmlns:a16="http://schemas.microsoft.com/office/drawing/2014/main" id="{4FB64230-1B44-4C76-9885-0BBE5C736CC8}"/>
+                </a:ext>
+                <a:ext uri="{C183D7F6-B498-43B3-948B-1728B52AA6E4}">
+                  <adec:decorative xmlns:adec="http://schemas.microsoft.com/office/drawing/2017/decorative" val="1"/>
+                </a:ext>
+              </a:extLst>
+            </p:cNvPr>
+            <p:cNvCxnSpPr/>
+            <p:nvPr>
+              <p:extLst>
+                <p:ext uri="{386F3935-93C4-4BCD-93E2-E3B085C9AB24}">
+                  <p16:designElem xmlns:p16="http://schemas.microsoft.com/office/powerpoint/2015/main" val="1"/>
+                </p:ext>
+              </p:extLst>
+            </p:nvPr>
+          </p:nvCxnSpPr>
+          <p:spPr>
+            <a:xfrm flipH="1">
+              <a:off x="11276012" y="2963333"/>
+              <a:ext cx="912814" cy="912812"/>
+            </a:xfrm>
+            <a:prstGeom prst="line">
+              <a:avLst/>
+            </a:prstGeom>
+            <a:ln w="9525">
+              <a:solidFill>
+                <a:srgbClr val="FFFFFF"/>
+              </a:solidFill>
+            </a:ln>
+          </p:spPr>
+          <p:style>
+            <a:lnRef idx="2">
+              <a:schemeClr val="accent1"/>
+            </a:lnRef>
+            <a:fillRef idx="0">
+              <a:schemeClr val="accent1"/>
+            </a:fillRef>
+            <a:effectRef idx="1">
+              <a:schemeClr val="accent1"/>
+            </a:effectRef>
+            <a:fontRef idx="minor">
+              <a:schemeClr val="tx1"/>
+            </a:fontRef>
+          </p:style>
+        </p:cxnSp>
+        <p:cxnSp>
+          <p:nvCxnSpPr>
+            <p:cNvPr id="22" name="Straight Connector 21">
+              <a:extLst>
+                <a:ext uri="{FF2B5EF4-FFF2-40B4-BE49-F238E27FC236}">
+                  <a16:creationId xmlns:a16="http://schemas.microsoft.com/office/drawing/2014/main" id="{D3F7F181-4FFE-4F8E-A3D0-1A8ECDEFFB37}"/>
+                </a:ext>
+                <a:ext uri="{C183D7F6-B498-43B3-948B-1728B52AA6E4}">
+                  <adec:decorative xmlns:adec="http://schemas.microsoft.com/office/drawing/2017/decorative" val="1"/>
+                </a:ext>
+              </a:extLst>
+            </p:cNvPr>
+            <p:cNvCxnSpPr>
+              <a:cxnSpLocks/>
+            </p:cNvCxnSpPr>
+            <p:nvPr>
+              <p:extLst>
+                <p:ext uri="{386F3935-93C4-4BCD-93E2-E3B085C9AB24}">
+                  <p16:designElem xmlns:p16="http://schemas.microsoft.com/office/powerpoint/2015/main" val="1"/>
+                </p:ext>
+              </p:extLst>
+            </p:nvPr>
+          </p:nvCxnSpPr>
+          <p:spPr>
+            <a:xfrm flipH="1">
+              <a:off x="10292292" y="3190344"/>
+              <a:ext cx="1896535" cy="1896533"/>
+            </a:xfrm>
+            <a:prstGeom prst="line">
+              <a:avLst/>
+            </a:prstGeom>
+            <a:ln w="9525">
+              <a:solidFill>
+                <a:srgbClr val="FFFFFF"/>
+              </a:solidFill>
+            </a:ln>
+          </p:spPr>
+          <p:style>
+            <a:lnRef idx="2">
+              <a:schemeClr val="accent1"/>
+            </a:lnRef>
+            <a:fillRef idx="0">
+              <a:schemeClr val="accent1"/>
+            </a:fillRef>
+            <a:effectRef idx="1">
+              <a:schemeClr val="accent1"/>
+            </a:effectRef>
+            <a:fontRef idx="minor">
+              <a:schemeClr val="tx1"/>
+            </a:fontRef>
+          </p:style>
+        </p:cxnSp>
+        <p:cxnSp>
+          <p:nvCxnSpPr>
+            <p:cNvPr id="23" name="Straight Connector 22">
+              <a:extLst>
+                <a:ext uri="{FF2B5EF4-FFF2-40B4-BE49-F238E27FC236}">
+                  <a16:creationId xmlns:a16="http://schemas.microsoft.com/office/drawing/2014/main" id="{2066495D-EC57-44E4-8DED-0DC2E07AA2FF}"/>
+                </a:ext>
+                <a:ext uri="{C183D7F6-B498-43B3-948B-1728B52AA6E4}">
+                  <adec:decorative xmlns:adec="http://schemas.microsoft.com/office/drawing/2017/decorative" val="1"/>
+                </a:ext>
+              </a:extLst>
+            </p:cNvPr>
+            <p:cNvCxnSpPr/>
+            <p:nvPr>
+              <p:extLst>
+                <p:ext uri="{386F3935-93C4-4BCD-93E2-E3B085C9AB24}">
+                  <p16:designElem xmlns:p16="http://schemas.microsoft.com/office/powerpoint/2015/main" val="1"/>
+                </p:ext>
+              </p:extLst>
+            </p:nvPr>
+          </p:nvCxnSpPr>
+          <p:spPr>
+            <a:xfrm flipH="1">
+              <a:off x="10292292" y="3285067"/>
+              <a:ext cx="1896534" cy="1896533"/>
+            </a:xfrm>
+            <a:prstGeom prst="line">
+              <a:avLst/>
+            </a:prstGeom>
+            <a:ln w="9525">
+              <a:solidFill>
+                <a:srgbClr val="FFFFFF"/>
+              </a:solidFill>
+            </a:ln>
+          </p:spPr>
+          <p:style>
+            <a:lnRef idx="2">
+              <a:schemeClr val="accent1"/>
+            </a:lnRef>
+            <a:fillRef idx="0">
+              <a:schemeClr val="accent1"/>
+            </a:fillRef>
+            <a:effectRef idx="1">
+              <a:schemeClr val="accent1"/>
+            </a:effectRef>
+            <a:fontRef idx="minor">
+              <a:schemeClr val="tx1"/>
+            </a:fontRef>
+          </p:style>
+        </p:cxnSp>
+        <p:cxnSp>
+          <p:nvCxnSpPr>
+            <p:cNvPr id="24" name="Straight Connector 23">
+              <a:extLst>
+                <a:ext uri="{FF2B5EF4-FFF2-40B4-BE49-F238E27FC236}">
+                  <a16:creationId xmlns:a16="http://schemas.microsoft.com/office/drawing/2014/main" id="{0E0DA2F2-D672-4417-8072-9ED4FA5CC59F}"/>
+                </a:ext>
+                <a:ext uri="{C183D7F6-B498-43B3-948B-1728B52AA6E4}">
+                  <adec:decorative xmlns:adec="http://schemas.microsoft.com/office/drawing/2017/decorative" val="1"/>
+                </a:ext>
+              </a:extLst>
+            </p:cNvPr>
+            <p:cNvCxnSpPr/>
+            <p:nvPr>
+              <p:extLst>
+                <p:ext uri="{386F3935-93C4-4BCD-93E2-E3B085C9AB24}">
+                  <p16:designElem xmlns:p16="http://schemas.microsoft.com/office/powerpoint/2015/main" val="1"/>
+                </p:ext>
+              </p:extLst>
+            </p:nvPr>
+          </p:nvCxnSpPr>
+          <p:spPr>
+            <a:xfrm flipH="1">
+              <a:off x="10443103" y="3131080"/>
+              <a:ext cx="1745722" cy="1745720"/>
+            </a:xfrm>
+            <a:prstGeom prst="line">
+              <a:avLst/>
+            </a:prstGeom>
+            <a:ln w="28575">
+              <a:solidFill>
+                <a:srgbClr val="FFFFFF"/>
+              </a:solidFill>
+            </a:ln>
+          </p:spPr>
+          <p:style>
+            <a:lnRef idx="2">
+              <a:schemeClr val="accent1"/>
+            </a:lnRef>
+            <a:fillRef idx="0">
+              <a:schemeClr val="accent1"/>
+            </a:fillRef>
+            <a:effectRef idx="1">
+              <a:schemeClr val="accent1"/>
+            </a:effectRef>
+            <a:fontRef idx="minor">
+              <a:schemeClr val="tx1"/>
+            </a:fontRef>
+          </p:style>
+        </p:cxnSp>
+        <p:cxnSp>
+          <p:nvCxnSpPr>
+            <p:cNvPr id="25" name="Straight Connector 24">
+              <a:extLst>
+                <a:ext uri="{FF2B5EF4-FFF2-40B4-BE49-F238E27FC236}">
+                  <a16:creationId xmlns:a16="http://schemas.microsoft.com/office/drawing/2014/main" id="{30E8BACB-AEC7-46A5-A3AD-4D1BBE8715BA}"/>
+                </a:ext>
+                <a:ext uri="{C183D7F6-B498-43B3-948B-1728B52AA6E4}">
+                  <adec:decorative xmlns:adec="http://schemas.microsoft.com/office/drawing/2017/decorative" val="1"/>
+                </a:ext>
+              </a:extLst>
+            </p:cNvPr>
+            <p:cNvCxnSpPr/>
+            <p:nvPr>
+              <p:extLst>
+                <p:ext uri="{386F3935-93C4-4BCD-93E2-E3B085C9AB24}">
+                  <p16:designElem xmlns:p16="http://schemas.microsoft.com/office/powerpoint/2015/main" val="1"/>
+                </p:ext>
+              </p:extLst>
+            </p:nvPr>
+          </p:nvCxnSpPr>
+          <p:spPr>
+            <a:xfrm flipH="1">
+              <a:off x="10918826" y="3683001"/>
+              <a:ext cx="1270001" cy="1269999"/>
+            </a:xfrm>
+            <a:prstGeom prst="line">
+              <a:avLst/>
+            </a:prstGeom>
+            <a:ln w="28575">
+              <a:solidFill>
+                <a:srgbClr val="FFFFFF"/>
+              </a:solidFill>
+            </a:ln>
+          </p:spPr>
+          <p:style>
+            <a:lnRef idx="2">
+              <a:schemeClr val="accent1"/>
+            </a:lnRef>
+            <a:fillRef idx="0">
+              <a:schemeClr val="accent1"/>
+            </a:fillRef>
+            <a:effectRef idx="1">
+              <a:schemeClr val="accent1"/>
+            </a:effectRef>
+            <a:fontRef idx="minor">
+              <a:schemeClr val="tx1"/>
+            </a:fontRef>
+          </p:style>
+        </p:cxnSp>
+      </p:grpSp>
+      <p:sp>
+        <p:nvSpPr>
+          <p:cNvPr id="27" name="Rectangle 26">
+            <a:extLst>
+              <a:ext uri="{FF2B5EF4-FFF2-40B4-BE49-F238E27FC236}">
+                <a16:creationId xmlns:a16="http://schemas.microsoft.com/office/drawing/2014/main" id="{08452CCF-4A27-488A-AAF4-424933CFC925}"/>
+              </a:ext>
+              <a:ext uri="{C183D7F6-B498-43B3-948B-1728B52AA6E4}">
+                <adec:decorative xmlns:adec="http://schemas.microsoft.com/office/drawing/2017/decorative" val="1"/>
+              </a:ext>
+            </a:extLst>
+          </p:cNvPr>
+          <p:cNvSpPr>
+            <a:spLocks noGrp="1" noRot="1" noChangeAspect="1" noMove="1" noResize="1" noEditPoints="1" noAdjustHandles="1" noChangeArrowheads="1" noChangeShapeType="1" noTextEdit="1"/>
+          </p:cNvSpPr>
+          <p:nvPr>
+            <p:extLst>
+              <p:ext uri="{386F3935-93C4-4BCD-93E2-E3B085C9AB24}">
+                <p16:designElem xmlns:p16="http://schemas.microsoft.com/office/powerpoint/2015/main" val="1"/>
+              </p:ext>
+            </p:extLst>
+          </p:nvPr>
+        </p:nvSpPr>
+        <p:spPr>
+          <a:xfrm>
+            <a:off x="1374212" y="0"/>
+            <a:ext cx="4657345" cy="6858000"/>
+          </a:xfrm>
+          <a:prstGeom prst="rect">
+            <a:avLst/>
+          </a:prstGeom>
+          <a:solidFill>
+            <a:schemeClr val="accent1">
+              <a:lumMod val="75000"/>
+            </a:schemeClr>
+          </a:solidFill>
+          <a:ln>
+            <a:noFill/>
+          </a:ln>
+          <a:effectLst/>
+        </p:spPr>
+        <p:style>
+          <a:lnRef idx="2">
+            <a:schemeClr val="accent1">
+              <a:shade val="50000"/>
+            </a:schemeClr>
+          </a:lnRef>
+          <a:fillRef idx="1001">
+            <a:schemeClr val="dk2"/>
+          </a:fillRef>
+          <a:effectRef idx="0">
+            <a:schemeClr val="accent1"/>
+          </a:effectRef>
+          <a:fontRef idx="minor">
+            <a:schemeClr val="lt1"/>
+          </a:fontRef>
+        </p:style>
+        <p:txBody>
+          <a:bodyPr rtlCol="0" anchor="ctr"/>
+          <a:lstStyle/>
+          <a:p>
+            <a:pPr algn="ctr"/>
+            <a:endParaRPr lang="en-US"/>
+          </a:p>
+        </p:txBody>
+      </p:sp>
+      <p:sp>
+        <p:nvSpPr>
+          <p:cNvPr id="2" name="Título 1">
+            <a:extLst>
+              <a:ext uri="{FF2B5EF4-FFF2-40B4-BE49-F238E27FC236}">
+                <a16:creationId xmlns:a16="http://schemas.microsoft.com/office/drawing/2014/main" id="{57F9FEF2-D80A-4ED2-AD0B-77D6E35FDB1B}"/>
+              </a:ext>
+            </a:extLst>
+          </p:cNvPr>
+          <p:cNvSpPr>
+            <a:spLocks noGrp="1"/>
+          </p:cNvSpPr>
+          <p:nvPr>
+            <p:ph type="title"/>
+          </p:nvPr>
+        </p:nvSpPr>
+        <p:spPr>
+          <a:xfrm>
+            <a:off x="789815" y="393592"/>
+            <a:ext cx="5155905" cy="1311812"/>
+          </a:xfrm>
+        </p:spPr>
+        <p:txBody>
+          <a:bodyPr vert="horz" lIns="91440" tIns="45720" rIns="91440" bIns="45720" rtlCol="0" anchor="ctr">
+            <a:normAutofit/>
+          </a:bodyPr>
+          <a:lstStyle/>
+          <a:p>
+            <a:pPr algn="ctr"/>
+            <a:r>
+              <a:rPr lang="es-ES" sz="3200" dirty="0"/>
+              <a:t>7. FIN DEL JUEGO</a:t>
+            </a:r>
+            <a:endParaRPr lang="en-US" sz="3200" dirty="0">
+              <a:solidFill>
+                <a:srgbClr val="FFFFFF"/>
+              </a:solidFill>
+            </a:endParaRPr>
+          </a:p>
+        </p:txBody>
+      </p:sp>
+      <p:pic>
+        <p:nvPicPr>
+          <p:cNvPr id="3" name="Imagen 2">
+            <a:extLst>
+              <a:ext uri="{FF2B5EF4-FFF2-40B4-BE49-F238E27FC236}">
+                <a16:creationId xmlns:a16="http://schemas.microsoft.com/office/drawing/2014/main" id="{D2D129DB-683D-4835-959E-F26CEDF1A4D7}"/>
+              </a:ext>
+            </a:extLst>
+          </p:cNvPr>
+          <p:cNvPicPr>
+            <a:picLocks noChangeAspect="1"/>
+          </p:cNvPicPr>
+          <p:nvPr/>
+        </p:nvPicPr>
+        <p:blipFill>
+          <a:blip r:embed="rId2"/>
+          <a:stretch>
+            <a:fillRect/>
+          </a:stretch>
+        </p:blipFill>
+        <p:spPr>
+          <a:xfrm>
+            <a:off x="2337811" y="4504905"/>
+            <a:ext cx="2834886" cy="896190"/>
+          </a:xfrm>
+          <a:prstGeom prst="rect">
+            <a:avLst/>
+          </a:prstGeom>
+        </p:spPr>
+      </p:pic>
+      <p:pic>
+        <p:nvPicPr>
+          <p:cNvPr id="8" name="Imagen 7">
+            <a:extLst>
+              <a:ext uri="{FF2B5EF4-FFF2-40B4-BE49-F238E27FC236}">
+                <a16:creationId xmlns:a16="http://schemas.microsoft.com/office/drawing/2014/main" id="{605C3B6C-9F40-4F0F-9AFF-3392CED9F542}"/>
+              </a:ext>
+            </a:extLst>
+          </p:cNvPr>
+          <p:cNvPicPr>
+            <a:picLocks noChangeAspect="1"/>
+          </p:cNvPicPr>
+          <p:nvPr/>
+        </p:nvPicPr>
+        <p:blipFill>
+          <a:blip r:embed="rId3"/>
+          <a:stretch>
+            <a:fillRect/>
+          </a:stretch>
+        </p:blipFill>
+        <p:spPr>
+          <a:xfrm>
+            <a:off x="2190279" y="2007049"/>
+            <a:ext cx="2834886" cy="896190"/>
+          </a:xfrm>
+          <a:prstGeom prst="rect">
+            <a:avLst/>
+          </a:prstGeom>
+        </p:spPr>
+      </p:pic>
+      <p:sp>
+        <p:nvSpPr>
+          <p:cNvPr id="26" name="Marcador de texto 3">
+            <a:extLst>
+              <a:ext uri="{FF2B5EF4-FFF2-40B4-BE49-F238E27FC236}">
+                <a16:creationId xmlns:a16="http://schemas.microsoft.com/office/drawing/2014/main" id="{C926491B-5B75-4B4C-8EE9-009EC9230646}"/>
+              </a:ext>
+            </a:extLst>
+          </p:cNvPr>
+          <p:cNvSpPr txBox="1">
+            <a:spLocks/>
+          </p:cNvSpPr>
+          <p:nvPr/>
+        </p:nvSpPr>
+        <p:spPr>
+          <a:xfrm>
+            <a:off x="6031557" y="1845839"/>
+            <a:ext cx="6021388" cy="1477328"/>
+          </a:xfrm>
+          <a:prstGeom prst="rect">
+            <a:avLst/>
+          </a:prstGeom>
+        </p:spPr>
+        <p:txBody>
+          <a:bodyPr vert="horz" lIns="91440" tIns="45720" rIns="91440" bIns="45720" rtlCol="0" anchor="t">
+            <a:normAutofit/>
+          </a:bodyPr>
+          <a:lstStyle>
+            <a:lvl1pPr marL="0" indent="0" algn="l" defTabSz="457200" rtl="0" eaLnBrk="1" latinLnBrk="0" hangingPunct="1">
+              <a:spcBef>
+                <a:spcPct val="20000"/>
+              </a:spcBef>
+              <a:spcAft>
+                <a:spcPts val="600"/>
+              </a:spcAft>
+              <a:buClr>
+                <a:schemeClr val="tx1"/>
+              </a:buClr>
+              <a:buSzPct val="80000"/>
+              <a:buFont typeface="Wingdings 3" panose="05040102010807070707" pitchFamily="18" charset="2"/>
+              <a:buNone/>
+              <a:defRPr sz="1800" kern="1200" cap="none">
+                <a:solidFill>
+                  <a:schemeClr val="bg2">
+                    <a:lumMod val="75000"/>
+                  </a:schemeClr>
+                </a:solidFill>
+                <a:effectLst/>
+                <a:latin typeface="+mn-lt"/>
+                <a:ea typeface="+mn-ea"/>
+                <a:cs typeface="+mn-cs"/>
+              </a:defRPr>
+            </a:lvl1pPr>
+            <a:lvl2pPr marL="457200" indent="0" algn="l" defTabSz="457200" rtl="0" eaLnBrk="1" latinLnBrk="0" hangingPunct="1">
+              <a:spcBef>
+                <a:spcPct val="20000"/>
+              </a:spcBef>
+              <a:spcAft>
+                <a:spcPts val="600"/>
+              </a:spcAft>
+              <a:buClr>
+                <a:schemeClr val="tx1"/>
+              </a:buClr>
+              <a:buSzPct val="80000"/>
+              <a:buFont typeface="Wingdings 3" panose="05040102010807070707" pitchFamily="18" charset="2"/>
+              <a:buNone/>
+              <a:defRPr sz="1200" kern="1200" cap="none">
+                <a:solidFill>
+                  <a:schemeClr val="bg2">
+                    <a:lumMod val="75000"/>
+                  </a:schemeClr>
+                </a:solidFill>
+                <a:effectLst/>
+                <a:latin typeface="+mn-lt"/>
+                <a:ea typeface="+mn-ea"/>
+                <a:cs typeface="+mn-cs"/>
+              </a:defRPr>
+            </a:lvl2pPr>
+            <a:lvl3pPr marL="914400" indent="0" algn="l" defTabSz="457200" rtl="0" eaLnBrk="1" latinLnBrk="0" hangingPunct="1">
+              <a:spcBef>
+                <a:spcPct val="20000"/>
+              </a:spcBef>
+              <a:spcAft>
+                <a:spcPts val="600"/>
+              </a:spcAft>
+              <a:buClr>
+                <a:schemeClr val="tx1"/>
+              </a:buClr>
+              <a:buSzPct val="80000"/>
+              <a:buFont typeface="Wingdings 3" panose="05040102010807070707" pitchFamily="18" charset="2"/>
+              <a:buNone/>
+              <a:defRPr sz="1000" kern="1200" cap="none">
+                <a:solidFill>
+                  <a:schemeClr val="bg2">
+                    <a:lumMod val="75000"/>
+                  </a:schemeClr>
+                </a:solidFill>
+                <a:effectLst/>
+                <a:latin typeface="+mn-lt"/>
+                <a:ea typeface="+mn-ea"/>
+                <a:cs typeface="+mn-cs"/>
+              </a:defRPr>
+            </a:lvl3pPr>
+            <a:lvl4pPr marL="1371600" indent="0" algn="l" defTabSz="457200" rtl="0" eaLnBrk="1" latinLnBrk="0" hangingPunct="1">
+              <a:spcBef>
+                <a:spcPct val="20000"/>
+              </a:spcBef>
+              <a:spcAft>
+                <a:spcPts val="600"/>
+              </a:spcAft>
+              <a:buClr>
+                <a:schemeClr val="tx1"/>
+              </a:buClr>
+              <a:buSzPct val="80000"/>
+              <a:buFont typeface="Wingdings 3" panose="05040102010807070707" pitchFamily="18" charset="2"/>
+              <a:buNone/>
+              <a:defRPr sz="900" kern="1200" cap="none">
+                <a:solidFill>
+                  <a:schemeClr val="bg2">
+                    <a:lumMod val="75000"/>
+                  </a:schemeClr>
+                </a:solidFill>
+                <a:effectLst/>
+                <a:latin typeface="+mn-lt"/>
+                <a:ea typeface="+mn-ea"/>
+                <a:cs typeface="+mn-cs"/>
+              </a:defRPr>
+            </a:lvl4pPr>
+            <a:lvl5pPr marL="1828800" indent="0" algn="l" defTabSz="457200" rtl="0" eaLnBrk="1" latinLnBrk="0" hangingPunct="1">
+              <a:spcBef>
+                <a:spcPct val="20000"/>
+              </a:spcBef>
+              <a:spcAft>
+                <a:spcPts val="600"/>
+              </a:spcAft>
+              <a:buClr>
+                <a:schemeClr val="tx1"/>
+              </a:buClr>
+              <a:buSzPct val="80000"/>
+              <a:buFont typeface="Wingdings 3" panose="05040102010807070707" pitchFamily="18" charset="2"/>
+              <a:buNone/>
+              <a:defRPr sz="900" kern="1200" cap="none">
+                <a:solidFill>
+                  <a:schemeClr val="bg2">
+                    <a:lumMod val="75000"/>
+                  </a:schemeClr>
+                </a:solidFill>
+                <a:effectLst/>
+                <a:latin typeface="+mn-lt"/>
+                <a:ea typeface="+mn-ea"/>
+                <a:cs typeface="+mn-cs"/>
+              </a:defRPr>
+            </a:lvl5pPr>
+            <a:lvl6pPr marL="2286000" indent="0" algn="l" defTabSz="457200" rtl="0" eaLnBrk="1" latinLnBrk="0" hangingPunct="1">
+              <a:spcBef>
+                <a:spcPct val="20000"/>
+              </a:spcBef>
+              <a:spcAft>
+                <a:spcPts val="600"/>
+              </a:spcAft>
+              <a:buClr>
+                <a:schemeClr val="tx1"/>
+              </a:buClr>
+              <a:buSzPct val="80000"/>
+              <a:buFont typeface="Wingdings 3" panose="05040102010807070707" pitchFamily="18" charset="2"/>
+              <a:buNone/>
+              <a:defRPr sz="900" kern="1200" cap="none">
+                <a:solidFill>
+                  <a:schemeClr val="bg2">
+                    <a:lumMod val="75000"/>
+                  </a:schemeClr>
+                </a:solidFill>
+                <a:effectLst/>
+                <a:latin typeface="+mn-lt"/>
+                <a:ea typeface="+mn-ea"/>
+                <a:cs typeface="+mn-cs"/>
+              </a:defRPr>
+            </a:lvl6pPr>
+            <a:lvl7pPr marL="2743200" indent="0" algn="l" defTabSz="457200" rtl="0" eaLnBrk="1" latinLnBrk="0" hangingPunct="1">
+              <a:spcBef>
+                <a:spcPct val="20000"/>
+              </a:spcBef>
+              <a:spcAft>
+                <a:spcPts val="600"/>
+              </a:spcAft>
+              <a:buClr>
+                <a:schemeClr val="tx1"/>
+              </a:buClr>
+              <a:buSzPct val="80000"/>
+              <a:buFont typeface="Wingdings 3" panose="05040102010807070707" pitchFamily="18" charset="2"/>
+              <a:buNone/>
+              <a:defRPr sz="900" kern="1200" cap="none">
+                <a:solidFill>
+                  <a:schemeClr val="bg2">
+                    <a:lumMod val="75000"/>
+                  </a:schemeClr>
+                </a:solidFill>
+                <a:effectLst/>
+                <a:latin typeface="+mn-lt"/>
+                <a:ea typeface="+mn-ea"/>
+                <a:cs typeface="+mn-cs"/>
+              </a:defRPr>
+            </a:lvl7pPr>
+            <a:lvl8pPr marL="3200400" indent="0" algn="l" defTabSz="457200" rtl="0" eaLnBrk="1" latinLnBrk="0" hangingPunct="1">
+              <a:spcBef>
+                <a:spcPct val="20000"/>
+              </a:spcBef>
+              <a:spcAft>
+                <a:spcPts val="600"/>
+              </a:spcAft>
+              <a:buClr>
+                <a:schemeClr val="tx1"/>
+              </a:buClr>
+              <a:buSzPct val="80000"/>
+              <a:buFont typeface="Wingdings 3" panose="05040102010807070707" pitchFamily="18" charset="2"/>
+              <a:buNone/>
+              <a:defRPr sz="900" kern="1200" cap="none">
+                <a:solidFill>
+                  <a:schemeClr val="bg2">
+                    <a:lumMod val="75000"/>
+                  </a:schemeClr>
+                </a:solidFill>
+                <a:effectLst/>
+                <a:latin typeface="+mn-lt"/>
+                <a:ea typeface="+mn-ea"/>
+                <a:cs typeface="+mn-cs"/>
+              </a:defRPr>
+            </a:lvl8pPr>
+            <a:lvl9pPr marL="3657600" indent="0" algn="l" defTabSz="457200" rtl="0" eaLnBrk="1" latinLnBrk="0" hangingPunct="1">
+              <a:spcBef>
+                <a:spcPct val="20000"/>
+              </a:spcBef>
+              <a:spcAft>
+                <a:spcPts val="600"/>
+              </a:spcAft>
+              <a:buClr>
+                <a:schemeClr val="tx1"/>
+              </a:buClr>
+              <a:buSzPct val="80000"/>
+              <a:buFont typeface="Wingdings 3" panose="05040102010807070707" pitchFamily="18" charset="2"/>
+              <a:buNone/>
+              <a:defRPr sz="900" kern="1200" cap="none">
+                <a:solidFill>
+                  <a:schemeClr val="bg2">
+                    <a:lumMod val="75000"/>
+                  </a:schemeClr>
+                </a:solidFill>
+                <a:effectLst/>
+                <a:latin typeface="+mn-lt"/>
+                <a:ea typeface="+mn-ea"/>
+                <a:cs typeface="+mn-cs"/>
+              </a:defRPr>
+            </a:lvl9pPr>
+          </a:lstStyle>
+          <a:p>
+            <a:r>
+              <a:rPr lang="es-ES" dirty="0">
+                <a:solidFill>
+                  <a:schemeClr val="tx1"/>
+                </a:solidFill>
+              </a:rPr>
+              <a:t>Finalmente, si el jugador consigue llevar a la rana al final de la carretera aparecerá un mensaje diciendo que ha ganado el juego y el programa se cerrará mostrando la información de la victoria.</a:t>
+            </a:r>
+          </a:p>
+        </p:txBody>
+      </p:sp>
+      <p:sp>
+        <p:nvSpPr>
+          <p:cNvPr id="28" name="CuadroTexto 27">
+            <a:extLst>
+              <a:ext uri="{FF2B5EF4-FFF2-40B4-BE49-F238E27FC236}">
+                <a16:creationId xmlns:a16="http://schemas.microsoft.com/office/drawing/2014/main" id="{667EB6AB-796F-4DDF-9B89-6A2A70CAB9F8}"/>
               </a:ext>
             </a:extLst>
           </p:cNvPr>
@@ -9323,8 +10732,8 @@
         </p:nvSpPr>
         <p:spPr>
           <a:xfrm>
-            <a:off x="9757786" y="116708"/>
-            <a:ext cx="1880221" cy="369332"/>
+            <a:off x="6031558" y="4458949"/>
+            <a:ext cx="6021387" cy="1477328"/>
           </a:xfrm>
           <a:prstGeom prst="rect">
             <a:avLst/>
@@ -9338,18 +10747,49 @@
           <a:lstStyle/>
           <a:p>
             <a:r>
-              <a:rPr lang="es-ES" dirty="0">
-                <a:latin typeface="Lucida Bright" panose="02040602050505020304" pitchFamily="18" charset="0"/>
-              </a:rPr>
-              <a:t>Organización</a:t>
-            </a:r>
-          </a:p>
-        </p:txBody>
-      </p:sp>
+              <a:rPr lang="es-ES" dirty="0"/>
+              <a:t>Por el contrario, si el jugador no consigue llegar al final de la carretera y se le acaban las vidas, aparecerá un mensaje diciendo que ha perdido y el programa se cerrará.</a:t>
+            </a:r>
+          </a:p>
+          <a:p>
+            <a:endParaRPr lang="es-ES" dirty="0"/>
+          </a:p>
+        </p:txBody>
+      </p:sp>
+      <p:pic>
+        <p:nvPicPr>
+          <p:cNvPr id="19" name="Imagen 18">
+            <a:extLst>
+              <a:ext uri="{FF2B5EF4-FFF2-40B4-BE49-F238E27FC236}">
+                <a16:creationId xmlns:a16="http://schemas.microsoft.com/office/drawing/2014/main" id="{E8D15D52-5FB8-45E1-A7A3-D77046914CD8}"/>
+              </a:ext>
+            </a:extLst>
+          </p:cNvPr>
+          <p:cNvPicPr>
+            <a:picLocks noChangeAspect="1"/>
+          </p:cNvPicPr>
+          <p:nvPr/>
+        </p:nvPicPr>
+        <p:blipFill>
+          <a:blip r:embed="rId4"/>
+          <a:stretch>
+            <a:fillRect/>
+          </a:stretch>
+        </p:blipFill>
+        <p:spPr>
+          <a:xfrm>
+            <a:off x="5117078" y="592258"/>
+            <a:ext cx="914479" cy="914479"/>
+          </a:xfrm>
+          <a:prstGeom prst="rect">
+            <a:avLst/>
+          </a:prstGeom>
+        </p:spPr>
+      </p:pic>
     </p:spTree>
     <p:extLst>
       <p:ext uri="{BB962C8B-B14F-4D97-AF65-F5344CB8AC3E}">
-        <p14:creationId xmlns:p14="http://schemas.microsoft.com/office/powerpoint/2010/main" val="1373219211"/>
+        <p14:creationId xmlns:p14="http://schemas.microsoft.com/office/powerpoint/2010/main" val="2800329488"/>
       </p:ext>
     </p:extLst>
   </p:cSld>
@@ -9631,4 +11071,207 @@
     </a:ext>
   </a:extLst>
 </a:theme>
+</file>
+
+<file path=customXml/item1.xml><?xml version="1.0" encoding="utf-8"?>
+<ct:contentTypeSchema xmlns:ct="http://schemas.microsoft.com/office/2006/metadata/contentType" xmlns:ma="http://schemas.microsoft.com/office/2006/metadata/properties/metaAttributes" ct:_="" ma:_="" ma:contentTypeName="Documento" ma:contentTypeID="0x010100924BC1BD0483B04D914EFE9F60034604" ma:contentTypeVersion="4" ma:contentTypeDescription="Crear nuevo documento." ma:contentTypeScope="" ma:versionID="6d24fb2f542aa25943fe7f7abc8ee3c1">
+  <xsd:schema xmlns:xsd="http://www.w3.org/2001/XMLSchema" xmlns:xs="http://www.w3.org/2001/XMLSchema" xmlns:p="http://schemas.microsoft.com/office/2006/metadata/properties" xmlns:ns3="51cc9c91-9142-4d74-96a2-3b368bf3b5bb" targetNamespace="http://schemas.microsoft.com/office/2006/metadata/properties" ma:root="true" ma:fieldsID="8c67a9b7b11086cb115e570c04b95045" ns3:_="">
+    <xsd:import namespace="51cc9c91-9142-4d74-96a2-3b368bf3b5bb"/>
+    <xsd:element name="properties">
+      <xsd:complexType>
+        <xsd:sequence>
+          <xsd:element name="documentManagement">
+            <xsd:complexType>
+              <xsd:all>
+                <xsd:element ref="ns3:MediaServiceMetadata" minOccurs="0"/>
+                <xsd:element ref="ns3:MediaServiceFastMetadata" minOccurs="0"/>
+                <xsd:element ref="ns3:MediaServiceAutoKeyPoints" minOccurs="0"/>
+                <xsd:element ref="ns3:MediaServiceKeyPoints" minOccurs="0"/>
+              </xsd:all>
+            </xsd:complexType>
+          </xsd:element>
+        </xsd:sequence>
+      </xsd:complexType>
+    </xsd:element>
+  </xsd:schema>
+  <xsd:schema xmlns:xsd="http://www.w3.org/2001/XMLSchema" xmlns:xs="http://www.w3.org/2001/XMLSchema" xmlns:dms="http://schemas.microsoft.com/office/2006/documentManagement/types" xmlns:pc="http://schemas.microsoft.com/office/infopath/2007/PartnerControls" targetNamespace="51cc9c91-9142-4d74-96a2-3b368bf3b5bb" elementFormDefault="qualified">
+    <xsd:import namespace="http://schemas.microsoft.com/office/2006/documentManagement/types"/>
+    <xsd:import namespace="http://schemas.microsoft.com/office/infopath/2007/PartnerControls"/>
+    <xsd:element name="MediaServiceMetadata" ma:index="8" nillable="true" ma:displayName="MediaServiceMetadata" ma:hidden="true" ma:internalName="MediaServiceMetadata" ma:readOnly="true">
+      <xsd:simpleType>
+        <xsd:restriction base="dms:Note"/>
+      </xsd:simpleType>
+    </xsd:element>
+    <xsd:element name="MediaServiceFastMetadata" ma:index="9" nillable="true" ma:displayName="MediaServiceFastMetadata" ma:hidden="true" ma:internalName="MediaServiceFastMetadata" ma:readOnly="true">
+      <xsd:simpleType>
+        <xsd:restriction base="dms:Note"/>
+      </xsd:simpleType>
+    </xsd:element>
+    <xsd:element name="MediaServiceAutoKeyPoints" ma:index="10" nillable="true" ma:displayName="MediaServiceAutoKeyPoints" ma:hidden="true" ma:internalName="MediaServiceAutoKeyPoints" ma:readOnly="true">
+      <xsd:simpleType>
+        <xsd:restriction base="dms:Note"/>
+      </xsd:simpleType>
+    </xsd:element>
+    <xsd:element name="MediaServiceKeyPoints" ma:index="11" nillable="true" ma:displayName="KeyPoints" ma:internalName="MediaServiceKeyPoints" ma:readOnly="true">
+      <xsd:simpleType>
+        <xsd:restriction base="dms:Note">
+          <xsd:maxLength value="255"/>
+        </xsd:restriction>
+      </xsd:simpleType>
+    </xsd:element>
+  </xsd:schema>
+  <xsd:schema xmlns="http://schemas.openxmlformats.org/package/2006/metadata/core-properties" xmlns:xsd="http://www.w3.org/2001/XMLSchema" xmlns:xsi="http://www.w3.org/2001/XMLSchema-instance" xmlns:dc="http://purl.org/dc/elements/1.1/" xmlns:dcterms="http://purl.org/dc/terms/" xmlns:odoc="http://schemas.microsoft.com/internal/obd" targetNamespace="http://schemas.openxmlformats.org/package/2006/metadata/core-properties" elementFormDefault="qualified" attributeFormDefault="unqualified" blockDefault="#all">
+    <xsd:import namespace="http://purl.org/dc/elements/1.1/" schemaLocation="http://dublincore.org/schemas/xmls/qdc/2003/04/02/dc.xsd"/>
+    <xsd:import namespace="http://purl.org/dc/terms/" schemaLocation="http://dublincore.org/schemas/xmls/qdc/2003/04/02/dcterms.xsd"/>
+    <xsd:element name="coreProperties" type="CT_coreProperties"/>
+    <xsd:complexType name="CT_coreProperties">
+      <xsd:all>
+        <xsd:element ref="dc:creator" minOccurs="0" maxOccurs="1"/>
+        <xsd:element ref="dcterms:created" minOccurs="0" maxOccurs="1"/>
+        <xsd:element ref="dc:identifier" minOccurs="0" maxOccurs="1"/>
+        <xsd:element name="contentType" minOccurs="0" maxOccurs="1" type="xsd:string" ma:index="0" ma:displayName="Tipo de contenido"/>
+        <xsd:element ref="dc:title" minOccurs="0" maxOccurs="1" ma:index="4" ma:displayName="Título"/>
+        <xsd:element ref="dc:subject" minOccurs="0" maxOccurs="1"/>
+        <xsd:element ref="dc:description" minOccurs="0" maxOccurs="1"/>
+        <xsd:element name="keywords" minOccurs="0" maxOccurs="1" type="xsd:string"/>
+        <xsd:element ref="dc:language" minOccurs="0" maxOccurs="1"/>
+        <xsd:element name="category" minOccurs="0" maxOccurs="1" type="xsd:string"/>
+        <xsd:element name="version" minOccurs="0" maxOccurs="1" type="xsd:string"/>
+        <xsd:element name="revision" minOccurs="0" maxOccurs="1" type="xsd:string">
+          <xsd:annotation>
+            <xsd:documentation>
+                        This value indicates the number of saves or revisions. The application is responsible for updating this value after each revision.
+                    </xsd:documentation>
+          </xsd:annotation>
+        </xsd:element>
+        <xsd:element name="lastModifiedBy" minOccurs="0" maxOccurs="1" type="xsd:string"/>
+        <xsd:element ref="dcterms:modified" minOccurs="0" maxOccurs="1"/>
+        <xsd:element name="contentStatus" minOccurs="0" maxOccurs="1" type="xsd:string"/>
+      </xsd:all>
+    </xsd:complexType>
+  </xsd:schema>
+  <xs:schema xmlns:pc="http://schemas.microsoft.com/office/infopath/2007/PartnerControls" xmlns:xs="http://www.w3.org/2001/XMLSchema" targetNamespace="http://schemas.microsoft.com/office/infopath/2007/PartnerControls" elementFormDefault="qualified" attributeFormDefault="unqualified">
+    <xs:element name="Person">
+      <xs:complexType>
+        <xs:sequence>
+          <xs:element ref="pc:DisplayName" minOccurs="0"/>
+          <xs:element ref="pc:AccountId" minOccurs="0"/>
+          <xs:element ref="pc:AccountType" minOccurs="0"/>
+        </xs:sequence>
+      </xs:complexType>
+    </xs:element>
+    <xs:element name="DisplayName" type="xs:string"/>
+    <xs:element name="AccountId" type="xs:string"/>
+    <xs:element name="AccountType" type="xs:string"/>
+    <xs:element name="BDCAssociatedEntity">
+      <xs:complexType>
+        <xs:sequence>
+          <xs:element ref="pc:BDCEntity" minOccurs="0" maxOccurs="unbounded"/>
+        </xs:sequence>
+        <xs:attribute ref="pc:EntityNamespace"/>
+        <xs:attribute ref="pc:EntityName"/>
+        <xs:attribute ref="pc:SystemInstanceName"/>
+        <xs:attribute ref="pc:AssociationName"/>
+      </xs:complexType>
+    </xs:element>
+    <xs:attribute name="EntityNamespace" type="xs:string"/>
+    <xs:attribute name="EntityName" type="xs:string"/>
+    <xs:attribute name="SystemInstanceName" type="xs:string"/>
+    <xs:attribute name="AssociationName" type="xs:string"/>
+    <xs:element name="BDCEntity">
+      <xs:complexType>
+        <xs:sequence>
+          <xs:element ref="pc:EntityDisplayName" minOccurs="0"/>
+          <xs:element ref="pc:EntityInstanceReference" minOccurs="0"/>
+          <xs:element ref="pc:EntityId1" minOccurs="0"/>
+          <xs:element ref="pc:EntityId2" minOccurs="0"/>
+          <xs:element ref="pc:EntityId3" minOccurs="0"/>
+          <xs:element ref="pc:EntityId4" minOccurs="0"/>
+          <xs:element ref="pc:EntityId5" minOccurs="0"/>
+        </xs:sequence>
+      </xs:complexType>
+    </xs:element>
+    <xs:element name="EntityDisplayName" type="xs:string"/>
+    <xs:element name="EntityInstanceReference" type="xs:string"/>
+    <xs:element name="EntityId1" type="xs:string"/>
+    <xs:element name="EntityId2" type="xs:string"/>
+    <xs:element name="EntityId3" type="xs:string"/>
+    <xs:element name="EntityId4" type="xs:string"/>
+    <xs:element name="EntityId5" type="xs:string"/>
+    <xs:element name="Terms">
+      <xs:complexType>
+        <xs:sequence>
+          <xs:element ref="pc:TermInfo" minOccurs="0" maxOccurs="unbounded"/>
+        </xs:sequence>
+      </xs:complexType>
+    </xs:element>
+    <xs:element name="TermInfo">
+      <xs:complexType>
+        <xs:sequence>
+          <xs:element ref="pc:TermName" minOccurs="0"/>
+          <xs:element ref="pc:TermId" minOccurs="0"/>
+        </xs:sequence>
+      </xs:complexType>
+    </xs:element>
+    <xs:element name="TermName" type="xs:string"/>
+    <xs:element name="TermId" type="xs:string"/>
+  </xs:schema>
+</ct:contentTypeSchema>
+</file>
+
+<file path=customXml/item2.xml><?xml version="1.0" encoding="utf-8"?>
+<p:properties xmlns:p="http://schemas.microsoft.com/office/2006/metadata/properties" xmlns:xsi="http://www.w3.org/2001/XMLSchema-instance" xmlns:pc="http://schemas.microsoft.com/office/infopath/2007/PartnerControls">
+  <documentManagement/>
+</p:properties>
+</file>
+
+<file path=customXml/item3.xml><?xml version="1.0" encoding="utf-8"?>
+<?mso-contentType ?>
+<FormTemplates xmlns="http://schemas.microsoft.com/sharepoint/v3/contenttype/forms">
+  <Display>DocumentLibraryForm</Display>
+  <Edit>DocumentLibraryForm</Edit>
+  <New>DocumentLibraryForm</New>
+</FormTemplates>
+</file>
+
+<file path=customXml/itemProps1.xml><?xml version="1.0" encoding="utf-8"?>
+<ds:datastoreItem xmlns:ds="http://schemas.openxmlformats.org/officeDocument/2006/customXml" ds:itemID="{54BC7094-F84A-4FD1-87C2-900117B9D5FC}">
+  <ds:schemaRefs>
+    <ds:schemaRef ds:uri="http://schemas.microsoft.com/office/2006/metadata/contentType"/>
+    <ds:schemaRef ds:uri="http://schemas.microsoft.com/office/2006/metadata/properties/metaAttributes"/>
+    <ds:schemaRef ds:uri="http://www.w3.org/2001/XMLSchema"/>
+    <ds:schemaRef ds:uri="http://schemas.microsoft.com/office/2006/metadata/properties"/>
+    <ds:schemaRef ds:uri="51cc9c91-9142-4d74-96a2-3b368bf3b5bb"/>
+    <ds:schemaRef ds:uri="http://schemas.microsoft.com/office/2006/documentManagement/types"/>
+    <ds:schemaRef ds:uri="http://schemas.microsoft.com/office/infopath/2007/PartnerControls"/>
+    <ds:schemaRef ds:uri="http://schemas.openxmlformats.org/package/2006/metadata/core-properties"/>
+    <ds:schemaRef ds:uri="http://purl.org/dc/elements/1.1/"/>
+    <ds:schemaRef ds:uri="http://purl.org/dc/terms/"/>
+    <ds:schemaRef ds:uri="http://schemas.microsoft.com/internal/obd"/>
+  </ds:schemaRefs>
+</ds:datastoreItem>
+</file>
+
+<file path=customXml/itemProps2.xml><?xml version="1.0" encoding="utf-8"?>
+<ds:datastoreItem xmlns:ds="http://schemas.openxmlformats.org/officeDocument/2006/customXml" ds:itemID="{30550C88-98D9-4B82-BB21-8B3F92243293}">
+  <ds:schemaRefs>
+    <ds:schemaRef ds:uri="http://www.w3.org/XML/1998/namespace"/>
+    <ds:schemaRef ds:uri="http://purl.org/dc/elements/1.1/"/>
+    <ds:schemaRef ds:uri="http://schemas.microsoft.com/office/2006/metadata/properties"/>
+    <ds:schemaRef ds:uri="http://schemas.microsoft.com/office/2006/documentManagement/types"/>
+    <ds:schemaRef ds:uri="http://schemas.microsoft.com/office/infopath/2007/PartnerControls"/>
+    <ds:schemaRef ds:uri="http://purl.org/dc/terms/"/>
+    <ds:schemaRef ds:uri="http://purl.org/dc/dcmitype/"/>
+    <ds:schemaRef ds:uri="http://schemas.openxmlformats.org/package/2006/metadata/core-properties"/>
+    <ds:schemaRef ds:uri="51cc9c91-9142-4d74-96a2-3b368bf3b5bb"/>
+  </ds:schemaRefs>
+</ds:datastoreItem>
+</file>
+
+<file path=customXml/itemProps3.xml><?xml version="1.0" encoding="utf-8"?>
+<ds:datastoreItem xmlns:ds="http://schemas.openxmlformats.org/officeDocument/2006/customXml" ds:itemID="{5FE5BC89-38EB-4223-A2DD-E826B783A6A9}">
+  <ds:schemaRefs>
+    <ds:schemaRef ds:uri="http://schemas.microsoft.com/sharepoint/v3/contenttype/forms"/>
+  </ds:schemaRefs>
+</ds:datastoreItem>
 </file>
--- a/CROSS the road.pptx
+++ b/CROSS the road.pptx
@@ -331,7 +331,7 @@
             <a:fld id="{B61BEF0D-F0BB-DE4B-95CE-6DB70DBA9567}" type="datetimeFigureOut">
               <a:rPr lang="en-US" dirty="0"/>
               <a:pPr/>
-              <a:t>5/24/2020</a:t>
+              <a:t>5/25/2020</a:t>
             </a:fld>
             <a:endParaRPr lang="en-US" dirty="0"/>
           </a:p>
@@ -764,7 +764,7 @@
             <a:fld id="{B61BEF0D-F0BB-DE4B-95CE-6DB70DBA9567}" type="datetimeFigureOut">
               <a:rPr lang="en-US" dirty="0"/>
               <a:pPr/>
-              <a:t>5/24/2020</a:t>
+              <a:t>5/25/2020</a:t>
             </a:fld>
             <a:endParaRPr lang="en-US" dirty="0"/>
           </a:p>
@@ -1011,7 +1011,7 @@
             <a:fld id="{B61BEF0D-F0BB-DE4B-95CE-6DB70DBA9567}" type="datetimeFigureOut">
               <a:rPr lang="en-US" dirty="0"/>
               <a:pPr/>
-              <a:t>5/24/2020</a:t>
+              <a:t>5/25/2020</a:t>
             </a:fld>
             <a:endParaRPr lang="en-US" dirty="0"/>
           </a:p>
@@ -1316,7 +1316,7 @@
             <a:fld id="{B61BEF0D-F0BB-DE4B-95CE-6DB70DBA9567}" type="datetimeFigureOut">
               <a:rPr lang="en-US" dirty="0"/>
               <a:pPr/>
-              <a:t>5/24/2020</a:t>
+              <a:t>5/25/2020</a:t>
             </a:fld>
             <a:endParaRPr lang="en-US" dirty="0"/>
           </a:p>
@@ -1631,7 +1631,7 @@
             <a:fld id="{B61BEF0D-F0BB-DE4B-95CE-6DB70DBA9567}" type="datetimeFigureOut">
               <a:rPr lang="en-US" dirty="0"/>
               <a:pPr/>
-              <a:t>5/24/2020</a:t>
+              <a:t>5/25/2020</a:t>
             </a:fld>
             <a:endParaRPr lang="en-US" dirty="0"/>
           </a:p>
@@ -1930,7 +1930,7 @@
             <a:fld id="{B61BEF0D-F0BB-DE4B-95CE-6DB70DBA9567}" type="datetimeFigureOut">
               <a:rPr lang="en-US" dirty="0"/>
               <a:pPr/>
-              <a:t>5/24/2020</a:t>
+              <a:t>5/25/2020</a:t>
             </a:fld>
             <a:endParaRPr lang="en-US" dirty="0"/>
           </a:p>
@@ -2294,7 +2294,7 @@
             <a:fld id="{B61BEF0D-F0BB-DE4B-95CE-6DB70DBA9567}" type="datetimeFigureOut">
               <a:rPr lang="en-US" dirty="0"/>
               <a:pPr/>
-              <a:t>5/24/2020</a:t>
+              <a:t>5/25/2020</a:t>
             </a:fld>
             <a:endParaRPr lang="en-US" dirty="0"/>
           </a:p>
@@ -2465,7 +2465,7 @@
             <a:fld id="{B61BEF0D-F0BB-DE4B-95CE-6DB70DBA9567}" type="datetimeFigureOut">
               <a:rPr lang="en-US" dirty="0"/>
               <a:pPr/>
-              <a:t>5/24/2020</a:t>
+              <a:t>5/25/2020</a:t>
             </a:fld>
             <a:endParaRPr lang="en-US" dirty="0"/>
           </a:p>
@@ -2642,7 +2642,7 @@
             <a:fld id="{B61BEF0D-F0BB-DE4B-95CE-6DB70DBA9567}" type="datetimeFigureOut">
               <a:rPr lang="en-US" dirty="0"/>
               <a:pPr/>
-              <a:t>5/24/2020</a:t>
+              <a:t>5/25/2020</a:t>
             </a:fld>
             <a:endParaRPr lang="en-US" dirty="0"/>
           </a:p>
@@ -2809,7 +2809,7 @@
             <a:fld id="{B61BEF0D-F0BB-DE4B-95CE-6DB70DBA9567}" type="datetimeFigureOut">
               <a:rPr lang="en-US" dirty="0"/>
               <a:pPr/>
-              <a:t>5/24/2020</a:t>
+              <a:t>5/25/2020</a:t>
             </a:fld>
             <a:endParaRPr lang="en-US" dirty="0"/>
           </a:p>
@@ -3056,7 +3056,7 @@
             <a:fld id="{B61BEF0D-F0BB-DE4B-95CE-6DB70DBA9567}" type="datetimeFigureOut">
               <a:rPr lang="en-US" dirty="0"/>
               <a:pPr/>
-              <a:t>5/24/2020</a:t>
+              <a:t>5/25/2020</a:t>
             </a:fld>
             <a:endParaRPr lang="en-US" dirty="0"/>
           </a:p>
@@ -3289,7 +3289,7 @@
             <a:fld id="{B61BEF0D-F0BB-DE4B-95CE-6DB70DBA9567}" type="datetimeFigureOut">
               <a:rPr lang="en-US" dirty="0"/>
               <a:pPr/>
-              <a:t>5/24/2020</a:t>
+              <a:t>5/25/2020</a:t>
             </a:fld>
             <a:endParaRPr lang="en-US" dirty="0"/>
           </a:p>
@@ -3668,7 +3668,7 @@
             <a:fld id="{B61BEF0D-F0BB-DE4B-95CE-6DB70DBA9567}" type="datetimeFigureOut">
               <a:rPr lang="en-US" dirty="0"/>
               <a:pPr/>
-              <a:t>5/24/2020</a:t>
+              <a:t>5/25/2020</a:t>
             </a:fld>
             <a:endParaRPr lang="en-US" dirty="0"/>
           </a:p>
@@ -3783,7 +3783,7 @@
             <a:fld id="{B61BEF0D-F0BB-DE4B-95CE-6DB70DBA9567}" type="datetimeFigureOut">
               <a:rPr lang="en-US" dirty="0"/>
               <a:pPr/>
-              <a:t>5/24/2020</a:t>
+              <a:t>5/25/2020</a:t>
             </a:fld>
             <a:endParaRPr lang="en-US" dirty="0"/>
           </a:p>
@@ -3875,7 +3875,7 @@
             <a:fld id="{B61BEF0D-F0BB-DE4B-95CE-6DB70DBA9567}" type="datetimeFigureOut">
               <a:rPr lang="en-US" dirty="0"/>
               <a:pPr/>
-              <a:t>5/24/2020</a:t>
+              <a:t>5/25/2020</a:t>
             </a:fld>
             <a:endParaRPr lang="en-US" dirty="0"/>
           </a:p>
@@ -4127,7 +4127,7 @@
             <a:fld id="{B61BEF0D-F0BB-DE4B-95CE-6DB70DBA9567}" type="datetimeFigureOut">
               <a:rPr lang="en-US" dirty="0"/>
               <a:pPr/>
-              <a:t>5/24/2020</a:t>
+              <a:t>5/25/2020</a:t>
             </a:fld>
             <a:endParaRPr lang="en-US" dirty="0"/>
           </a:p>
@@ -4407,7 +4407,7 @@
             <a:fld id="{B61BEF0D-F0BB-DE4B-95CE-6DB70DBA9567}" type="datetimeFigureOut">
               <a:rPr lang="en-US" dirty="0"/>
               <a:pPr/>
-              <a:t>5/24/2020</a:t>
+              <a:t>5/25/2020</a:t>
             </a:fld>
             <a:endParaRPr lang="en-US" dirty="0"/>
           </a:p>
@@ -4810,7 +4810,7 @@
             <a:fld id="{B61BEF0D-F0BB-DE4B-95CE-6DB70DBA9567}" type="datetimeFigureOut">
               <a:rPr lang="en-US" dirty="0"/>
               <a:pPr/>
-              <a:t>5/24/2020</a:t>
+              <a:t>5/25/2020</a:t>
             </a:fld>
             <a:endParaRPr lang="en-US" dirty="0"/>
           </a:p>
@@ -7720,7 +7720,73 @@
                   </a:schemeClr>
                 </a:solidFill>
               </a:rPr>
-              <a:t>Se añaden las funciones de pintar, mover y borrar, que como sus nombres indican pintan el objeto, lo mueven y borran su rastro.</a:t>
+              <a:t>Se añaden las funciones de </a:t>
+            </a:r>
+            <a:r>
+              <a:rPr lang="es-ES" b="1" dirty="0">
+                <a:solidFill>
+                  <a:schemeClr val="bg2">
+                    <a:lumMod val="20000"/>
+                    <a:lumOff val="80000"/>
+                  </a:schemeClr>
+                </a:solidFill>
+              </a:rPr>
+              <a:t>pintar</a:t>
+            </a:r>
+            <a:r>
+              <a:rPr lang="es-ES" dirty="0">
+                <a:solidFill>
+                  <a:schemeClr val="bg2">
+                    <a:lumMod val="20000"/>
+                    <a:lumOff val="80000"/>
+                  </a:schemeClr>
+                </a:solidFill>
+              </a:rPr>
+              <a:t>, </a:t>
+            </a:r>
+            <a:r>
+              <a:rPr lang="es-ES" b="1" dirty="0">
+                <a:solidFill>
+                  <a:schemeClr val="bg2">
+                    <a:lumMod val="20000"/>
+                    <a:lumOff val="80000"/>
+                  </a:schemeClr>
+                </a:solidFill>
+              </a:rPr>
+              <a:t>mover</a:t>
+            </a:r>
+            <a:r>
+              <a:rPr lang="es-ES" dirty="0">
+                <a:solidFill>
+                  <a:schemeClr val="bg2">
+                    <a:lumMod val="20000"/>
+                    <a:lumOff val="80000"/>
+                  </a:schemeClr>
+                </a:solidFill>
+              </a:rPr>
+              <a:t> y </a:t>
+            </a:r>
+            <a:r>
+              <a:rPr lang="es-ES" b="1" dirty="0">
+                <a:solidFill>
+                  <a:schemeClr val="bg2">
+                    <a:lumMod val="20000"/>
+                    <a:lumOff val="80000"/>
+                  </a:schemeClr>
+                </a:solidFill>
+              </a:rPr>
+              <a:t>borrar</a:t>
+            </a:r>
+            <a:r>
+              <a:rPr lang="es-ES" dirty="0">
+                <a:solidFill>
+                  <a:schemeClr val="bg2">
+                    <a:lumMod val="20000"/>
+                    <a:lumOff val="80000"/>
+                  </a:schemeClr>
+                </a:solidFill>
+              </a:rPr>
+              <a:t>, que como sus nombres indican pintan el objeto, lo mueven y borran su rastro.</a:t>
             </a:r>
           </a:p>
           <a:p>
@@ -7941,7 +8007,7 @@
         </p:nvSpPr>
         <p:spPr>
           <a:xfrm>
-            <a:off x="5947504" y="203819"/>
+            <a:off x="5991047" y="510471"/>
             <a:ext cx="5850919" cy="5837058"/>
           </a:xfrm>
         </p:spPr>
@@ -8233,8 +8299,8 @@
         </p:blipFill>
         <p:spPr>
           <a:xfrm>
-            <a:off x="2733441" y="-79901"/>
-            <a:ext cx="1401561" cy="1401561"/>
+            <a:off x="2644587" y="203818"/>
+            <a:ext cx="1278801" cy="1278801"/>
           </a:xfrm>
           <a:prstGeom prst="rect">
             <a:avLst/>
@@ -8262,7 +8328,7 @@
         </p:blipFill>
         <p:spPr>
           <a:xfrm>
-            <a:off x="287911" y="1196550"/>
+            <a:off x="246743" y="1941621"/>
             <a:ext cx="5530253" cy="3433760"/>
           </a:xfrm>
           <a:prstGeom prst="rect">
@@ -9190,7 +9256,7 @@
               <a:t>Se añaden las funciones de pintar, borrar y </a:t>
             </a:r>
             <a:r>
-              <a:rPr lang="es-ES" dirty="0" err="1">
+              <a:rPr lang="es-ES" b="1" dirty="0" err="1">
                 <a:solidFill>
                   <a:schemeClr val="bg2">
                     <a:lumMod val="20000"/>
@@ -9229,7 +9295,7 @@
               <a:t>La función </a:t>
             </a:r>
             <a:r>
-              <a:rPr lang="es-ES" dirty="0" err="1">
+              <a:rPr lang="es-ES" b="1" dirty="0" err="1">
                 <a:solidFill>
                   <a:schemeClr val="bg2">
                     <a:lumMod val="20000"/>
@@ -9240,7 +9306,7 @@
               <a:t>contar_monedas</a:t>
             </a:r>
             <a:r>
-              <a:rPr lang="es-ES" dirty="0">
+              <a:rPr lang="es-ES" b="1" dirty="0">
                 <a:solidFill>
                   <a:schemeClr val="bg2">
                     <a:lumMod val="20000"/>
@@ -9248,7 +9314,18 @@
                   </a:schemeClr>
                 </a:solidFill>
               </a:rPr>
-              <a:t> compara la posición del jugador  con la posición de la moneda. Si son las mismas posiciones añadirá una moneda más</a:t>
+              <a:t> </a:t>
+            </a:r>
+            <a:r>
+              <a:rPr lang="es-ES" dirty="0">
+                <a:solidFill>
+                  <a:schemeClr val="bg2">
+                    <a:lumMod val="20000"/>
+                    <a:lumOff val="80000"/>
+                  </a:schemeClr>
+                </a:solidFill>
+              </a:rPr>
+              <a:t>compara la posición del jugador  con la posición de la moneda. Si son las mismas posiciones añadirá una moneda más</a:t>
             </a:r>
           </a:p>
           <a:p>
@@ -9463,7 +9540,7 @@
         </p:nvSpPr>
         <p:spPr>
           <a:xfrm>
-            <a:off x="4252436" y="1677211"/>
+            <a:off x="5311978" y="2838353"/>
             <a:ext cx="6021388" cy="1477328"/>
           </a:xfrm>
         </p:spPr>
@@ -9479,7 +9556,7 @@
                   <a:schemeClr val="tx1"/>
                 </a:solidFill>
               </a:rPr>
-              <a:t>El resultado de monedas y las vidas no utilizadas serán recogidas durante todo el juego se guardarán en un fichero llamada Resultados.txt</a:t>
+              <a:t>Las monedas recogidas, las vidas no utilizadas y la distancia máxima recorrida durante toda la partida se recogen en un fichero llamada Resultados.txt</a:t>
             </a:r>
           </a:p>
         </p:txBody>
@@ -9521,7 +9598,7 @@
       </p:pic>
       <p:pic>
         <p:nvPicPr>
-          <p:cNvPr id="8" name="Imagen 7" descr="Captura de pantalla de un celular&#10;&#10;Descripción generada automáticamente">
+          <p:cNvPr id="8" name="Imagen 7">
             <a:extLst>
               <a:ext uri="{FF2B5EF4-FFF2-40B4-BE49-F238E27FC236}">
                 <a16:creationId xmlns:a16="http://schemas.microsoft.com/office/drawing/2014/main" id="{EE41A358-4ADC-4BC8-ACB5-D8D166A4B2C6}"/>
@@ -9535,14 +9612,13 @@
         </p:nvPicPr>
         <p:blipFill>
           <a:blip r:embed="rId4"/>
-          <a:stretch>
-            <a:fillRect/>
-          </a:stretch>
+          <a:srcRect/>
+          <a:stretch/>
         </p:blipFill>
         <p:spPr>
           <a:xfrm>
-            <a:off x="693235" y="1309067"/>
-            <a:ext cx="3283679" cy="3303148"/>
+            <a:off x="379361" y="1516319"/>
+            <a:ext cx="4392161" cy="4358046"/>
           </a:xfrm>
           <a:prstGeom prst="rect">
             <a:avLst/>
@@ -10444,7 +10520,7 @@
         </p:blipFill>
         <p:spPr>
           <a:xfrm>
-            <a:off x="2190279" y="2007049"/>
+            <a:off x="2337811" y="1995572"/>
             <a:ext cx="2834886" cy="896190"/>
           </a:xfrm>
           <a:prstGeom prst="rect">
@@ -11074,6 +11150,21 @@
 </file>
 
 <file path=customXml/item1.xml><?xml version="1.0" encoding="utf-8"?>
+<?mso-contentType ?>
+<FormTemplates xmlns="http://schemas.microsoft.com/sharepoint/v3/contenttype/forms">
+  <Display>DocumentLibraryForm</Display>
+  <Edit>DocumentLibraryForm</Edit>
+  <New>DocumentLibraryForm</New>
+</FormTemplates>
+</file>
+
+<file path=customXml/item2.xml><?xml version="1.0" encoding="utf-8"?>
+<p:properties xmlns:p="http://schemas.microsoft.com/office/2006/metadata/properties" xmlns:xsi="http://www.w3.org/2001/XMLSchema-instance" xmlns:pc="http://schemas.microsoft.com/office/infopath/2007/PartnerControls">
+  <documentManagement/>
+</p:properties>
+</file>
+
+<file path=customXml/item3.xml><?xml version="1.0" encoding="utf-8"?>
 <ct:contentTypeSchema xmlns:ct="http://schemas.microsoft.com/office/2006/metadata/contentType" xmlns:ma="http://schemas.microsoft.com/office/2006/metadata/properties/metaAttributes" ct:_="" ma:_="" ma:contentTypeName="Documento" ma:contentTypeID="0x010100924BC1BD0483B04D914EFE9F60034604" ma:contentTypeVersion="4" ma:contentTypeDescription="Crear nuevo documento." ma:contentTypeScope="" ma:versionID="6d24fb2f542aa25943fe7f7abc8ee3c1">
   <xsd:schema xmlns:xsd="http://www.w3.org/2001/XMLSchema" xmlns:xs="http://www.w3.org/2001/XMLSchema" xmlns:p="http://schemas.microsoft.com/office/2006/metadata/properties" xmlns:ns3="51cc9c91-9142-4d74-96a2-3b368bf3b5bb" targetNamespace="http://schemas.microsoft.com/office/2006/metadata/properties" ma:root="true" ma:fieldsID="8c67a9b7b11086cb115e570c04b95045" ns3:_="">
     <xsd:import namespace="51cc9c91-9142-4d74-96a2-3b368bf3b5bb"/>
@@ -11219,35 +11310,10 @@
 </ct:contentTypeSchema>
 </file>
 
-<file path=customXml/item2.xml><?xml version="1.0" encoding="utf-8"?>
-<p:properties xmlns:p="http://schemas.microsoft.com/office/2006/metadata/properties" xmlns:xsi="http://www.w3.org/2001/XMLSchema-instance" xmlns:pc="http://schemas.microsoft.com/office/infopath/2007/PartnerControls">
-  <documentManagement/>
-</p:properties>
-</file>
-
-<file path=customXml/item3.xml><?xml version="1.0" encoding="utf-8"?>
-<?mso-contentType ?>
-<FormTemplates xmlns="http://schemas.microsoft.com/sharepoint/v3/contenttype/forms">
-  <Display>DocumentLibraryForm</Display>
-  <Edit>DocumentLibraryForm</Edit>
-  <New>DocumentLibraryForm</New>
-</FormTemplates>
-</file>
-
 <file path=customXml/itemProps1.xml><?xml version="1.0" encoding="utf-8"?>
-<ds:datastoreItem xmlns:ds="http://schemas.openxmlformats.org/officeDocument/2006/customXml" ds:itemID="{54BC7094-F84A-4FD1-87C2-900117B9D5FC}">
+<ds:datastoreItem xmlns:ds="http://schemas.openxmlformats.org/officeDocument/2006/customXml" ds:itemID="{5FE5BC89-38EB-4223-A2DD-E826B783A6A9}">
   <ds:schemaRefs>
-    <ds:schemaRef ds:uri="http://schemas.microsoft.com/office/2006/metadata/contentType"/>
-    <ds:schemaRef ds:uri="http://schemas.microsoft.com/office/2006/metadata/properties/metaAttributes"/>
-    <ds:schemaRef ds:uri="http://www.w3.org/2001/XMLSchema"/>
-    <ds:schemaRef ds:uri="http://schemas.microsoft.com/office/2006/metadata/properties"/>
-    <ds:schemaRef ds:uri="51cc9c91-9142-4d74-96a2-3b368bf3b5bb"/>
-    <ds:schemaRef ds:uri="http://schemas.microsoft.com/office/2006/documentManagement/types"/>
-    <ds:schemaRef ds:uri="http://schemas.microsoft.com/office/infopath/2007/PartnerControls"/>
-    <ds:schemaRef ds:uri="http://schemas.openxmlformats.org/package/2006/metadata/core-properties"/>
-    <ds:schemaRef ds:uri="http://purl.org/dc/elements/1.1/"/>
-    <ds:schemaRef ds:uri="http://purl.org/dc/terms/"/>
-    <ds:schemaRef ds:uri="http://schemas.microsoft.com/internal/obd"/>
+    <ds:schemaRef ds:uri="http://schemas.microsoft.com/sharepoint/v3/contenttype/forms"/>
   </ds:schemaRefs>
 </ds:datastoreItem>
 </file>
@@ -11269,9 +11335,19 @@
 </file>
 
 <file path=customXml/itemProps3.xml><?xml version="1.0" encoding="utf-8"?>
-<ds:datastoreItem xmlns:ds="http://schemas.openxmlformats.org/officeDocument/2006/customXml" ds:itemID="{5FE5BC89-38EB-4223-A2DD-E826B783A6A9}">
+<ds:datastoreItem xmlns:ds="http://schemas.openxmlformats.org/officeDocument/2006/customXml" ds:itemID="{54BC7094-F84A-4FD1-87C2-900117B9D5FC}">
   <ds:schemaRefs>
-    <ds:schemaRef ds:uri="http://schemas.microsoft.com/sharepoint/v3/contenttype/forms"/>
+    <ds:schemaRef ds:uri="http://schemas.microsoft.com/office/2006/metadata/contentType"/>
+    <ds:schemaRef ds:uri="http://schemas.microsoft.com/office/2006/metadata/properties/metaAttributes"/>
+    <ds:schemaRef ds:uri="http://www.w3.org/2001/XMLSchema"/>
+    <ds:schemaRef ds:uri="http://schemas.microsoft.com/office/2006/metadata/properties"/>
+    <ds:schemaRef ds:uri="51cc9c91-9142-4d74-96a2-3b368bf3b5bb"/>
+    <ds:schemaRef ds:uri="http://schemas.microsoft.com/office/2006/documentManagement/types"/>
+    <ds:schemaRef ds:uri="http://schemas.microsoft.com/office/infopath/2007/PartnerControls"/>
+    <ds:schemaRef ds:uri="http://schemas.openxmlformats.org/package/2006/metadata/core-properties"/>
+    <ds:schemaRef ds:uri="http://purl.org/dc/elements/1.1/"/>
+    <ds:schemaRef ds:uri="http://purl.org/dc/terms/"/>
+    <ds:schemaRef ds:uri="http://schemas.microsoft.com/internal/obd"/>
   </ds:schemaRefs>
 </ds:datastoreItem>
 </file>
--- a/CROSS the road.pptx
+++ b/CROSS the road.pptx
@@ -6240,7 +6240,7 @@
                   <a:srgbClr val="000000"/>
                 </a:solidFill>
               </a:rPr>
-              <a:t>, donde se  intenta atravesar todas las zonas sin que alguno de los elementos que se mueven horizontalmente intercepte a nuestra “rana”. En el caso en el que intercepte a algunos de nuestros “coches”, el número de vidas descenderá, hasta que llegue a cero. En ese momento el juego terminará.</a:t>
+              <a:t>, donde se  intenta atravesar todas las zonas sin que alguno de los elementos que se mueven horizontalmente intercepte a nuestra “rana”. En el caso en el que intercepte a algunos de nuestros “coches”, el número de vidas descenderá, hasta que llegue a cero. En ese momento el juego terminará. </a:t>
             </a:r>
           </a:p>
         </p:txBody>
@@ -6304,7 +6304,7 @@
       <p:bgPr>
         <a:gradFill>
           <a:gsLst>
-            <a:gs pos="10000">
+            <a:gs pos="0">
               <a:schemeClr val="bg2">
                 <a:tint val="97000"/>
                 <a:hueMod val="92000"/>
@@ -6312,11 +6312,9 @@
                 <a:lumMod val="164000"/>
               </a:schemeClr>
             </a:gs>
-            <a:gs pos="100000">
+            <a:gs pos="0">
               <a:schemeClr val="bg2">
-                <a:shade val="96000"/>
-                <a:satMod val="120000"/>
-                <a:lumMod val="90000"/>
+                <a:lumMod val="75000"/>
               </a:schemeClr>
             </a:gs>
           </a:gsLst>
@@ -6445,41 +6443,6 @@
       </p:sp>
       <p:pic>
         <p:nvPicPr>
-          <p:cNvPr id="11" name="Graphic 10" descr="Monitor">
-            <a:extLst>
-              <a:ext uri="{FF2B5EF4-FFF2-40B4-BE49-F238E27FC236}">
-                <a16:creationId xmlns:a16="http://schemas.microsoft.com/office/drawing/2014/main" id="{296201F0-8155-460D-A375-06B0102B40B8}"/>
-              </a:ext>
-            </a:extLst>
-          </p:cNvPr>
-          <p:cNvPicPr>
-            <a:picLocks noChangeAspect="1"/>
-          </p:cNvPicPr>
-          <p:nvPr/>
-        </p:nvPicPr>
-        <p:blipFill>
-          <a:blip r:embed="rId2">
-            <a:extLst>
-              <a:ext uri="{96DAC541-7B7A-43D3-8B79-37D633B846F1}">
-                <asvg:svgBlip xmlns:asvg="http://schemas.microsoft.com/office/drawing/2016/SVG/main" r:embed="rId3"/>
-              </a:ext>
-            </a:extLst>
-          </a:blip>
-          <a:srcRect/>
-          <a:stretch/>
-        </p:blipFill>
-        <p:spPr>
-          <a:xfrm>
-            <a:off x="4077667" y="0"/>
-            <a:ext cx="1921645" cy="1921645"/>
-          </a:xfrm>
-          <a:prstGeom prst="rect">
-            <a:avLst/>
-          </a:prstGeom>
-        </p:spPr>
-      </p:pic>
-      <p:pic>
-        <p:nvPicPr>
           <p:cNvPr id="4" name="Imagen 3">
             <a:extLst>
               <a:ext uri="{FF2B5EF4-FFF2-40B4-BE49-F238E27FC236}">
@@ -6493,7 +6456,7 @@
           <p:nvPr/>
         </p:nvPicPr>
         <p:blipFill rotWithShape="1">
-          <a:blip r:embed="rId4"/>
+          <a:blip r:embed="rId2"/>
           <a:srcRect l="14054" t="15923" r="67378" b="21683"/>
           <a:stretch/>
         </p:blipFill>
@@ -6522,7 +6485,7 @@
           <p:nvPr/>
         </p:nvPicPr>
         <p:blipFill>
-          <a:blip r:embed="rId5"/>
+          <a:blip r:embed="rId3"/>
           <a:stretch>
             <a:fillRect/>
           </a:stretch>
@@ -6531,6 +6494,41 @@
           <a:xfrm>
             <a:off x="868391" y="3941686"/>
             <a:ext cx="5529756" cy="2649984"/>
+          </a:xfrm>
+          <a:prstGeom prst="rect">
+            <a:avLst/>
+          </a:prstGeom>
+        </p:spPr>
+      </p:pic>
+      <p:pic>
+        <p:nvPicPr>
+          <p:cNvPr id="11" name="Graphic 10" descr="Monitor">
+            <a:extLst>
+              <a:ext uri="{FF2B5EF4-FFF2-40B4-BE49-F238E27FC236}">
+                <a16:creationId xmlns:a16="http://schemas.microsoft.com/office/drawing/2014/main" id="{296201F0-8155-460D-A375-06B0102B40B8}"/>
+              </a:ext>
+            </a:extLst>
+          </p:cNvPr>
+          <p:cNvPicPr>
+            <a:picLocks noChangeAspect="1"/>
+          </p:cNvPicPr>
+          <p:nvPr/>
+        </p:nvPicPr>
+        <p:blipFill>
+          <a:blip r:embed="rId4">
+            <a:extLst>
+              <a:ext uri="{96DAC541-7B7A-43D3-8B79-37D633B846F1}">
+                <asvg:svgBlip xmlns:asvg="http://schemas.microsoft.com/office/drawing/2016/SVG/main" r:embed="rId5"/>
+              </a:ext>
+            </a:extLst>
+          </a:blip>
+          <a:srcRect/>
+          <a:stretch/>
+        </p:blipFill>
+        <p:spPr>
+          <a:xfrm>
+            <a:off x="3971155" y="-116114"/>
+            <a:ext cx="1921645" cy="1921645"/>
           </a:xfrm>
           <a:prstGeom prst="rect">
             <a:avLst/>
@@ -7968,8 +7966,8 @@
         </p:nvSpPr>
         <p:spPr>
           <a:xfrm>
-            <a:off x="822870" y="203818"/>
-            <a:ext cx="3643435" cy="1737803"/>
+            <a:off x="822869" y="0"/>
+            <a:ext cx="3643435" cy="1001486"/>
           </a:xfrm>
         </p:spPr>
         <p:txBody>
@@ -7982,10 +7980,6 @@
               <a:rPr lang="es-ES" dirty="0"/>
               <a:t>4.vidas </a:t>
             </a:r>
-            <a:br>
-              <a:rPr lang="es-ES" dirty="0"/>
-            </a:br>
-            <a:endParaRPr lang="es-ES" dirty="0"/>
           </a:p>
         </p:txBody>
       </p:sp>
@@ -8007,7 +8001,7 @@
         </p:nvSpPr>
         <p:spPr>
           <a:xfrm>
-            <a:off x="5991047" y="510471"/>
+            <a:off x="358527" y="668429"/>
             <a:ext cx="5850919" cy="5837058"/>
           </a:xfrm>
         </p:spPr>
@@ -8064,39 +8058,7 @@
                   <a:schemeClr val="tx1"/>
                 </a:solidFill>
               </a:rPr>
-              <a:t>Inicialmente el juego comienza con 3 vidas, al llegar a 0 el programa se terminará y se cerrará con la frase “</a:t>
-            </a:r>
-            <a:r>
-              <a:rPr lang="es-ES" sz="1800" dirty="0" err="1">
-                <a:solidFill>
-                  <a:schemeClr val="tx1"/>
-                </a:solidFill>
-              </a:rPr>
-              <a:t>Game</a:t>
-            </a:r>
-            <a:r>
-              <a:rPr lang="es-ES" sz="1800" dirty="0">
-                <a:solidFill>
-                  <a:schemeClr val="tx1"/>
-                </a:solidFill>
-              </a:rPr>
-              <a:t> </a:t>
-            </a:r>
-            <a:r>
-              <a:rPr lang="es-ES" sz="1800" dirty="0" err="1">
-                <a:solidFill>
-                  <a:schemeClr val="tx1"/>
-                </a:solidFill>
-              </a:rPr>
-              <a:t>over</a:t>
-            </a:r>
-            <a:r>
-              <a:rPr lang="es-ES" sz="1800" dirty="0">
-                <a:solidFill>
-                  <a:schemeClr val="tx1"/>
-                </a:solidFill>
-              </a:rPr>
-              <a:t>”. Y se consigue llegar al final el programa también se cerrará pero con la frase “Has ganado”.</a:t>
+              <a:t>Inicialmente el juego comienza con 3 vidas</a:t>
             </a:r>
           </a:p>
           <a:p>
@@ -8299,7 +8261,7 @@
         </p:blipFill>
         <p:spPr>
           <a:xfrm>
-            <a:off x="2644587" y="203818"/>
+            <a:off x="2905844" y="0"/>
             <a:ext cx="1278801" cy="1278801"/>
           </a:xfrm>
           <a:prstGeom prst="rect">
@@ -8328,7 +8290,7 @@
         </p:blipFill>
         <p:spPr>
           <a:xfrm>
-            <a:off x="246743" y="1941621"/>
+            <a:off x="6398904" y="1712120"/>
             <a:ext cx="5530253" cy="3433760"/>
           </a:xfrm>
           <a:prstGeom prst="rect">
@@ -11150,21 +11112,6 @@
 </file>
 
 <file path=customXml/item1.xml><?xml version="1.0" encoding="utf-8"?>
-<?mso-contentType ?>
-<FormTemplates xmlns="http://schemas.microsoft.com/sharepoint/v3/contenttype/forms">
-  <Display>DocumentLibraryForm</Display>
-  <Edit>DocumentLibraryForm</Edit>
-  <New>DocumentLibraryForm</New>
-</FormTemplates>
-</file>
-
-<file path=customXml/item2.xml><?xml version="1.0" encoding="utf-8"?>
-<p:properties xmlns:p="http://schemas.microsoft.com/office/2006/metadata/properties" xmlns:xsi="http://www.w3.org/2001/XMLSchema-instance" xmlns:pc="http://schemas.microsoft.com/office/infopath/2007/PartnerControls">
-  <documentManagement/>
-</p:properties>
-</file>
-
-<file path=customXml/item3.xml><?xml version="1.0" encoding="utf-8"?>
 <ct:contentTypeSchema xmlns:ct="http://schemas.microsoft.com/office/2006/metadata/contentType" xmlns:ma="http://schemas.microsoft.com/office/2006/metadata/properties/metaAttributes" ct:_="" ma:_="" ma:contentTypeName="Documento" ma:contentTypeID="0x010100924BC1BD0483B04D914EFE9F60034604" ma:contentTypeVersion="4" ma:contentTypeDescription="Crear nuevo documento." ma:contentTypeScope="" ma:versionID="6d24fb2f542aa25943fe7f7abc8ee3c1">
   <xsd:schema xmlns:xsd="http://www.w3.org/2001/XMLSchema" xmlns:xs="http://www.w3.org/2001/XMLSchema" xmlns:p="http://schemas.microsoft.com/office/2006/metadata/properties" xmlns:ns3="51cc9c91-9142-4d74-96a2-3b368bf3b5bb" targetNamespace="http://schemas.microsoft.com/office/2006/metadata/properties" ma:root="true" ma:fieldsID="8c67a9b7b11086cb115e570c04b95045" ns3:_="">
     <xsd:import namespace="51cc9c91-9142-4d74-96a2-3b368bf3b5bb"/>
@@ -11310,31 +11257,22 @@
 </ct:contentTypeSchema>
 </file>
 
-<file path=customXml/itemProps1.xml><?xml version="1.0" encoding="utf-8"?>
-<ds:datastoreItem xmlns:ds="http://schemas.openxmlformats.org/officeDocument/2006/customXml" ds:itemID="{5FE5BC89-38EB-4223-A2DD-E826B783A6A9}">
-  <ds:schemaRefs>
-    <ds:schemaRef ds:uri="http://schemas.microsoft.com/sharepoint/v3/contenttype/forms"/>
-  </ds:schemaRefs>
-</ds:datastoreItem>
+<file path=customXml/item2.xml><?xml version="1.0" encoding="utf-8"?>
+<p:properties xmlns:p="http://schemas.microsoft.com/office/2006/metadata/properties" xmlns:xsi="http://www.w3.org/2001/XMLSchema-instance" xmlns:pc="http://schemas.microsoft.com/office/infopath/2007/PartnerControls">
+  <documentManagement/>
+</p:properties>
 </file>
 
-<file path=customXml/itemProps2.xml><?xml version="1.0" encoding="utf-8"?>
-<ds:datastoreItem xmlns:ds="http://schemas.openxmlformats.org/officeDocument/2006/customXml" ds:itemID="{30550C88-98D9-4B82-BB21-8B3F92243293}">
-  <ds:schemaRefs>
-    <ds:schemaRef ds:uri="http://www.w3.org/XML/1998/namespace"/>
-    <ds:schemaRef ds:uri="http://purl.org/dc/elements/1.1/"/>
-    <ds:schemaRef ds:uri="http://schemas.microsoft.com/office/2006/metadata/properties"/>
-    <ds:schemaRef ds:uri="http://schemas.microsoft.com/office/2006/documentManagement/types"/>
-    <ds:schemaRef ds:uri="http://schemas.microsoft.com/office/infopath/2007/PartnerControls"/>
-    <ds:schemaRef ds:uri="http://purl.org/dc/terms/"/>
-    <ds:schemaRef ds:uri="http://purl.org/dc/dcmitype/"/>
-    <ds:schemaRef ds:uri="http://schemas.openxmlformats.org/package/2006/metadata/core-properties"/>
-    <ds:schemaRef ds:uri="51cc9c91-9142-4d74-96a2-3b368bf3b5bb"/>
-  </ds:schemaRefs>
-</ds:datastoreItem>
+<file path=customXml/item3.xml><?xml version="1.0" encoding="utf-8"?>
+<?mso-contentType ?>
+<FormTemplates xmlns="http://schemas.microsoft.com/sharepoint/v3/contenttype/forms">
+  <Display>DocumentLibraryForm</Display>
+  <Edit>DocumentLibraryForm</Edit>
+  <New>DocumentLibraryForm</New>
+</FormTemplates>
 </file>
 
-<file path=customXml/itemProps3.xml><?xml version="1.0" encoding="utf-8"?>
+<file path=customXml/itemProps1.xml><?xml version="1.0" encoding="utf-8"?>
 <ds:datastoreItem xmlns:ds="http://schemas.openxmlformats.org/officeDocument/2006/customXml" ds:itemID="{54BC7094-F84A-4FD1-87C2-900117B9D5FC}">
   <ds:schemaRefs>
     <ds:schemaRef ds:uri="http://schemas.microsoft.com/office/2006/metadata/contentType"/>
@@ -11350,4 +11288,28 @@
     <ds:schemaRef ds:uri="http://schemas.microsoft.com/internal/obd"/>
   </ds:schemaRefs>
 </ds:datastoreItem>
+</file>
+
+<file path=customXml/itemProps2.xml><?xml version="1.0" encoding="utf-8"?>
+<ds:datastoreItem xmlns:ds="http://schemas.openxmlformats.org/officeDocument/2006/customXml" ds:itemID="{30550C88-98D9-4B82-BB21-8B3F92243293}">
+  <ds:schemaRefs>
+    <ds:schemaRef ds:uri="51cc9c91-9142-4d74-96a2-3b368bf3b5bb"/>
+    <ds:schemaRef ds:uri="http://schemas.microsoft.com/office/2006/documentManagement/types"/>
+    <ds:schemaRef ds:uri="http://schemas.openxmlformats.org/package/2006/metadata/core-properties"/>
+    <ds:schemaRef ds:uri="http://purl.org/dc/dcmitype/"/>
+    <ds:schemaRef ds:uri="http://schemas.microsoft.com/office/infopath/2007/PartnerControls"/>
+    <ds:schemaRef ds:uri="http://purl.org/dc/elements/1.1/"/>
+    <ds:schemaRef ds:uri="http://schemas.microsoft.com/office/2006/metadata/properties"/>
+    <ds:schemaRef ds:uri="http://www.w3.org/XML/1998/namespace"/>
+    <ds:schemaRef ds:uri="http://purl.org/dc/terms/"/>
+  </ds:schemaRefs>
+</ds:datastoreItem>
+</file>
+
+<file path=customXml/itemProps3.xml><?xml version="1.0" encoding="utf-8"?>
+<ds:datastoreItem xmlns:ds="http://schemas.openxmlformats.org/officeDocument/2006/customXml" ds:itemID="{5FE5BC89-38EB-4223-A2DD-E826B783A6A9}">
+  <ds:schemaRefs>
+    <ds:schemaRef ds:uri="http://schemas.microsoft.com/sharepoint/v3/contenttype/forms"/>
+  </ds:schemaRefs>
+</ds:datastoreItem>
 </file>